--- a/learning_material/Agile Software Engineering.pptx
+++ b/learning_material/Agile Software Engineering.pptx
@@ -5,7 +5,7 @@
     <p:sldMasterId id="2147483648" r:id="rId1"/>
   </p:sldMasterIdLst>
   <p:notesMasterIdLst>
-    <p:notesMasterId r:id="rId24"/>
+    <p:notesMasterId r:id="rId25"/>
   </p:notesMasterIdLst>
   <p:sldIdLst>
     <p:sldId id="256" r:id="rId2"/>
@@ -30,6 +30,7 @@
     <p:sldId id="3220" r:id="rId21"/>
     <p:sldId id="3289" r:id="rId22"/>
     <p:sldId id="3290" r:id="rId23"/>
+    <p:sldId id="3292" r:id="rId24"/>
   </p:sldIdLst>
   <p:sldSz cx="12192000" cy="6858000"/>
   <p:notesSz cx="6858000" cy="9144000"/>
@@ -149,7 +150,7 @@
   <pc:docChgLst>
     <pc:chgData name="Heitor Roriz Filho" userId="af4ef8844a2fcbc3" providerId="LiveId" clId="{173FCC4A-857D-48E8-A663-6F33560BDDC5}"/>
     <pc:docChg chg="undo custSel addSld delSld modSld">
-      <pc:chgData name="Heitor Roriz Filho" userId="af4ef8844a2fcbc3" providerId="LiveId" clId="{173FCC4A-857D-48E8-A663-6F33560BDDC5}" dt="2025-09-22T02:10:57.947" v="1544" actId="13926"/>
+      <pc:chgData name="Heitor Roriz Filho" userId="af4ef8844a2fcbc3" providerId="LiveId" clId="{173FCC4A-857D-48E8-A663-6F33560BDDC5}" dt="2025-09-22T11:51:37.907" v="1560" actId="20577"/>
       <pc:docMkLst>
         <pc:docMk/>
       </pc:docMkLst>
@@ -1809,6 +1810,37 @@
           </ac:spMkLst>
         </pc:spChg>
       </pc:sldChg>
+      <pc:sldChg chg="addSp delSp modSp new mod">
+        <pc:chgData name="Heitor Roriz Filho" userId="af4ef8844a2fcbc3" providerId="LiveId" clId="{173FCC4A-857D-48E8-A663-6F33560BDDC5}" dt="2025-09-22T11:51:37.907" v="1560" actId="20577"/>
+        <pc:sldMkLst>
+          <pc:docMk/>
+          <pc:sldMk cId="1674465491" sldId="3292"/>
+        </pc:sldMkLst>
+        <pc:spChg chg="del">
+          <ac:chgData name="Heitor Roriz Filho" userId="af4ef8844a2fcbc3" providerId="LiveId" clId="{173FCC4A-857D-48E8-A663-6F33560BDDC5}" dt="2025-09-22T11:50:51.166" v="1546" actId="478"/>
+          <ac:spMkLst>
+            <pc:docMk/>
+            <pc:sldMk cId="1674465491" sldId="3292"/>
+            <ac:spMk id="2" creationId="{CF312228-075C-B5A0-E335-189B1C51DBB4}"/>
+          </ac:spMkLst>
+        </pc:spChg>
+        <pc:spChg chg="del">
+          <ac:chgData name="Heitor Roriz Filho" userId="af4ef8844a2fcbc3" providerId="LiveId" clId="{173FCC4A-857D-48E8-A663-6F33560BDDC5}" dt="2025-09-22T11:50:51.166" v="1546" actId="478"/>
+          <ac:spMkLst>
+            <pc:docMk/>
+            <pc:sldMk cId="1674465491" sldId="3292"/>
+            <ac:spMk id="3" creationId="{378E4A8C-FBE2-C60E-0273-AA07374FCDF5}"/>
+          </ac:spMkLst>
+        </pc:spChg>
+        <pc:spChg chg="add mod">
+          <ac:chgData name="Heitor Roriz Filho" userId="af4ef8844a2fcbc3" providerId="LiveId" clId="{173FCC4A-857D-48E8-A663-6F33560BDDC5}" dt="2025-09-22T11:51:37.907" v="1560" actId="20577"/>
+          <ac:spMkLst>
+            <pc:docMk/>
+            <pc:sldMk cId="1674465491" sldId="3292"/>
+            <ac:spMk id="5" creationId="{8851E74D-8744-9583-C723-0BB59224B478}"/>
+          </ac:spMkLst>
+        </pc:spChg>
+      </pc:sldChg>
     </pc:docChg>
   </pc:docChgLst>
 </pc:chgInfo>
@@ -1896,7 +1928,7 @@
           <a:p>
             <a:fld id="{46B922E6-F63C-408A-A7A3-C8E767458CC8}" type="datetimeFigureOut">
               <a:rPr lang="pt-BR" smtClean="0"/>
-              <a:t>21/09/2025</a:t>
+              <a:t>22/09/2025</a:t>
             </a:fld>
             <a:endParaRPr lang="pt-BR"/>
           </a:p>
@@ -3015,7 +3047,7 @@
           <a:p>
             <a:fld id="{249725DE-7C86-48DA-AE7F-5CC07460A36C}" type="datetimeFigureOut">
               <a:rPr lang="pt-BR" smtClean="0"/>
-              <a:t>21/09/2025</a:t>
+              <a:t>22/09/2025</a:t>
             </a:fld>
             <a:endParaRPr lang="pt-BR"/>
           </a:p>
@@ -3215,7 +3247,7 @@
           <a:p>
             <a:fld id="{249725DE-7C86-48DA-AE7F-5CC07460A36C}" type="datetimeFigureOut">
               <a:rPr lang="pt-BR" smtClean="0"/>
-              <a:t>21/09/2025</a:t>
+              <a:t>22/09/2025</a:t>
             </a:fld>
             <a:endParaRPr lang="pt-BR"/>
           </a:p>
@@ -3425,7 +3457,7 @@
           <a:p>
             <a:fld id="{249725DE-7C86-48DA-AE7F-5CC07460A36C}" type="datetimeFigureOut">
               <a:rPr lang="pt-BR" smtClean="0"/>
-              <a:t>21/09/2025</a:t>
+              <a:t>22/09/2025</a:t>
             </a:fld>
             <a:endParaRPr lang="pt-BR"/>
           </a:p>
@@ -3625,7 +3657,7 @@
           <a:p>
             <a:fld id="{249725DE-7C86-48DA-AE7F-5CC07460A36C}" type="datetimeFigureOut">
               <a:rPr lang="pt-BR" smtClean="0"/>
-              <a:t>21/09/2025</a:t>
+              <a:t>22/09/2025</a:t>
             </a:fld>
             <a:endParaRPr lang="pt-BR"/>
           </a:p>
@@ -3901,7 +3933,7 @@
           <a:p>
             <a:fld id="{249725DE-7C86-48DA-AE7F-5CC07460A36C}" type="datetimeFigureOut">
               <a:rPr lang="pt-BR" smtClean="0"/>
-              <a:t>21/09/2025</a:t>
+              <a:t>22/09/2025</a:t>
             </a:fld>
             <a:endParaRPr lang="pt-BR"/>
           </a:p>
@@ -4169,7 +4201,7 @@
           <a:p>
             <a:fld id="{249725DE-7C86-48DA-AE7F-5CC07460A36C}" type="datetimeFigureOut">
               <a:rPr lang="pt-BR" smtClean="0"/>
-              <a:t>21/09/2025</a:t>
+              <a:t>22/09/2025</a:t>
             </a:fld>
             <a:endParaRPr lang="pt-BR"/>
           </a:p>
@@ -4584,7 +4616,7 @@
           <a:p>
             <a:fld id="{249725DE-7C86-48DA-AE7F-5CC07460A36C}" type="datetimeFigureOut">
               <a:rPr lang="pt-BR" smtClean="0"/>
-              <a:t>21/09/2025</a:t>
+              <a:t>22/09/2025</a:t>
             </a:fld>
             <a:endParaRPr lang="pt-BR"/>
           </a:p>
@@ -4726,7 +4758,7 @@
           <a:p>
             <a:fld id="{249725DE-7C86-48DA-AE7F-5CC07460A36C}" type="datetimeFigureOut">
               <a:rPr lang="pt-BR" smtClean="0"/>
-              <a:t>21/09/2025</a:t>
+              <a:t>22/09/2025</a:t>
             </a:fld>
             <a:endParaRPr lang="pt-BR"/>
           </a:p>
@@ -4839,7 +4871,7 @@
           <a:p>
             <a:fld id="{249725DE-7C86-48DA-AE7F-5CC07460A36C}" type="datetimeFigureOut">
               <a:rPr lang="pt-BR" smtClean="0"/>
-              <a:t>21/09/2025</a:t>
+              <a:t>22/09/2025</a:t>
             </a:fld>
             <a:endParaRPr lang="pt-BR"/>
           </a:p>
@@ -5152,7 +5184,7 @@
           <a:p>
             <a:fld id="{249725DE-7C86-48DA-AE7F-5CC07460A36C}" type="datetimeFigureOut">
               <a:rPr lang="pt-BR" smtClean="0"/>
-              <a:t>21/09/2025</a:t>
+              <a:t>22/09/2025</a:t>
             </a:fld>
             <a:endParaRPr lang="pt-BR"/>
           </a:p>
@@ -5441,7 +5473,7 @@
           <a:p>
             <a:fld id="{249725DE-7C86-48DA-AE7F-5CC07460A36C}" type="datetimeFigureOut">
               <a:rPr lang="pt-BR" smtClean="0"/>
-              <a:t>21/09/2025</a:t>
+              <a:t>22/09/2025</a:t>
             </a:fld>
             <a:endParaRPr lang="pt-BR"/>
           </a:p>
@@ -5684,7 +5716,7 @@
           <a:p>
             <a:fld id="{249725DE-7C86-48DA-AE7F-5CC07460A36C}" type="datetimeFigureOut">
               <a:rPr lang="pt-BR" smtClean="0"/>
-              <a:t>21/09/2025</a:t>
+              <a:t>22/09/2025</a:t>
             </a:fld>
             <a:endParaRPr lang="pt-BR"/>
           </a:p>
@@ -12481,7 +12513,7 @@
           </a:ln>
           <a:extLst>
             <a:ext uri="{C572A759-6A51-4108-AA02-DFA0A04FC94B}">
-              <ma14:wrappingTextBoxFlag xmlns:ma14="http://schemas.microsoft.com/office/mac/drawingml/2011/main" xmlns="" val="1"/>
+              <ma14:wrappingTextBoxFlag xmlns="" xmlns:ma14="http://schemas.microsoft.com/office/mac/drawingml/2011/main" val="1"/>
             </a:ext>
           </a:extLst>
         </p:spPr>
@@ -12533,7 +12565,7 @@
           </a:ln>
           <a:extLst>
             <a:ext uri="{C572A759-6A51-4108-AA02-DFA0A04FC94B}">
-              <ma14:wrappingTextBoxFlag xmlns:ma14="http://schemas.microsoft.com/office/mac/drawingml/2011/main" xmlns="" val="1"/>
+              <ma14:wrappingTextBoxFlag xmlns="" xmlns:ma14="http://schemas.microsoft.com/office/mac/drawingml/2011/main" val="1"/>
             </a:ext>
           </a:extLst>
         </p:spPr>
@@ -12634,7 +12666,7 @@
           </a:ln>
           <a:extLst>
             <a:ext uri="{C572A759-6A51-4108-AA02-DFA0A04FC94B}">
-              <ma14:wrappingTextBoxFlag xmlns:ma14="http://schemas.microsoft.com/office/mac/drawingml/2011/main" xmlns="" val="1"/>
+              <ma14:wrappingTextBoxFlag xmlns="" xmlns:ma14="http://schemas.microsoft.com/office/mac/drawingml/2011/main" val="1"/>
             </a:ext>
           </a:extLst>
         </p:spPr>
@@ -12685,7 +12717,7 @@
           </a:ln>
           <a:extLst>
             <a:ext uri="{C572A759-6A51-4108-AA02-DFA0A04FC94B}">
-              <ma14:wrappingTextBoxFlag xmlns:ma14="http://schemas.microsoft.com/office/mac/drawingml/2011/main" xmlns="" val="1"/>
+              <ma14:wrappingTextBoxFlag xmlns="" xmlns:ma14="http://schemas.microsoft.com/office/mac/drawingml/2011/main" val="1"/>
             </a:ext>
           </a:extLst>
         </p:spPr>
@@ -12750,7 +12782,7 @@
           </a:ln>
           <a:extLst>
             <a:ext uri="{C572A759-6A51-4108-AA02-DFA0A04FC94B}">
-              <ma14:wrappingTextBoxFlag xmlns:ma14="http://schemas.microsoft.com/office/mac/drawingml/2011/main" xmlns="" val="1"/>
+              <ma14:wrappingTextBoxFlag xmlns="" xmlns:ma14="http://schemas.microsoft.com/office/mac/drawingml/2011/main" val="1"/>
             </a:ext>
           </a:extLst>
         </p:spPr>
@@ -12802,7 +12834,7 @@
           </a:ln>
           <a:extLst>
             <a:ext uri="{C572A759-6A51-4108-AA02-DFA0A04FC94B}">
-              <ma14:wrappingTextBoxFlag xmlns:ma14="http://schemas.microsoft.com/office/mac/drawingml/2011/main" xmlns="" val="1"/>
+              <ma14:wrappingTextBoxFlag xmlns="" xmlns:ma14="http://schemas.microsoft.com/office/mac/drawingml/2011/main" val="1"/>
             </a:ext>
           </a:extLst>
         </p:spPr>
@@ -12852,7 +12884,7 @@
           </a:ln>
           <a:extLst>
             <a:ext uri="{C572A759-6A51-4108-AA02-DFA0A04FC94B}">
-              <ma14:wrappingTextBoxFlag xmlns:ma14="http://schemas.microsoft.com/office/mac/drawingml/2011/main" xmlns="" val="1"/>
+              <ma14:wrappingTextBoxFlag xmlns="" xmlns:ma14="http://schemas.microsoft.com/office/mac/drawingml/2011/main" val="1"/>
             </a:ext>
           </a:extLst>
         </p:spPr>
@@ -12902,7 +12934,7 @@
           </a:ln>
           <a:extLst>
             <a:ext uri="{C572A759-6A51-4108-AA02-DFA0A04FC94B}">
-              <ma14:wrappingTextBoxFlag xmlns:ma14="http://schemas.microsoft.com/office/mac/drawingml/2011/main" xmlns="" val="1"/>
+              <ma14:wrappingTextBoxFlag xmlns="" xmlns:ma14="http://schemas.microsoft.com/office/mac/drawingml/2011/main" val="1"/>
             </a:ext>
           </a:extLst>
         </p:spPr>
@@ -12952,7 +12984,7 @@
           </a:ln>
           <a:extLst>
             <a:ext uri="{C572A759-6A51-4108-AA02-DFA0A04FC94B}">
-              <ma14:wrappingTextBoxFlag xmlns:ma14="http://schemas.microsoft.com/office/mac/drawingml/2011/main" xmlns="" val="1"/>
+              <ma14:wrappingTextBoxFlag xmlns="" xmlns:ma14="http://schemas.microsoft.com/office/mac/drawingml/2011/main" val="1"/>
             </a:ext>
           </a:extLst>
         </p:spPr>
@@ -13037,7 +13069,7 @@
           </a:ln>
           <a:extLst>
             <a:ext uri="{C572A759-6A51-4108-AA02-DFA0A04FC94B}">
-              <ma14:wrappingTextBoxFlag xmlns:ma14="http://schemas.microsoft.com/office/mac/drawingml/2011/main" xmlns="" val="1"/>
+              <ma14:wrappingTextBoxFlag xmlns="" xmlns:ma14="http://schemas.microsoft.com/office/mac/drawingml/2011/main" val="1"/>
             </a:ext>
           </a:extLst>
         </p:spPr>
@@ -22404,6 +22436,104 @@
 </p:sld>
 </file>
 
+<file path=ppt/slides/slide23.xml><?xml version="1.0" encoding="utf-8"?>
+<p:sld xmlns:a="http://schemas.openxmlformats.org/drawingml/2006/main" xmlns:r="http://schemas.openxmlformats.org/officeDocument/2006/relationships" xmlns:p="http://schemas.openxmlformats.org/presentationml/2006/main">
+  <p:cSld>
+    <p:spTree>
+      <p:nvGrpSpPr>
+        <p:cNvPr id="1" name=""/>
+        <p:cNvGrpSpPr/>
+        <p:nvPr/>
+      </p:nvGrpSpPr>
+      <p:grpSpPr>
+        <a:xfrm>
+          <a:off x="0" y="0"/>
+          <a:ext cx="0" cy="0"/>
+          <a:chOff x="0" y="0"/>
+          <a:chExt cx="0" cy="0"/>
+        </a:xfrm>
+      </p:grpSpPr>
+      <p:sp>
+        <p:nvSpPr>
+          <p:cNvPr id="5" name="Textfeld 4">
+            <a:extLst>
+              <a:ext uri="{FF2B5EF4-FFF2-40B4-BE49-F238E27FC236}">
+                <a16:creationId xmlns:a16="http://schemas.microsoft.com/office/drawing/2014/main" id="{8851E74D-8744-9583-C723-0BB59224B478}"/>
+              </a:ext>
+            </a:extLst>
+          </p:cNvPr>
+          <p:cNvSpPr txBox="1"/>
+          <p:nvPr/>
+        </p:nvSpPr>
+        <p:spPr>
+          <a:xfrm>
+            <a:off x="2199195" y="2099523"/>
+            <a:ext cx="7793610" cy="2800767"/>
+          </a:xfrm>
+          <a:prstGeom prst="rect">
+            <a:avLst/>
+          </a:prstGeom>
+          <a:noFill/>
+        </p:spPr>
+        <p:txBody>
+          <a:bodyPr wrap="square">
+            <a:spAutoFit/>
+          </a:bodyPr>
+          <a:lstStyle/>
+          <a:p>
+            <a:r>
+              <a:rPr lang="en-US" sz="4400" dirty="0">
+                <a:highlight>
+                  <a:srgbClr val="00FFFF"/>
+                </a:highlight>
+              </a:rPr>
+              <a:t>Agile and AI </a:t>
+            </a:r>
+            <a:r>
+              <a:rPr lang="en-US" sz="4400" dirty="0"/>
+              <a:t>give us speed. </a:t>
+            </a:r>
+            <a:r>
+              <a:rPr lang="en-US" sz="4400" dirty="0">
+                <a:highlight>
+                  <a:srgbClr val="00FFFF"/>
+                </a:highlight>
+              </a:rPr>
+              <a:t>Engineering</a:t>
+            </a:r>
+            <a:r>
+              <a:rPr lang="en-US" sz="4400" dirty="0"/>
+              <a:t> gives us trust. Together, they shape the </a:t>
+            </a:r>
+            <a:r>
+              <a:rPr lang="en-US" sz="4400" dirty="0">
+                <a:highlight>
+                  <a:srgbClr val="FFFF00"/>
+                </a:highlight>
+              </a:rPr>
+              <a:t>future of software.</a:t>
+            </a:r>
+            <a:endParaRPr lang="pt-BR" sz="4400" dirty="0">
+              <a:highlight>
+                <a:srgbClr val="FFFF00"/>
+              </a:highlight>
+            </a:endParaRPr>
+          </a:p>
+        </p:txBody>
+      </p:sp>
+    </p:spTree>
+    <p:extLst>
+      <p:ext uri="{BB962C8B-B14F-4D97-AF65-F5344CB8AC3E}">
+        <p14:creationId xmlns:p14="http://schemas.microsoft.com/office/powerpoint/2010/main" val="1674465491"/>
+      </p:ext>
+    </p:extLst>
+  </p:cSld>
+  <p:clrMapOvr>
+    <a:masterClrMapping/>
+  </p:clrMapOvr>
+</p:sld>
+</file>
+
 <file path=ppt/slides/slide3.xml><?xml version="1.0" encoding="utf-8"?>
 <p:sld xmlns:a="http://schemas.openxmlformats.org/drawingml/2006/main" xmlns:r="http://schemas.openxmlformats.org/officeDocument/2006/relationships" xmlns:p="http://schemas.openxmlformats.org/presentationml/2006/main">
   <p:cSld>

--- a/learning_material/Agile Software Engineering.pptx
+++ b/learning_material/Agile Software Engineering.pptx
@@ -5,7 +5,7 @@
     <p:sldMasterId id="2147483648" r:id="rId1"/>
   </p:sldMasterIdLst>
   <p:notesMasterIdLst>
-    <p:notesMasterId r:id="rId25"/>
+    <p:notesMasterId r:id="rId26"/>
   </p:notesMasterIdLst>
   <p:sldIdLst>
     <p:sldId id="256" r:id="rId2"/>
@@ -15,22 +15,23 @@
     <p:sldId id="3279" r:id="rId6"/>
     <p:sldId id="3280" r:id="rId7"/>
     <p:sldId id="3281" r:id="rId8"/>
-    <p:sldId id="3282" r:id="rId9"/>
-    <p:sldId id="3283" r:id="rId10"/>
-    <p:sldId id="3284" r:id="rId11"/>
-    <p:sldId id="3285" r:id="rId12"/>
-    <p:sldId id="3286" r:id="rId13"/>
-    <p:sldId id="3287" r:id="rId14"/>
-    <p:sldId id="3288" r:id="rId15"/>
-    <p:sldId id="3276" r:id="rId16"/>
-    <p:sldId id="3193" r:id="rId17"/>
-    <p:sldId id="3212" r:id="rId18"/>
-    <p:sldId id="3213" r:id="rId19"/>
-    <p:sldId id="3219" r:id="rId20"/>
-    <p:sldId id="3220" r:id="rId21"/>
-    <p:sldId id="3289" r:id="rId22"/>
-    <p:sldId id="3290" r:id="rId23"/>
-    <p:sldId id="3292" r:id="rId24"/>
+    <p:sldId id="3293" r:id="rId9"/>
+    <p:sldId id="3282" r:id="rId10"/>
+    <p:sldId id="3283" r:id="rId11"/>
+    <p:sldId id="3284" r:id="rId12"/>
+    <p:sldId id="3285" r:id="rId13"/>
+    <p:sldId id="3286" r:id="rId14"/>
+    <p:sldId id="3287" r:id="rId15"/>
+    <p:sldId id="3288" r:id="rId16"/>
+    <p:sldId id="3276" r:id="rId17"/>
+    <p:sldId id="3193" r:id="rId18"/>
+    <p:sldId id="3212" r:id="rId19"/>
+    <p:sldId id="3213" r:id="rId20"/>
+    <p:sldId id="3219" r:id="rId21"/>
+    <p:sldId id="3220" r:id="rId22"/>
+    <p:sldId id="3289" r:id="rId23"/>
+    <p:sldId id="3290" r:id="rId24"/>
+    <p:sldId id="3292" r:id="rId25"/>
   </p:sldIdLst>
   <p:sldSz cx="12192000" cy="6858000"/>
   <p:notesSz cx="6858000" cy="9144000"/>
@@ -140,7 +141,7 @@
 <file path=ppt/revisionInfo.xml><?xml version="1.0" encoding="utf-8"?>
 <p1510:revInfo xmlns:a="http://schemas.openxmlformats.org/drawingml/2006/main" xmlns:r="http://schemas.openxmlformats.org/officeDocument/2006/relationships" xmlns:p1510="http://schemas.microsoft.com/office/powerpoint/2015/10/main">
   <p1510:revLst>
-    <p1510:client id="{0BF8CA53-61FB-46AC-A8C7-0A294286FFFE}" v="155" dt="2025-09-22T02:10:19.603"/>
+    <p1510:client id="{0BF8CA53-61FB-46AC-A8C7-0A294286FFFE}" v="160" dt="2025-09-22T12:01:43.378"/>
   </p1510:revLst>
 </p1510:revInfo>
 </file>
@@ -150,7 +151,7 @@
   <pc:docChgLst>
     <pc:chgData name="Heitor Roriz Filho" userId="af4ef8844a2fcbc3" providerId="LiveId" clId="{173FCC4A-857D-48E8-A663-6F33560BDDC5}"/>
     <pc:docChg chg="undo custSel addSld delSld modSld">
-      <pc:chgData name="Heitor Roriz Filho" userId="af4ef8844a2fcbc3" providerId="LiveId" clId="{173FCC4A-857D-48E8-A663-6F33560BDDC5}" dt="2025-09-22T11:51:37.907" v="1560" actId="20577"/>
+      <pc:chgData name="Heitor Roriz Filho" userId="af4ef8844a2fcbc3" providerId="LiveId" clId="{173FCC4A-857D-48E8-A663-6F33560BDDC5}" dt="2025-09-22T12:01:47.693" v="1643" actId="1036"/>
       <pc:docMkLst>
         <pc:docMk/>
       </pc:docMkLst>
@@ -1841,6 +1842,68 @@
           </ac:spMkLst>
         </pc:spChg>
       </pc:sldChg>
+      <pc:sldChg chg="modSp add mod">
+        <pc:chgData name="Heitor Roriz Filho" userId="af4ef8844a2fcbc3" providerId="LiveId" clId="{173FCC4A-857D-48E8-A663-6F33560BDDC5}" dt="2025-09-22T12:01:47.693" v="1643" actId="1036"/>
+        <pc:sldMkLst>
+          <pc:docMk/>
+          <pc:sldMk cId="2921731933" sldId="3293"/>
+        </pc:sldMkLst>
+        <pc:spChg chg="mod">
+          <ac:chgData name="Heitor Roriz Filho" userId="af4ef8844a2fcbc3" providerId="LiveId" clId="{173FCC4A-857D-48E8-A663-6F33560BDDC5}" dt="2025-09-22T12:01:47.693" v="1643" actId="1036"/>
+          <ac:spMkLst>
+            <pc:docMk/>
+            <pc:sldMk cId="2921731933" sldId="3293"/>
+            <ac:spMk id="5" creationId="{16559F82-2911-AB8A-BB01-D4AD4C10435E}"/>
+          </ac:spMkLst>
+        </pc:spChg>
+        <pc:graphicFrameChg chg="mod">
+          <ac:chgData name="Heitor Roriz Filho" userId="af4ef8844a2fcbc3" providerId="LiveId" clId="{173FCC4A-857D-48E8-A663-6F33560BDDC5}" dt="2025-09-22T12:01:47.693" v="1643" actId="1036"/>
+          <ac:graphicFrameMkLst>
+            <pc:docMk/>
+            <pc:sldMk cId="2921731933" sldId="3293"/>
+            <ac:graphicFrameMk id="4" creationId="{F6574F91-04F9-B649-7049-A3ED11D9FD02}"/>
+          </ac:graphicFrameMkLst>
+        </pc:graphicFrameChg>
+      </pc:sldChg>
+      <pc:sldChg chg="addSp delSp modSp new del mod">
+        <pc:chgData name="Heitor Roriz Filho" userId="af4ef8844a2fcbc3" providerId="LiveId" clId="{173FCC4A-857D-48E8-A663-6F33560BDDC5}" dt="2025-09-22T12:01:22.410" v="1637" actId="2696"/>
+        <pc:sldMkLst>
+          <pc:docMk/>
+          <pc:sldMk cId="3798714194" sldId="3293"/>
+        </pc:sldMkLst>
+        <pc:spChg chg="del">
+          <ac:chgData name="Heitor Roriz Filho" userId="af4ef8844a2fcbc3" providerId="LiveId" clId="{173FCC4A-857D-48E8-A663-6F33560BDDC5}" dt="2025-09-22T11:59:05.345" v="1562" actId="478"/>
+          <ac:spMkLst>
+            <pc:docMk/>
+            <pc:sldMk cId="3798714194" sldId="3293"/>
+            <ac:spMk id="2" creationId="{CB0E827B-BFD2-62C8-EB6B-4184517D9E9B}"/>
+          </ac:spMkLst>
+        </pc:spChg>
+        <pc:spChg chg="del">
+          <ac:chgData name="Heitor Roriz Filho" userId="af4ef8844a2fcbc3" providerId="LiveId" clId="{173FCC4A-857D-48E8-A663-6F33560BDDC5}" dt="2025-09-22T11:59:05.345" v="1562" actId="478"/>
+          <ac:spMkLst>
+            <pc:docMk/>
+            <pc:sldMk cId="3798714194" sldId="3293"/>
+            <ac:spMk id="3" creationId="{09C1C6F6-E3E2-0B4E-10A7-12F4FA9B9BFA}"/>
+          </ac:spMkLst>
+        </pc:spChg>
+        <pc:spChg chg="add mod">
+          <ac:chgData name="Heitor Roriz Filho" userId="af4ef8844a2fcbc3" providerId="LiveId" clId="{173FCC4A-857D-48E8-A663-6F33560BDDC5}" dt="2025-09-22T12:00:47.645" v="1631" actId="1076"/>
+          <ac:spMkLst>
+            <pc:docMk/>
+            <pc:sldMk cId="3798714194" sldId="3293"/>
+            <ac:spMk id="5" creationId="{16559F82-2911-AB8A-BB01-D4AD4C10435E}"/>
+          </ac:spMkLst>
+        </pc:spChg>
+        <pc:graphicFrameChg chg="add mod modGraphic">
+          <ac:chgData name="Heitor Roriz Filho" userId="af4ef8844a2fcbc3" providerId="LiveId" clId="{173FCC4A-857D-48E8-A663-6F33560BDDC5}" dt="2025-09-22T12:01:03.790" v="1636" actId="403"/>
+          <ac:graphicFrameMkLst>
+            <pc:docMk/>
+            <pc:sldMk cId="3798714194" sldId="3293"/>
+            <ac:graphicFrameMk id="4" creationId="{F6574F91-04F9-B649-7049-A3ED11D9FD02}"/>
+          </ac:graphicFrameMkLst>
+        </pc:graphicFrameChg>
+      </pc:sldChg>
     </pc:docChg>
   </pc:docChgLst>
 </pc:chgInfo>
@@ -2284,7 +2347,7 @@
           <a:p>
             <a:fld id="{BDBE07E8-AF1A-4275-8AAA-1B214B75D922}" type="slidenum">
               <a:rPr lang="pt-BR" smtClean="0"/>
-              <a:t>17</a:t>
+              <a:t>18</a:t>
             </a:fld>
             <a:endParaRPr lang="pt-BR"/>
           </a:p>
@@ -2391,7 +2454,7 @@
           <a:p>
             <a:fld id="{BDBE07E8-AF1A-4275-8AAA-1B214B75D922}" type="slidenum">
               <a:rPr lang="pt-BR" smtClean="0"/>
-              <a:t>18</a:t>
+              <a:t>19</a:t>
             </a:fld>
             <a:endParaRPr lang="pt-BR"/>
           </a:p>
@@ -2498,7 +2561,7 @@
           <a:p>
             <a:fld id="{BDBE07E8-AF1A-4275-8AAA-1B214B75D922}" type="slidenum">
               <a:rPr lang="pt-BR" smtClean="0"/>
-              <a:t>19</a:t>
+              <a:t>20</a:t>
             </a:fld>
             <a:endParaRPr lang="pt-BR"/>
           </a:p>
@@ -2605,7 +2668,7 @@
           <a:p>
             <a:fld id="{BDBE07E8-AF1A-4275-8AAA-1B214B75D922}" type="slidenum">
               <a:rPr lang="pt-BR" smtClean="0"/>
-              <a:t>20</a:t>
+              <a:t>21</a:t>
             </a:fld>
             <a:endParaRPr lang="pt-BR"/>
           </a:p>
@@ -2742,7 +2805,7 @@
           <a:p>
             <a:fld id="{BDBE07E8-AF1A-4275-8AAA-1B214B75D922}" type="slidenum">
               <a:rPr lang="pt-BR" smtClean="0"/>
-              <a:t>21</a:t>
+              <a:t>22</a:t>
             </a:fld>
             <a:endParaRPr lang="pt-BR"/>
           </a:p>
@@ -2879,7 +2942,7 @@
           <a:p>
             <a:fld id="{BDBE07E8-AF1A-4275-8AAA-1B214B75D922}" type="slidenum">
               <a:rPr lang="pt-BR" smtClean="0"/>
-              <a:t>22</a:t>
+              <a:t>23</a:t>
             </a:fld>
             <a:endParaRPr lang="pt-BR"/>
           </a:p>
@@ -6273,6 +6336,154 @@
         <p:cNvPr id="1" name="">
           <a:extLst>
             <a:ext uri="{FF2B5EF4-FFF2-40B4-BE49-F238E27FC236}">
+              <a16:creationId xmlns:a16="http://schemas.microsoft.com/office/drawing/2014/main" id="{8CB3E83E-E7E1-FFA1-4D55-2EED9FC25FDC}"/>
+            </a:ext>
+          </a:extLst>
+        </p:cNvPr>
+        <p:cNvGrpSpPr/>
+        <p:nvPr/>
+      </p:nvGrpSpPr>
+      <p:grpSpPr>
+        <a:xfrm>
+          <a:off x="0" y="0"/>
+          <a:ext cx="0" cy="0"/>
+          <a:chOff x="0" y="0"/>
+          <a:chExt cx="0" cy="0"/>
+        </a:xfrm>
+      </p:grpSpPr>
+      <p:sp>
+        <p:nvSpPr>
+          <p:cNvPr id="2" name="Titel 1">
+            <a:extLst>
+              <a:ext uri="{FF2B5EF4-FFF2-40B4-BE49-F238E27FC236}">
+                <a16:creationId xmlns:a16="http://schemas.microsoft.com/office/drawing/2014/main" id="{7022EBB9-4A37-4E4B-E08C-A2603B0BE9D1}"/>
+              </a:ext>
+            </a:extLst>
+          </p:cNvPr>
+          <p:cNvSpPr>
+            <a:spLocks noGrp="1"/>
+          </p:cNvSpPr>
+          <p:nvPr>
+            <p:ph type="title"/>
+          </p:nvPr>
+        </p:nvSpPr>
+        <p:spPr/>
+        <p:txBody>
+          <a:bodyPr>
+            <a:normAutofit/>
+          </a:bodyPr>
+          <a:lstStyle/>
+          <a:p>
+            <a:r>
+              <a:rPr lang="en-US" b="1" dirty="0"/>
+              <a:t>SOLID Principles</a:t>
+            </a:r>
+            <a:endParaRPr lang="pt-BR" dirty="0"/>
+          </a:p>
+        </p:txBody>
+      </p:sp>
+      <p:sp>
+        <p:nvSpPr>
+          <p:cNvPr id="3" name="Inhaltsplatzhalter 2">
+            <a:extLst>
+              <a:ext uri="{FF2B5EF4-FFF2-40B4-BE49-F238E27FC236}">
+                <a16:creationId xmlns:a16="http://schemas.microsoft.com/office/drawing/2014/main" id="{36832EDB-064F-5BD9-E5B8-411944667BEC}"/>
+              </a:ext>
+            </a:extLst>
+          </p:cNvPr>
+          <p:cNvSpPr>
+            <a:spLocks noGrp="1"/>
+          </p:cNvSpPr>
+          <p:nvPr>
+            <p:ph idx="1"/>
+          </p:nvPr>
+        </p:nvSpPr>
+        <p:spPr/>
+        <p:txBody>
+          <a:bodyPr/>
+          <a:lstStyle/>
+          <a:p>
+            <a:r>
+              <a:rPr lang="en-US" b="1" dirty="0"/>
+              <a:t>S — Single Responsibility</a:t>
+            </a:r>
+            <a:r>
+              <a:rPr lang="en-US" dirty="0"/>
+              <a:t>: one reason to change.</a:t>
+            </a:r>
+          </a:p>
+          <a:p>
+            <a:r>
+              <a:rPr lang="en-US" b="1" dirty="0"/>
+              <a:t>O — Open/Closed</a:t>
+            </a:r>
+            <a:r>
+              <a:rPr lang="en-US" dirty="0"/>
+              <a:t>: extend behavior without modifying existing code.</a:t>
+            </a:r>
+          </a:p>
+          <a:p>
+            <a:r>
+              <a:rPr lang="en-US" b="1" dirty="0"/>
+              <a:t>L — </a:t>
+            </a:r>
+            <a:r>
+              <a:rPr lang="en-US" b="1" dirty="0" err="1"/>
+              <a:t>Liskov</a:t>
+            </a:r>
+            <a:r>
+              <a:rPr lang="en-US" b="1" dirty="0"/>
+              <a:t> Substitution</a:t>
+            </a:r>
+            <a:r>
+              <a:rPr lang="en-US" dirty="0"/>
+              <a:t>: subclasses can replace parents without breaking logic.</a:t>
+            </a:r>
+          </a:p>
+          <a:p>
+            <a:r>
+              <a:rPr lang="en-US" b="1" dirty="0"/>
+              <a:t>I — Interface Segregation</a:t>
+            </a:r>
+            <a:r>
+              <a:rPr lang="en-US" dirty="0"/>
+              <a:t>: clients shouldn’t depend on methods they don’t use.</a:t>
+            </a:r>
+          </a:p>
+          <a:p>
+            <a:r>
+              <a:rPr lang="en-US" b="1" dirty="0"/>
+              <a:t>D — Dependency Inversion</a:t>
+            </a:r>
+            <a:r>
+              <a:rPr lang="en-US" dirty="0"/>
+              <a:t>: depend on abstractions, not concrete classes.</a:t>
+            </a:r>
+            <a:endParaRPr lang="pt-BR" dirty="0"/>
+          </a:p>
+        </p:txBody>
+      </p:sp>
+    </p:spTree>
+    <p:extLst>
+      <p:ext uri="{BB962C8B-B14F-4D97-AF65-F5344CB8AC3E}">
+        <p14:creationId xmlns:p14="http://schemas.microsoft.com/office/powerpoint/2010/main" val="1163769238"/>
+      </p:ext>
+    </p:extLst>
+  </p:cSld>
+  <p:clrMapOvr>
+    <a:masterClrMapping/>
+  </p:clrMapOvr>
+</p:sld>
+</file>
+
+<file path=ppt/slides/slide11.xml><?xml version="1.0" encoding="utf-8"?>
+<p:sld xmlns:a="http://schemas.openxmlformats.org/drawingml/2006/main" xmlns:r="http://schemas.openxmlformats.org/officeDocument/2006/relationships" xmlns:p="http://schemas.openxmlformats.org/presentationml/2006/main">
+  <p:cSld>
+    <p:spTree>
+      <p:nvGrpSpPr>
+        <p:cNvPr id="1" name="">
+          <a:extLst>
+            <a:ext uri="{FF2B5EF4-FFF2-40B4-BE49-F238E27FC236}">
               <a16:creationId xmlns:a16="http://schemas.microsoft.com/office/drawing/2014/main" id="{428DF0FA-E07E-48A0-96C0-277FA9006ADB}"/>
             </a:ext>
           </a:extLst>
@@ -6701,7 +6912,7 @@
 </p:sld>
 </file>
 
-<file path=ppt/slides/slide11.xml><?xml version="1.0" encoding="utf-8"?>
+<file path=ppt/slides/slide12.xml><?xml version="1.0" encoding="utf-8"?>
 <p:sld xmlns:a="http://schemas.openxmlformats.org/drawingml/2006/main" xmlns:r="http://schemas.openxmlformats.org/officeDocument/2006/relationships" xmlns:p="http://schemas.openxmlformats.org/presentationml/2006/main">
   <p:cSld>
     <p:spTree>
@@ -7397,7 +7608,7 @@
 </p:sld>
 </file>
 
-<file path=ppt/slides/slide12.xml><?xml version="1.0" encoding="utf-8"?>
+<file path=ppt/slides/slide13.xml><?xml version="1.0" encoding="utf-8"?>
 <p:sld xmlns:a="http://schemas.openxmlformats.org/drawingml/2006/main" xmlns:r="http://schemas.openxmlformats.org/officeDocument/2006/relationships" xmlns:p="http://schemas.openxmlformats.org/presentationml/2006/main">
   <p:cSld>
     <p:spTree>
@@ -7633,7 +7844,7 @@
 </p:sld>
 </file>
 
-<file path=ppt/slides/slide13.xml><?xml version="1.0" encoding="utf-8"?>
+<file path=ppt/slides/slide14.xml><?xml version="1.0" encoding="utf-8"?>
 <p:sld xmlns:a="http://schemas.openxmlformats.org/drawingml/2006/main" xmlns:r="http://schemas.openxmlformats.org/officeDocument/2006/relationships" xmlns:p="http://schemas.openxmlformats.org/presentationml/2006/main">
   <p:cSld>
     <p:spTree>
@@ -7793,7 +8004,7 @@
 </p:sld>
 </file>
 
-<file path=ppt/slides/slide14.xml><?xml version="1.0" encoding="utf-8"?>
+<file path=ppt/slides/slide15.xml><?xml version="1.0" encoding="utf-8"?>
 <p:sld xmlns:a="http://schemas.openxmlformats.org/drawingml/2006/main" xmlns:r="http://schemas.openxmlformats.org/officeDocument/2006/relationships" xmlns:p="http://schemas.openxmlformats.org/presentationml/2006/main">
   <p:cSld>
     <p:spTree>
@@ -8106,7 +8317,7 @@
 </p:sld>
 </file>
 
-<file path=ppt/slides/slide15.xml><?xml version="1.0" encoding="utf-8"?>
+<file path=ppt/slides/slide16.xml><?xml version="1.0" encoding="utf-8"?>
 <p:sld xmlns:a="http://schemas.openxmlformats.org/drawingml/2006/main" xmlns:r="http://schemas.openxmlformats.org/officeDocument/2006/relationships" xmlns:p="http://schemas.openxmlformats.org/presentationml/2006/main">
   <p:cSld>
     <p:bg>
@@ -8520,7 +8731,7 @@
 </p:sld>
 </file>
 
-<file path=ppt/slides/slide16.xml><?xml version="1.0" encoding="utf-8"?>
+<file path=ppt/slides/slide17.xml><?xml version="1.0" encoding="utf-8"?>
 <p:sld xmlns:a="http://schemas.openxmlformats.org/drawingml/2006/main" xmlns:r="http://schemas.openxmlformats.org/officeDocument/2006/relationships" xmlns:p="http://schemas.openxmlformats.org/presentationml/2006/main">
   <p:cSld>
     <p:spTree>
@@ -9839,7 +10050,7 @@
 </p:sld>
 </file>
 
-<file path=ppt/slides/slide17.xml><?xml version="1.0" encoding="utf-8"?>
+<file path=ppt/slides/slide18.xml><?xml version="1.0" encoding="utf-8"?>
 <p:sld xmlns:a="http://schemas.openxmlformats.org/drawingml/2006/main" xmlns:r="http://schemas.openxmlformats.org/officeDocument/2006/relationships" xmlns:p="http://schemas.openxmlformats.org/presentationml/2006/main">
   <p:cSld>
     <p:spTree>
@@ -11784,7 +11995,7 @@
 </p:sld>
 </file>
 
-<file path=ppt/slides/slide18.xml><?xml version="1.0" encoding="utf-8"?>
+<file path=ppt/slides/slide19.xml><?xml version="1.0" encoding="utf-8"?>
 <p:sld xmlns:a="http://schemas.openxmlformats.org/drawingml/2006/main" xmlns:r="http://schemas.openxmlformats.org/officeDocument/2006/relationships" xmlns:p="http://schemas.openxmlformats.org/presentationml/2006/main">
   <p:cSld>
     <p:spTree>
@@ -15220,7 +15431,153 @@
 </p:sld>
 </file>
 
-<file path=ppt/slides/slide19.xml><?xml version="1.0" encoding="utf-8"?>
+<file path=ppt/slides/slide2.xml><?xml version="1.0" encoding="utf-8"?>
+<p:sld xmlns:a="http://schemas.openxmlformats.org/drawingml/2006/main" xmlns:r="http://schemas.openxmlformats.org/officeDocument/2006/relationships" xmlns:p="http://schemas.openxmlformats.org/presentationml/2006/main">
+  <p:cSld>
+    <p:spTree>
+      <p:nvGrpSpPr>
+        <p:cNvPr id="1" name=""/>
+        <p:cNvGrpSpPr/>
+        <p:nvPr/>
+      </p:nvGrpSpPr>
+      <p:grpSpPr>
+        <a:xfrm>
+          <a:off x="0" y="0"/>
+          <a:ext cx="0" cy="0"/>
+          <a:chOff x="0" y="0"/>
+          <a:chExt cx="0" cy="0"/>
+        </a:xfrm>
+      </p:grpSpPr>
+      <p:sp>
+        <p:nvSpPr>
+          <p:cNvPr id="2" name="Titel 1">
+            <a:extLst>
+              <a:ext uri="{FF2B5EF4-FFF2-40B4-BE49-F238E27FC236}">
+                <a16:creationId xmlns:a16="http://schemas.microsoft.com/office/drawing/2014/main" id="{89E0A6EC-A908-FF39-AF09-ADF21D715DFD}"/>
+              </a:ext>
+            </a:extLst>
+          </p:cNvPr>
+          <p:cNvSpPr>
+            <a:spLocks noGrp="1"/>
+          </p:cNvSpPr>
+          <p:nvPr>
+            <p:ph type="title"/>
+          </p:nvPr>
+        </p:nvSpPr>
+        <p:spPr>
+          <a:xfrm>
+            <a:off x="831850" y="2058530"/>
+            <a:ext cx="10515600" cy="2852737"/>
+          </a:xfrm>
+        </p:spPr>
+        <p:txBody>
+          <a:bodyPr>
+            <a:normAutofit fontScale="90000"/>
+          </a:bodyPr>
+          <a:lstStyle/>
+          <a:p>
+            <a:r>
+              <a:rPr lang="en-US" dirty="0">
+                <a:highlight>
+                  <a:srgbClr val="FFFF00"/>
+                </a:highlight>
+              </a:rPr>
+              <a:t>Agility</a:t>
+            </a:r>
+            <a:r>
+              <a:rPr lang="en-US" dirty="0"/>
+              <a:t> gives us </a:t>
+            </a:r>
+            <a:r>
+              <a:rPr lang="en-US" dirty="0">
+                <a:highlight>
+                  <a:srgbClr val="FFFF00"/>
+                </a:highlight>
+              </a:rPr>
+              <a:t>speed</a:t>
+            </a:r>
+            <a:r>
+              <a:rPr lang="en-US" dirty="0"/>
+              <a:t>, </a:t>
+            </a:r>
+            <a:r>
+              <a:rPr lang="en-US" dirty="0">
+                <a:highlight>
+                  <a:srgbClr val="FFFF00"/>
+                </a:highlight>
+              </a:rPr>
+              <a:t>discipline</a:t>
+            </a:r>
+            <a:r>
+              <a:rPr lang="en-US" dirty="0"/>
+              <a:t> gives us </a:t>
+            </a:r>
+            <a:r>
+              <a:rPr lang="en-US" dirty="0">
+                <a:highlight>
+                  <a:srgbClr val="FFFF00"/>
+                </a:highlight>
+              </a:rPr>
+              <a:t>stability</a:t>
+            </a:r>
+            <a:r>
+              <a:rPr lang="en-US" dirty="0"/>
+              <a:t>, and </a:t>
+            </a:r>
+            <a:r>
+              <a:rPr lang="en-US" dirty="0">
+                <a:highlight>
+                  <a:srgbClr val="FFFF00"/>
+                </a:highlight>
+              </a:rPr>
+              <a:t>AI</a:t>
+            </a:r>
+            <a:r>
+              <a:rPr lang="en-US" dirty="0"/>
+              <a:t> gives us </a:t>
+            </a:r>
+            <a:r>
+              <a:rPr lang="en-US" dirty="0">
+                <a:highlight>
+                  <a:srgbClr val="FFFF00"/>
+                </a:highlight>
+              </a:rPr>
+              <a:t>scale</a:t>
+            </a:r>
+            <a:r>
+              <a:rPr lang="en-US" dirty="0"/>
+              <a:t> — but only </a:t>
+            </a:r>
+            <a:r>
+              <a:rPr lang="en-US" dirty="0">
+                <a:highlight>
+                  <a:srgbClr val="00FF00"/>
+                </a:highlight>
+              </a:rPr>
+              <a:t>engineering principles </a:t>
+            </a:r>
+            <a:r>
+              <a:rPr lang="en-US" dirty="0"/>
+              <a:t>turn them into lasting value.</a:t>
+            </a:r>
+            <a:endParaRPr lang="pt-BR" dirty="0"/>
+          </a:p>
+        </p:txBody>
+      </p:sp>
+    </p:spTree>
+    <p:extLst>
+      <p:ext uri="{BB962C8B-B14F-4D97-AF65-F5344CB8AC3E}">
+        <p14:creationId xmlns:p14="http://schemas.microsoft.com/office/powerpoint/2010/main" val="694222502"/>
+      </p:ext>
+    </p:extLst>
+  </p:cSld>
+  <p:clrMapOvr>
+    <a:masterClrMapping/>
+  </p:clrMapOvr>
+</p:sld>
+</file>
+
+<file path=ppt/slides/slide20.xml><?xml version="1.0" encoding="utf-8"?>
 <p:sld xmlns:a="http://schemas.openxmlformats.org/drawingml/2006/main" xmlns:r="http://schemas.openxmlformats.org/officeDocument/2006/relationships" xmlns:p="http://schemas.openxmlformats.org/presentationml/2006/main">
   <p:cSld>
     <p:spTree>
@@ -17036,153 +17393,7 @@
 </p:sld>
 </file>
 
-<file path=ppt/slides/slide2.xml><?xml version="1.0" encoding="utf-8"?>
-<p:sld xmlns:a="http://schemas.openxmlformats.org/drawingml/2006/main" xmlns:r="http://schemas.openxmlformats.org/officeDocument/2006/relationships" xmlns:p="http://schemas.openxmlformats.org/presentationml/2006/main">
-  <p:cSld>
-    <p:spTree>
-      <p:nvGrpSpPr>
-        <p:cNvPr id="1" name=""/>
-        <p:cNvGrpSpPr/>
-        <p:nvPr/>
-      </p:nvGrpSpPr>
-      <p:grpSpPr>
-        <a:xfrm>
-          <a:off x="0" y="0"/>
-          <a:ext cx="0" cy="0"/>
-          <a:chOff x="0" y="0"/>
-          <a:chExt cx="0" cy="0"/>
-        </a:xfrm>
-      </p:grpSpPr>
-      <p:sp>
-        <p:nvSpPr>
-          <p:cNvPr id="2" name="Titel 1">
-            <a:extLst>
-              <a:ext uri="{FF2B5EF4-FFF2-40B4-BE49-F238E27FC236}">
-                <a16:creationId xmlns:a16="http://schemas.microsoft.com/office/drawing/2014/main" id="{89E0A6EC-A908-FF39-AF09-ADF21D715DFD}"/>
-              </a:ext>
-            </a:extLst>
-          </p:cNvPr>
-          <p:cNvSpPr>
-            <a:spLocks noGrp="1"/>
-          </p:cNvSpPr>
-          <p:nvPr>
-            <p:ph type="title"/>
-          </p:nvPr>
-        </p:nvSpPr>
-        <p:spPr>
-          <a:xfrm>
-            <a:off x="831850" y="2058530"/>
-            <a:ext cx="10515600" cy="2852737"/>
-          </a:xfrm>
-        </p:spPr>
-        <p:txBody>
-          <a:bodyPr>
-            <a:normAutofit fontScale="90000"/>
-          </a:bodyPr>
-          <a:lstStyle/>
-          <a:p>
-            <a:r>
-              <a:rPr lang="en-US" dirty="0">
-                <a:highlight>
-                  <a:srgbClr val="FFFF00"/>
-                </a:highlight>
-              </a:rPr>
-              <a:t>Agility</a:t>
-            </a:r>
-            <a:r>
-              <a:rPr lang="en-US" dirty="0"/>
-              <a:t> gives us </a:t>
-            </a:r>
-            <a:r>
-              <a:rPr lang="en-US" dirty="0">
-                <a:highlight>
-                  <a:srgbClr val="FFFF00"/>
-                </a:highlight>
-              </a:rPr>
-              <a:t>speed</a:t>
-            </a:r>
-            <a:r>
-              <a:rPr lang="en-US" dirty="0"/>
-              <a:t>, </a:t>
-            </a:r>
-            <a:r>
-              <a:rPr lang="en-US" dirty="0">
-                <a:highlight>
-                  <a:srgbClr val="FFFF00"/>
-                </a:highlight>
-              </a:rPr>
-              <a:t>discipline</a:t>
-            </a:r>
-            <a:r>
-              <a:rPr lang="en-US" dirty="0"/>
-              <a:t> gives us </a:t>
-            </a:r>
-            <a:r>
-              <a:rPr lang="en-US" dirty="0">
-                <a:highlight>
-                  <a:srgbClr val="FFFF00"/>
-                </a:highlight>
-              </a:rPr>
-              <a:t>stability</a:t>
-            </a:r>
-            <a:r>
-              <a:rPr lang="en-US" dirty="0"/>
-              <a:t>, and </a:t>
-            </a:r>
-            <a:r>
-              <a:rPr lang="en-US" dirty="0">
-                <a:highlight>
-                  <a:srgbClr val="FFFF00"/>
-                </a:highlight>
-              </a:rPr>
-              <a:t>AI</a:t>
-            </a:r>
-            <a:r>
-              <a:rPr lang="en-US" dirty="0"/>
-              <a:t> gives us </a:t>
-            </a:r>
-            <a:r>
-              <a:rPr lang="en-US" dirty="0">
-                <a:highlight>
-                  <a:srgbClr val="FFFF00"/>
-                </a:highlight>
-              </a:rPr>
-              <a:t>scale</a:t>
-            </a:r>
-            <a:r>
-              <a:rPr lang="en-US" dirty="0"/>
-              <a:t> — but only </a:t>
-            </a:r>
-            <a:r>
-              <a:rPr lang="en-US" dirty="0">
-                <a:highlight>
-                  <a:srgbClr val="00FF00"/>
-                </a:highlight>
-              </a:rPr>
-              <a:t>engineering principles </a:t>
-            </a:r>
-            <a:r>
-              <a:rPr lang="en-US" dirty="0"/>
-              <a:t>turn them into lasting value.</a:t>
-            </a:r>
-            <a:endParaRPr lang="pt-BR" dirty="0"/>
-          </a:p>
-        </p:txBody>
-      </p:sp>
-    </p:spTree>
-    <p:extLst>
-      <p:ext uri="{BB962C8B-B14F-4D97-AF65-F5344CB8AC3E}">
-        <p14:creationId xmlns:p14="http://schemas.microsoft.com/office/powerpoint/2010/main" val="694222502"/>
-      </p:ext>
-    </p:extLst>
-  </p:cSld>
-  <p:clrMapOvr>
-    <a:masterClrMapping/>
-  </p:clrMapOvr>
-</p:sld>
-</file>
-
-<file path=ppt/slides/slide20.xml><?xml version="1.0" encoding="utf-8"?>
+<file path=ppt/slides/slide21.xml><?xml version="1.0" encoding="utf-8"?>
 <p:sld xmlns:a="http://schemas.openxmlformats.org/drawingml/2006/main" xmlns:r="http://schemas.openxmlformats.org/officeDocument/2006/relationships" xmlns:p="http://schemas.openxmlformats.org/presentationml/2006/main">
   <p:cSld>
     <p:spTree>
@@ -19018,7 +19229,7 @@
 </p:sld>
 </file>
 
-<file path=ppt/slides/slide21.xml><?xml version="1.0" encoding="utf-8"?>
+<file path=ppt/slides/slide22.xml><?xml version="1.0" encoding="utf-8"?>
 <p:sld xmlns:a="http://schemas.openxmlformats.org/drawingml/2006/main" xmlns:r="http://schemas.openxmlformats.org/officeDocument/2006/relationships" xmlns:p="http://schemas.openxmlformats.org/presentationml/2006/main">
   <p:cSld>
     <p:spTree>
@@ -20861,7 +21072,7 @@
 </p:sld>
 </file>
 
-<file path=ppt/slides/slide22.xml><?xml version="1.0" encoding="utf-8"?>
+<file path=ppt/slides/slide23.xml><?xml version="1.0" encoding="utf-8"?>
 <p:sld xmlns:a="http://schemas.openxmlformats.org/drawingml/2006/main" xmlns:r="http://schemas.openxmlformats.org/officeDocument/2006/relationships" xmlns:p="http://schemas.openxmlformats.org/presentationml/2006/main">
   <p:cSld>
     <p:spTree>
@@ -22436,7 +22647,7 @@
 </p:sld>
 </file>
 
-<file path=ppt/slides/slide23.xml><?xml version="1.0" encoding="utf-8"?>
+<file path=ppt/slides/slide24.xml><?xml version="1.0" encoding="utf-8"?>
 <p:sld xmlns:a="http://schemas.openxmlformats.org/drawingml/2006/main" xmlns:r="http://schemas.openxmlformats.org/officeDocument/2006/relationships" xmlns:p="http://schemas.openxmlformats.org/presentationml/2006/main">
   <p:cSld>
     <p:spTree>
@@ -23240,6 +23451,695 @@
 </file>
 
 <file path=ppt/slides/slide8.xml><?xml version="1.0" encoding="utf-8"?>
+<p:sld xmlns:a="http://schemas.openxmlformats.org/drawingml/2006/main" xmlns:r="http://schemas.openxmlformats.org/officeDocument/2006/relationships" xmlns:p="http://schemas.openxmlformats.org/presentationml/2006/main">
+  <p:cSld>
+    <p:spTree>
+      <p:nvGrpSpPr>
+        <p:cNvPr id="1" name=""/>
+        <p:cNvGrpSpPr/>
+        <p:nvPr/>
+      </p:nvGrpSpPr>
+      <p:grpSpPr>
+        <a:xfrm>
+          <a:off x="0" y="0"/>
+          <a:ext cx="0" cy="0"/>
+          <a:chOff x="0" y="0"/>
+          <a:chExt cx="0" cy="0"/>
+        </a:xfrm>
+      </p:grpSpPr>
+      <p:graphicFrame>
+        <p:nvGraphicFramePr>
+          <p:cNvPr id="4" name="Tabelle 3">
+            <a:extLst>
+              <a:ext uri="{FF2B5EF4-FFF2-40B4-BE49-F238E27FC236}">
+                <a16:creationId xmlns:a16="http://schemas.microsoft.com/office/drawing/2014/main" id="{F6574F91-04F9-B649-7049-A3ED11D9FD02}"/>
+              </a:ext>
+            </a:extLst>
+          </p:cNvPr>
+          <p:cNvGraphicFramePr>
+            <a:graphicFrameLocks noGrp="1"/>
+          </p:cNvGraphicFramePr>
+          <p:nvPr>
+            <p:extLst>
+              <p:ext uri="{D42A27DB-BD31-4B8C-83A1-F6EECF244321}">
+                <p14:modId xmlns:p14="http://schemas.microsoft.com/office/powerpoint/2010/main" val="2889835984"/>
+              </p:ext>
+            </p:extLst>
+          </p:nvPr>
+        </p:nvGraphicFramePr>
+        <p:xfrm>
+          <a:off x="1925968" y="1715245"/>
+          <a:ext cx="8340063" cy="4438570"/>
+        </p:xfrm>
+        <a:graphic>
+          <a:graphicData uri="http://schemas.openxmlformats.org/drawingml/2006/table">
+            <a:tbl>
+              <a:tblPr>
+                <a:tableStyleId>{93296810-A885-4BE3-A3E7-6D5BEEA58F35}</a:tableStyleId>
+              </a:tblPr>
+              <a:tblGrid>
+                <a:gridCol w="2780021">
+                  <a:extLst>
+                    <a:ext uri="{9D8B030D-6E8A-4147-A177-3AD203B41FA5}">
+                      <a16:colId xmlns:a16="http://schemas.microsoft.com/office/drawing/2014/main" val="2090164857"/>
+                    </a:ext>
+                  </a:extLst>
+                </a:gridCol>
+                <a:gridCol w="2780021">
+                  <a:extLst>
+                    <a:ext uri="{9D8B030D-6E8A-4147-A177-3AD203B41FA5}">
+                      <a16:colId xmlns:a16="http://schemas.microsoft.com/office/drawing/2014/main" val="3254695193"/>
+                    </a:ext>
+                  </a:extLst>
+                </a:gridCol>
+                <a:gridCol w="2780021">
+                  <a:extLst>
+                    <a:ext uri="{9D8B030D-6E8A-4147-A177-3AD203B41FA5}">
+                      <a16:colId xmlns:a16="http://schemas.microsoft.com/office/drawing/2014/main" val="508599480"/>
+                    </a:ext>
+                  </a:extLst>
+                </a:gridCol>
+              </a:tblGrid>
+              <a:tr h="290089">
+                <a:tc>
+                  <a:txBody>
+                    <a:bodyPr/>
+                    <a:lstStyle/>
+                    <a:p>
+                      <a:pPr>
+                        <a:buNone/>
+                      </a:pPr>
+                      <a:r>
+                        <a:rPr lang="pt-BR" sz="2000" b="1" dirty="0"/>
+                        <a:t>Aspect</a:t>
+                      </a:r>
+                    </a:p>
+                  </a:txBody>
+                  <a:tcPr marL="72522" marR="72522" marT="36261" marB="36261" anchor="ctr"/>
+                </a:tc>
+                <a:tc>
+                  <a:txBody>
+                    <a:bodyPr/>
+                    <a:lstStyle/>
+                    <a:p>
+                      <a:pPr>
+                        <a:buNone/>
+                      </a:pPr>
+                      <a:r>
+                        <a:rPr lang="pt-BR" sz="2000" b="1" dirty="0"/>
+                        <a:t>JavaScript (JS)</a:t>
+                      </a:r>
+                    </a:p>
+                  </a:txBody>
+                  <a:tcPr marL="72522" marR="72522" marT="36261" marB="36261" anchor="ctr"/>
+                </a:tc>
+                <a:tc>
+                  <a:txBody>
+                    <a:bodyPr/>
+                    <a:lstStyle/>
+                    <a:p>
+                      <a:pPr>
+                        <a:buNone/>
+                      </a:pPr>
+                      <a:r>
+                        <a:rPr lang="pt-BR" sz="2000" b="1" dirty="0"/>
+                        <a:t>TypeScript (TS)</a:t>
+                      </a:r>
+                    </a:p>
+                  </a:txBody>
+                  <a:tcPr marL="72522" marR="72522" marT="36261" marB="36261" anchor="ctr"/>
+                </a:tc>
+                <a:extLst>
+                  <a:ext uri="{0D108BD9-81ED-4DB2-BD59-A6C34878D82A}">
+                    <a16:rowId xmlns:a16="http://schemas.microsoft.com/office/drawing/2014/main" val="1059914127"/>
+                  </a:ext>
+                </a:extLst>
+              </a:tr>
+              <a:tr h="507656">
+                <a:tc>
+                  <a:txBody>
+                    <a:bodyPr/>
+                    <a:lstStyle/>
+                    <a:p>
+                      <a:pPr>
+                        <a:buNone/>
+                      </a:pPr>
+                      <a:r>
+                        <a:rPr lang="pt-BR" sz="1400" b="1" dirty="0">
+                          <a:effectLst>
+                            <a:outerShdw blurRad="38100" dist="38100" dir="2700000" algn="tl">
+                              <a:srgbClr val="000000">
+                                <a:alpha val="43137"/>
+                              </a:srgbClr>
+                            </a:outerShdw>
+                          </a:effectLst>
+                        </a:rPr>
+                        <a:t>Typing System</a:t>
+                      </a:r>
+                    </a:p>
+                  </a:txBody>
+                  <a:tcPr marL="72522" marR="72522" marT="36261" marB="36261" anchor="ctr"/>
+                </a:tc>
+                <a:tc>
+                  <a:txBody>
+                    <a:bodyPr/>
+                    <a:lstStyle/>
+                    <a:p>
+                      <a:pPr>
+                        <a:buNone/>
+                      </a:pPr>
+                      <a:r>
+                        <a:rPr lang="en-US" sz="1400" dirty="0"/>
+                        <a:t>Dynamically typed (types resolved at runtime)</a:t>
+                      </a:r>
+                    </a:p>
+                  </a:txBody>
+                  <a:tcPr marL="72522" marR="72522" marT="36261" marB="36261" anchor="ctr"/>
+                </a:tc>
+                <a:tc>
+                  <a:txBody>
+                    <a:bodyPr/>
+                    <a:lstStyle/>
+                    <a:p>
+                      <a:pPr>
+                        <a:buNone/>
+                      </a:pPr>
+                      <a:r>
+                        <a:rPr lang="en-US" sz="1400"/>
+                        <a:t>Statically typed (types enforced at compile time)</a:t>
+                      </a:r>
+                    </a:p>
+                  </a:txBody>
+                  <a:tcPr marL="72522" marR="72522" marT="36261" marB="36261" anchor="ctr"/>
+                </a:tc>
+                <a:extLst>
+                  <a:ext uri="{0D108BD9-81ED-4DB2-BD59-A6C34878D82A}">
+                    <a16:rowId xmlns:a16="http://schemas.microsoft.com/office/drawing/2014/main" val="3515420699"/>
+                  </a:ext>
+                </a:extLst>
+              </a:tr>
+              <a:tr h="507656">
+                <a:tc>
+                  <a:txBody>
+                    <a:bodyPr/>
+                    <a:lstStyle/>
+                    <a:p>
+                      <a:pPr>
+                        <a:buNone/>
+                      </a:pPr>
+                      <a:r>
+                        <a:rPr lang="pt-BR" sz="1400" b="1" dirty="0">
+                          <a:effectLst>
+                            <a:outerShdw blurRad="38100" dist="38100" dir="2700000" algn="tl">
+                              <a:srgbClr val="000000">
+                                <a:alpha val="43137"/>
+                              </a:srgbClr>
+                            </a:outerShdw>
+                          </a:effectLst>
+                        </a:rPr>
+                        <a:t>Type Inference</a:t>
+                      </a:r>
+                    </a:p>
+                  </a:txBody>
+                  <a:tcPr marL="72522" marR="72522" marT="36261" marB="36261" anchor="ctr"/>
+                </a:tc>
+                <a:tc>
+                  <a:txBody>
+                    <a:bodyPr/>
+                    <a:lstStyle/>
+                    <a:p>
+                      <a:pPr>
+                        <a:buNone/>
+                      </a:pPr>
+                      <a:r>
+                        <a:rPr lang="en-US" sz="1400"/>
+                        <a:t>Limited, mainly typeof and runtime checks</a:t>
+                      </a:r>
+                    </a:p>
+                  </a:txBody>
+                  <a:tcPr marL="72522" marR="72522" marT="36261" marB="36261" anchor="ctr"/>
+                </a:tc>
+                <a:tc>
+                  <a:txBody>
+                    <a:bodyPr/>
+                    <a:lstStyle/>
+                    <a:p>
+                      <a:pPr>
+                        <a:buNone/>
+                      </a:pPr>
+                      <a:r>
+                        <a:rPr lang="pt-BR" sz="1400"/>
+                        <a:t>Strong inference + explicit types, interfaces, generics</a:t>
+                      </a:r>
+                    </a:p>
+                  </a:txBody>
+                  <a:tcPr marL="72522" marR="72522" marT="36261" marB="36261" anchor="ctr"/>
+                </a:tc>
+                <a:extLst>
+                  <a:ext uri="{0D108BD9-81ED-4DB2-BD59-A6C34878D82A}">
+                    <a16:rowId xmlns:a16="http://schemas.microsoft.com/office/drawing/2014/main" val="444935418"/>
+                  </a:ext>
+                </a:extLst>
+              </a:tr>
+              <a:tr h="507656">
+                <a:tc>
+                  <a:txBody>
+                    <a:bodyPr/>
+                    <a:lstStyle/>
+                    <a:p>
+                      <a:pPr>
+                        <a:buNone/>
+                      </a:pPr>
+                      <a:r>
+                        <a:rPr lang="pt-BR" sz="1400" b="1" dirty="0">
+                          <a:effectLst>
+                            <a:outerShdw blurRad="38100" dist="38100" dir="2700000" algn="tl">
+                              <a:srgbClr val="000000">
+                                <a:alpha val="43137"/>
+                              </a:srgbClr>
+                            </a:outerShdw>
+                          </a:effectLst>
+                        </a:rPr>
+                        <a:t>Error Detection</a:t>
+                      </a:r>
+                    </a:p>
+                  </a:txBody>
+                  <a:tcPr marL="72522" marR="72522" marT="36261" marB="36261" anchor="ctr"/>
+                </a:tc>
+                <a:tc>
+                  <a:txBody>
+                    <a:bodyPr/>
+                    <a:lstStyle/>
+                    <a:p>
+                      <a:pPr>
+                        <a:buNone/>
+                      </a:pPr>
+                      <a:r>
+                        <a:rPr lang="en-US" sz="1400"/>
+                        <a:t>Errors only surface at runtime</a:t>
+                      </a:r>
+                    </a:p>
+                  </a:txBody>
+                  <a:tcPr marL="72522" marR="72522" marT="36261" marB="36261" anchor="ctr"/>
+                </a:tc>
+                <a:tc>
+                  <a:txBody>
+                    <a:bodyPr/>
+                    <a:lstStyle/>
+                    <a:p>
+                      <a:pPr>
+                        <a:buNone/>
+                      </a:pPr>
+                      <a:r>
+                        <a:rPr lang="en-US" sz="1400"/>
+                        <a:t>Compile-time checks prevent many runtime errors</a:t>
+                      </a:r>
+                    </a:p>
+                  </a:txBody>
+                  <a:tcPr marL="72522" marR="72522" marT="36261" marB="36261" anchor="ctr"/>
+                </a:tc>
+                <a:extLst>
+                  <a:ext uri="{0D108BD9-81ED-4DB2-BD59-A6C34878D82A}">
+                    <a16:rowId xmlns:a16="http://schemas.microsoft.com/office/drawing/2014/main" val="1062016080"/>
+                  </a:ext>
+                </a:extLst>
+              </a:tr>
+              <a:tr h="507656">
+                <a:tc>
+                  <a:txBody>
+                    <a:bodyPr/>
+                    <a:lstStyle/>
+                    <a:p>
+                      <a:pPr>
+                        <a:buNone/>
+                      </a:pPr>
+                      <a:r>
+                        <a:rPr lang="pt-BR" sz="1400" b="1" dirty="0">
+                          <a:effectLst>
+                            <a:outerShdw blurRad="38100" dist="38100" dir="2700000" algn="tl">
+                              <a:srgbClr val="000000">
+                                <a:alpha val="43137"/>
+                              </a:srgbClr>
+                            </a:outerShdw>
+                          </a:effectLst>
+                        </a:rPr>
+                        <a:t>Language Features</a:t>
+                      </a:r>
+                    </a:p>
+                  </a:txBody>
+                  <a:tcPr marL="72522" marR="72522" marT="36261" marB="36261" anchor="ctr"/>
+                </a:tc>
+                <a:tc>
+                  <a:txBody>
+                    <a:bodyPr/>
+                    <a:lstStyle/>
+                    <a:p>
+                      <a:pPr>
+                        <a:buNone/>
+                      </a:pPr>
+                      <a:r>
+                        <a:rPr lang="fr-FR" sz="1400"/>
+                        <a:t>ES standard (functions, classes, async/await, etc.)</a:t>
+                      </a:r>
+                    </a:p>
+                  </a:txBody>
+                  <a:tcPr marL="72522" marR="72522" marT="36261" marB="36261" anchor="ctr"/>
+                </a:tc>
+                <a:tc>
+                  <a:txBody>
+                    <a:bodyPr/>
+                    <a:lstStyle/>
+                    <a:p>
+                      <a:pPr>
+                        <a:buNone/>
+                      </a:pPr>
+                      <a:r>
+                        <a:rPr lang="en-US" sz="1400"/>
+                        <a:t>All JS features + types, enums, generics, decorators</a:t>
+                      </a:r>
+                    </a:p>
+                  </a:txBody>
+                  <a:tcPr marL="72522" marR="72522" marT="36261" marB="36261" anchor="ctr"/>
+                </a:tc>
+                <a:extLst>
+                  <a:ext uri="{0D108BD9-81ED-4DB2-BD59-A6C34878D82A}">
+                    <a16:rowId xmlns:a16="http://schemas.microsoft.com/office/drawing/2014/main" val="67438023"/>
+                  </a:ext>
+                </a:extLst>
+              </a:tr>
+              <a:tr h="507656">
+                <a:tc>
+                  <a:txBody>
+                    <a:bodyPr/>
+                    <a:lstStyle/>
+                    <a:p>
+                      <a:pPr>
+                        <a:buNone/>
+                      </a:pPr>
+                      <a:r>
+                        <a:rPr lang="pt-BR" sz="1400" b="1" dirty="0">
+                          <a:effectLst>
+                            <a:outerShdw blurRad="38100" dist="38100" dir="2700000" algn="tl">
+                              <a:srgbClr val="000000">
+                                <a:alpha val="43137"/>
+                              </a:srgbClr>
+                            </a:outerShdw>
+                          </a:effectLst>
+                        </a:rPr>
+                        <a:t>Tooling / IDE</a:t>
+                      </a:r>
+                    </a:p>
+                  </a:txBody>
+                  <a:tcPr marL="72522" marR="72522" marT="36261" marB="36261" anchor="ctr"/>
+                </a:tc>
+                <a:tc>
+                  <a:txBody>
+                    <a:bodyPr/>
+                    <a:lstStyle/>
+                    <a:p>
+                      <a:pPr>
+                        <a:buNone/>
+                      </a:pPr>
+                      <a:r>
+                        <a:rPr lang="en-US" sz="1400"/>
+                        <a:t>Autocomplete based on runtime libraries</a:t>
+                      </a:r>
+                    </a:p>
+                  </a:txBody>
+                  <a:tcPr marL="72522" marR="72522" marT="36261" marB="36261" anchor="ctr"/>
+                </a:tc>
+                <a:tc>
+                  <a:txBody>
+                    <a:bodyPr/>
+                    <a:lstStyle/>
+                    <a:p>
+                      <a:pPr>
+                        <a:buNone/>
+                      </a:pPr>
+                      <a:r>
+                        <a:rPr lang="pt-BR" sz="1400"/>
+                        <a:t>Advanced IntelliSense, refactoring, navigation</a:t>
+                      </a:r>
+                    </a:p>
+                  </a:txBody>
+                  <a:tcPr marL="72522" marR="72522" marT="36261" marB="36261" anchor="ctr"/>
+                </a:tc>
+                <a:extLst>
+                  <a:ext uri="{0D108BD9-81ED-4DB2-BD59-A6C34878D82A}">
+                    <a16:rowId xmlns:a16="http://schemas.microsoft.com/office/drawing/2014/main" val="1593567925"/>
+                  </a:ext>
+                </a:extLst>
+              </a:tr>
+              <a:tr h="507656">
+                <a:tc>
+                  <a:txBody>
+                    <a:bodyPr/>
+                    <a:lstStyle/>
+                    <a:p>
+                      <a:pPr>
+                        <a:buNone/>
+                      </a:pPr>
+                      <a:r>
+                        <a:rPr lang="pt-BR" sz="1400" b="1" dirty="0">
+                          <a:effectLst>
+                            <a:outerShdw blurRad="38100" dist="38100" dir="2700000" algn="tl">
+                              <a:srgbClr val="000000">
+                                <a:alpha val="43137"/>
+                              </a:srgbClr>
+                            </a:outerShdw>
+                          </a:effectLst>
+                        </a:rPr>
+                        <a:t>Compilation</a:t>
+                      </a:r>
+                    </a:p>
+                  </a:txBody>
+                  <a:tcPr marL="72522" marR="72522" marT="36261" marB="36261" anchor="ctr"/>
+                </a:tc>
+                <a:tc>
+                  <a:txBody>
+                    <a:bodyPr/>
+                    <a:lstStyle/>
+                    <a:p>
+                      <a:pPr>
+                        <a:buNone/>
+                      </a:pPr>
+                      <a:r>
+                        <a:rPr lang="en-US" sz="1400"/>
+                        <a:t>Directly executable by browsers/Node.js</a:t>
+                      </a:r>
+                    </a:p>
+                  </a:txBody>
+                  <a:tcPr marL="72522" marR="72522" marT="36261" marB="36261" anchor="ctr"/>
+                </a:tc>
+                <a:tc>
+                  <a:txBody>
+                    <a:bodyPr/>
+                    <a:lstStyle/>
+                    <a:p>
+                      <a:pPr>
+                        <a:buNone/>
+                      </a:pPr>
+                      <a:r>
+                        <a:rPr lang="en-US" sz="1400"/>
+                        <a:t>Must be transpiled into JS (via tsc)</a:t>
+                      </a:r>
+                    </a:p>
+                  </a:txBody>
+                  <a:tcPr marL="72522" marR="72522" marT="36261" marB="36261" anchor="ctr"/>
+                </a:tc>
+                <a:extLst>
+                  <a:ext uri="{0D108BD9-81ED-4DB2-BD59-A6C34878D82A}">
+                    <a16:rowId xmlns:a16="http://schemas.microsoft.com/office/drawing/2014/main" val="3768524358"/>
+                  </a:ext>
+                </a:extLst>
+              </a:tr>
+              <a:tr h="507656">
+                <a:tc>
+                  <a:txBody>
+                    <a:bodyPr/>
+                    <a:lstStyle/>
+                    <a:p>
+                      <a:pPr>
+                        <a:buNone/>
+                      </a:pPr>
+                      <a:r>
+                        <a:rPr lang="pt-BR" sz="1400" b="1" dirty="0">
+                          <a:effectLst>
+                            <a:outerShdw blurRad="38100" dist="38100" dir="2700000" algn="tl">
+                              <a:srgbClr val="000000">
+                                <a:alpha val="43137"/>
+                              </a:srgbClr>
+                            </a:outerShdw>
+                          </a:effectLst>
+                        </a:rPr>
+                        <a:t>Ecosystem</a:t>
+                      </a:r>
+                    </a:p>
+                  </a:txBody>
+                  <a:tcPr marL="72522" marR="72522" marT="36261" marB="36261" anchor="ctr"/>
+                </a:tc>
+                <a:tc>
+                  <a:txBody>
+                    <a:bodyPr/>
+                    <a:lstStyle/>
+                    <a:p>
+                      <a:pPr>
+                        <a:buNone/>
+                      </a:pPr>
+                      <a:r>
+                        <a:rPr lang="pt-BR" sz="1400"/>
+                        <a:t>Native everywhere</a:t>
+                      </a:r>
+                    </a:p>
+                  </a:txBody>
+                  <a:tcPr marL="72522" marR="72522" marT="36261" marB="36261" anchor="ctr"/>
+                </a:tc>
+                <a:tc>
+                  <a:txBody>
+                    <a:bodyPr/>
+                    <a:lstStyle/>
+                    <a:p>
+                      <a:pPr>
+                        <a:buNone/>
+                      </a:pPr>
+                      <a:r>
+                        <a:rPr lang="en-US" sz="1400"/>
+                        <a:t>Superset of JS, integrates with existing JS code</a:t>
+                      </a:r>
+                    </a:p>
+                  </a:txBody>
+                  <a:tcPr marL="72522" marR="72522" marT="36261" marB="36261" anchor="ctr"/>
+                </a:tc>
+                <a:extLst>
+                  <a:ext uri="{0D108BD9-81ED-4DB2-BD59-A6C34878D82A}">
+                    <a16:rowId xmlns:a16="http://schemas.microsoft.com/office/drawing/2014/main" val="218627614"/>
+                  </a:ext>
+                </a:extLst>
+              </a:tr>
+              <a:tr h="507656">
+                <a:tc>
+                  <a:txBody>
+                    <a:bodyPr/>
+                    <a:lstStyle/>
+                    <a:p>
+                      <a:pPr>
+                        <a:buNone/>
+                      </a:pPr>
+                      <a:r>
+                        <a:rPr lang="pt-BR" sz="1400" b="1" dirty="0">
+                          <a:effectLst>
+                            <a:outerShdw blurRad="38100" dist="38100" dir="2700000" algn="tl">
+                              <a:srgbClr val="000000">
+                                <a:alpha val="43137"/>
+                              </a:srgbClr>
+                            </a:outerShdw>
+                          </a:effectLst>
+                        </a:rPr>
+                        <a:t>Scalability</a:t>
+                      </a:r>
+                    </a:p>
+                  </a:txBody>
+                  <a:tcPr marL="72522" marR="72522" marT="36261" marB="36261" anchor="ctr"/>
+                </a:tc>
+                <a:tc>
+                  <a:txBody>
+                    <a:bodyPr/>
+                    <a:lstStyle/>
+                    <a:p>
+                      <a:pPr>
+                        <a:buNone/>
+                      </a:pPr>
+                      <a:r>
+                        <a:rPr lang="en-US" sz="1400"/>
+                        <a:t>More error-prone in large codebases</a:t>
+                      </a:r>
+                    </a:p>
+                  </a:txBody>
+                  <a:tcPr marL="72522" marR="72522" marT="36261" marB="36261" anchor="ctr"/>
+                </a:tc>
+                <a:tc>
+                  <a:txBody>
+                    <a:bodyPr/>
+                    <a:lstStyle/>
+                    <a:p>
+                      <a:pPr>
+                        <a:buNone/>
+                      </a:pPr>
+                      <a:r>
+                        <a:rPr lang="pt-BR" sz="1400" dirty="0"/>
+                        <a:t>Designed for large-scale, maintainable applications</a:t>
+                      </a:r>
+                    </a:p>
+                  </a:txBody>
+                  <a:tcPr marL="72522" marR="72522" marT="36261" marB="36261" anchor="ctr"/>
+                </a:tc>
+                <a:extLst>
+                  <a:ext uri="{0D108BD9-81ED-4DB2-BD59-A6C34878D82A}">
+                    <a16:rowId xmlns:a16="http://schemas.microsoft.com/office/drawing/2014/main" val="187655106"/>
+                  </a:ext>
+                </a:extLst>
+              </a:tr>
+            </a:tbl>
+          </a:graphicData>
+        </a:graphic>
+      </p:graphicFrame>
+      <p:sp>
+        <p:nvSpPr>
+          <p:cNvPr id="5" name="Textfeld 4">
+            <a:extLst>
+              <a:ext uri="{FF2B5EF4-FFF2-40B4-BE49-F238E27FC236}">
+                <a16:creationId xmlns:a16="http://schemas.microsoft.com/office/drawing/2014/main" id="{16559F82-2911-AB8A-BB01-D4AD4C10435E}"/>
+              </a:ext>
+            </a:extLst>
+          </p:cNvPr>
+          <p:cNvSpPr txBox="1"/>
+          <p:nvPr/>
+        </p:nvSpPr>
+        <p:spPr>
+          <a:xfrm>
+            <a:off x="3704382" y="593300"/>
+            <a:ext cx="4783233" cy="584775"/>
+          </a:xfrm>
+          <a:prstGeom prst="rect">
+            <a:avLst/>
+          </a:prstGeom>
+          <a:noFill/>
+        </p:spPr>
+        <p:txBody>
+          <a:bodyPr wrap="none" rtlCol="0">
+            <a:spAutoFit/>
+          </a:bodyPr>
+          <a:lstStyle/>
+          <a:p>
+            <a:r>
+              <a:rPr lang="pt-BR" sz="3200" b="1" dirty="0">
+                <a:effectLst>
+                  <a:outerShdw blurRad="38100" dist="38100" dir="2700000" algn="tl">
+                    <a:srgbClr val="000000">
+                      <a:alpha val="43137"/>
+                    </a:srgbClr>
+                  </a:outerShdw>
+                </a:effectLst>
+              </a:rPr>
+              <a:t>TypeScript vs. JavaScript</a:t>
+            </a:r>
+          </a:p>
+        </p:txBody>
+      </p:sp>
+    </p:spTree>
+    <p:extLst>
+      <p:ext uri="{BB962C8B-B14F-4D97-AF65-F5344CB8AC3E}">
+        <p14:creationId xmlns:p14="http://schemas.microsoft.com/office/powerpoint/2010/main" val="2921731933"/>
+      </p:ext>
+    </p:extLst>
+  </p:cSld>
+  <p:clrMapOvr>
+    <a:masterClrMapping/>
+  </p:clrMapOvr>
+</p:sld>
+</file>
+
+<file path=ppt/slides/slide9.xml><?xml version="1.0" encoding="utf-8"?>
 <p:sld xmlns:a="http://schemas.openxmlformats.org/drawingml/2006/main" xmlns:r="http://schemas.openxmlformats.org/officeDocument/2006/relationships" xmlns:p="http://schemas.openxmlformats.org/presentationml/2006/main">
   <p:cSld>
     <p:spTree>
@@ -23409,154 +24309,6 @@
     <p:extLst>
       <p:ext uri="{BB962C8B-B14F-4D97-AF65-F5344CB8AC3E}">
         <p14:creationId xmlns:p14="http://schemas.microsoft.com/office/powerpoint/2010/main" val="4028038202"/>
-      </p:ext>
-    </p:extLst>
-  </p:cSld>
-  <p:clrMapOvr>
-    <a:masterClrMapping/>
-  </p:clrMapOvr>
-</p:sld>
-</file>
-
-<file path=ppt/slides/slide9.xml><?xml version="1.0" encoding="utf-8"?>
-<p:sld xmlns:a="http://schemas.openxmlformats.org/drawingml/2006/main" xmlns:r="http://schemas.openxmlformats.org/officeDocument/2006/relationships" xmlns:p="http://schemas.openxmlformats.org/presentationml/2006/main">
-  <p:cSld>
-    <p:spTree>
-      <p:nvGrpSpPr>
-        <p:cNvPr id="1" name="">
-          <a:extLst>
-            <a:ext uri="{FF2B5EF4-FFF2-40B4-BE49-F238E27FC236}">
-              <a16:creationId xmlns:a16="http://schemas.microsoft.com/office/drawing/2014/main" id="{8CB3E83E-E7E1-FFA1-4D55-2EED9FC25FDC}"/>
-            </a:ext>
-          </a:extLst>
-        </p:cNvPr>
-        <p:cNvGrpSpPr/>
-        <p:nvPr/>
-      </p:nvGrpSpPr>
-      <p:grpSpPr>
-        <a:xfrm>
-          <a:off x="0" y="0"/>
-          <a:ext cx="0" cy="0"/>
-          <a:chOff x="0" y="0"/>
-          <a:chExt cx="0" cy="0"/>
-        </a:xfrm>
-      </p:grpSpPr>
-      <p:sp>
-        <p:nvSpPr>
-          <p:cNvPr id="2" name="Titel 1">
-            <a:extLst>
-              <a:ext uri="{FF2B5EF4-FFF2-40B4-BE49-F238E27FC236}">
-                <a16:creationId xmlns:a16="http://schemas.microsoft.com/office/drawing/2014/main" id="{7022EBB9-4A37-4E4B-E08C-A2603B0BE9D1}"/>
-              </a:ext>
-            </a:extLst>
-          </p:cNvPr>
-          <p:cNvSpPr>
-            <a:spLocks noGrp="1"/>
-          </p:cNvSpPr>
-          <p:nvPr>
-            <p:ph type="title"/>
-          </p:nvPr>
-        </p:nvSpPr>
-        <p:spPr/>
-        <p:txBody>
-          <a:bodyPr>
-            <a:normAutofit/>
-          </a:bodyPr>
-          <a:lstStyle/>
-          <a:p>
-            <a:r>
-              <a:rPr lang="en-US" b="1" dirty="0"/>
-              <a:t>SOLID Principles</a:t>
-            </a:r>
-            <a:endParaRPr lang="pt-BR" dirty="0"/>
-          </a:p>
-        </p:txBody>
-      </p:sp>
-      <p:sp>
-        <p:nvSpPr>
-          <p:cNvPr id="3" name="Inhaltsplatzhalter 2">
-            <a:extLst>
-              <a:ext uri="{FF2B5EF4-FFF2-40B4-BE49-F238E27FC236}">
-                <a16:creationId xmlns:a16="http://schemas.microsoft.com/office/drawing/2014/main" id="{36832EDB-064F-5BD9-E5B8-411944667BEC}"/>
-              </a:ext>
-            </a:extLst>
-          </p:cNvPr>
-          <p:cNvSpPr>
-            <a:spLocks noGrp="1"/>
-          </p:cNvSpPr>
-          <p:nvPr>
-            <p:ph idx="1"/>
-          </p:nvPr>
-        </p:nvSpPr>
-        <p:spPr/>
-        <p:txBody>
-          <a:bodyPr/>
-          <a:lstStyle/>
-          <a:p>
-            <a:r>
-              <a:rPr lang="en-US" b="1" dirty="0"/>
-              <a:t>S — Single Responsibility</a:t>
-            </a:r>
-            <a:r>
-              <a:rPr lang="en-US" dirty="0"/>
-              <a:t>: one reason to change.</a:t>
-            </a:r>
-          </a:p>
-          <a:p>
-            <a:r>
-              <a:rPr lang="en-US" b="1" dirty="0"/>
-              <a:t>O — Open/Closed</a:t>
-            </a:r>
-            <a:r>
-              <a:rPr lang="en-US" dirty="0"/>
-              <a:t>: extend behavior without modifying existing code.</a:t>
-            </a:r>
-          </a:p>
-          <a:p>
-            <a:r>
-              <a:rPr lang="en-US" b="1" dirty="0"/>
-              <a:t>L — </a:t>
-            </a:r>
-            <a:r>
-              <a:rPr lang="en-US" b="1" dirty="0" err="1"/>
-              <a:t>Liskov</a:t>
-            </a:r>
-            <a:r>
-              <a:rPr lang="en-US" b="1" dirty="0"/>
-              <a:t> Substitution</a:t>
-            </a:r>
-            <a:r>
-              <a:rPr lang="en-US" dirty="0"/>
-              <a:t>: subclasses can replace parents without breaking logic.</a:t>
-            </a:r>
-          </a:p>
-          <a:p>
-            <a:r>
-              <a:rPr lang="en-US" b="1" dirty="0"/>
-              <a:t>I — Interface Segregation</a:t>
-            </a:r>
-            <a:r>
-              <a:rPr lang="en-US" dirty="0"/>
-              <a:t>: clients shouldn’t depend on methods they don’t use.</a:t>
-            </a:r>
-          </a:p>
-          <a:p>
-            <a:r>
-              <a:rPr lang="en-US" b="1" dirty="0"/>
-              <a:t>D — Dependency Inversion</a:t>
-            </a:r>
-            <a:r>
-              <a:rPr lang="en-US" dirty="0"/>
-              <a:t>: depend on abstractions, not concrete classes.</a:t>
-            </a:r>
-            <a:endParaRPr lang="pt-BR" dirty="0"/>
-          </a:p>
-        </p:txBody>
-      </p:sp>
-    </p:spTree>
-    <p:extLst>
-      <p:ext uri="{BB962C8B-B14F-4D97-AF65-F5344CB8AC3E}">
-        <p14:creationId xmlns:p14="http://schemas.microsoft.com/office/powerpoint/2010/main" val="1163769238"/>
       </p:ext>
     </p:extLst>
   </p:cSld>

--- a/learning_material/Agile Software Engineering.pptx
+++ b/learning_material/Agile Software Engineering.pptx
@@ -5,7 +5,7 @@
     <p:sldMasterId id="2147483648" r:id="rId1"/>
   </p:sldMasterIdLst>
   <p:notesMasterIdLst>
-    <p:notesMasterId r:id="rId26"/>
+    <p:notesMasterId r:id="rId37"/>
   </p:notesMasterIdLst>
   <p:sldIdLst>
     <p:sldId id="256" r:id="rId2"/>
@@ -32,6 +32,17 @@
     <p:sldId id="3289" r:id="rId23"/>
     <p:sldId id="3290" r:id="rId24"/>
     <p:sldId id="3292" r:id="rId25"/>
+    <p:sldId id="3294" r:id="rId26"/>
+    <p:sldId id="3295" r:id="rId27"/>
+    <p:sldId id="3296" r:id="rId28"/>
+    <p:sldId id="3297" r:id="rId29"/>
+    <p:sldId id="3298" r:id="rId30"/>
+    <p:sldId id="3299" r:id="rId31"/>
+    <p:sldId id="3300" r:id="rId32"/>
+    <p:sldId id="3301" r:id="rId33"/>
+    <p:sldId id="3302" r:id="rId34"/>
+    <p:sldId id="3303" r:id="rId35"/>
+    <p:sldId id="3304" r:id="rId36"/>
   </p:sldIdLst>
   <p:sldSz cx="12192000" cy="6858000"/>
   <p:notesSz cx="6858000" cy="9144000"/>
@@ -141,7 +152,7 @@
 <file path=ppt/revisionInfo.xml><?xml version="1.0" encoding="utf-8"?>
 <p1510:revInfo xmlns:a="http://schemas.openxmlformats.org/drawingml/2006/main" xmlns:r="http://schemas.openxmlformats.org/officeDocument/2006/relationships" xmlns:p1510="http://schemas.microsoft.com/office/powerpoint/2015/10/main">
   <p1510:revLst>
-    <p1510:client id="{0BF8CA53-61FB-46AC-A8C7-0A294286FFFE}" v="160" dt="2025-09-22T12:01:43.378"/>
+    <p1510:client id="{0BF8CA53-61FB-46AC-A8C7-0A294286FFFE}" v="255" dt="2025-09-26T00:26:47.568"/>
   </p1510:revLst>
 </p1510:revInfo>
 </file>
@@ -151,7 +162,7 @@
   <pc:docChgLst>
     <pc:chgData name="Heitor Roriz Filho" userId="af4ef8844a2fcbc3" providerId="LiveId" clId="{173FCC4A-857D-48E8-A663-6F33560BDDC5}"/>
     <pc:docChg chg="undo custSel addSld delSld modSld">
-      <pc:chgData name="Heitor Roriz Filho" userId="af4ef8844a2fcbc3" providerId="LiveId" clId="{173FCC4A-857D-48E8-A663-6F33560BDDC5}" dt="2025-09-22T12:01:47.693" v="1643" actId="1036"/>
+      <pc:chgData name="Heitor Roriz Filho" userId="af4ef8844a2fcbc3" providerId="LiveId" clId="{173FCC4A-857D-48E8-A663-6F33560BDDC5}" dt="2025-09-26T00:27:18.025" v="2767" actId="1036"/>
       <pc:docMkLst>
         <pc:docMk/>
       </pc:docMkLst>
@@ -574,14 +585,6 @@
             <ac:spMk id="103" creationId="{0A87F9C8-FFFD-E67E-DF4A-AFE722D3BB78}"/>
           </ac:spMkLst>
         </pc:spChg>
-        <pc:grpChg chg="del">
-          <ac:chgData name="Heitor Roriz Filho" userId="af4ef8844a2fcbc3" providerId="LiveId" clId="{173FCC4A-857D-48E8-A663-6F33560BDDC5}" dt="2025-09-22T01:00:19.900" v="245" actId="478"/>
-          <ac:grpSpMkLst>
-            <pc:docMk/>
-            <pc:sldMk cId="715263984" sldId="3213"/>
-            <ac:grpSpMk id="3" creationId="{45996E1C-005A-4210-9BE8-D880430F0BE4}"/>
-          </ac:grpSpMkLst>
-        </pc:grpChg>
         <pc:grpChg chg="mod">
           <ac:chgData name="Heitor Roriz Filho" userId="af4ef8844a2fcbc3" providerId="LiveId" clId="{173FCC4A-857D-48E8-A663-6F33560BDDC5}" dt="2025-09-22T01:00:38.980" v="248" actId="1076"/>
           <ac:grpSpMkLst>
@@ -605,14 +608,6 @@
             <ac:spMk id="2" creationId="{6D509C4E-CFED-4EE6-BF8C-E4E58E724A37}"/>
           </ac:spMkLst>
         </pc:spChg>
-        <pc:spChg chg="add">
-          <ac:chgData name="Heitor Roriz Filho" userId="af4ef8844a2fcbc3" providerId="LiveId" clId="{173FCC4A-857D-48E8-A663-6F33560BDDC5}" dt="2025-09-22T02:00:43.370" v="1439"/>
-          <ac:spMkLst>
-            <pc:docMk/>
-            <pc:sldMk cId="2864476931" sldId="3219"/>
-            <ac:spMk id="4" creationId="{F3EF5060-0247-D9F7-49BD-D9A38CAAA721}"/>
-          </ac:spMkLst>
-        </pc:spChg>
         <pc:spChg chg="mod">
           <ac:chgData name="Heitor Roriz Filho" userId="af4ef8844a2fcbc3" providerId="LiveId" clId="{173FCC4A-857D-48E8-A663-6F33560BDDC5}" dt="2025-09-22T02:01:09.697" v="1446"/>
           <ac:spMkLst>
@@ -627,14 +622,6 @@
             <pc:docMk/>
             <pc:sldMk cId="2864476931" sldId="3219"/>
             <ac:spMk id="7" creationId="{AF46664D-6A6C-4E2B-8D70-906DEBF21429}"/>
-          </ac:spMkLst>
-        </pc:spChg>
-        <pc:spChg chg="add del mod">
-          <ac:chgData name="Heitor Roriz Filho" userId="af4ef8844a2fcbc3" providerId="LiveId" clId="{173FCC4A-857D-48E8-A663-6F33560BDDC5}" dt="2025-09-22T02:02:34.822" v="1490"/>
-          <ac:spMkLst>
-            <pc:docMk/>
-            <pc:sldMk cId="2864476931" sldId="3219"/>
-            <ac:spMk id="8" creationId="{A79CB650-CC3D-D303-9C93-2AD01EFB6A13}"/>
           </ac:spMkLst>
         </pc:spChg>
         <pc:spChg chg="mod">
@@ -677,46 +664,6 @@
             <ac:spMk id="88" creationId="{55B4605F-53AB-4447-B5A3-08CCFBA52184}"/>
           </ac:spMkLst>
         </pc:spChg>
-        <pc:spChg chg="del mod">
-          <ac:chgData name="Heitor Roriz Filho" userId="af4ef8844a2fcbc3" providerId="LiveId" clId="{173FCC4A-857D-48E8-A663-6F33560BDDC5}" dt="2025-09-22T02:02:43.546" v="1494" actId="478"/>
-          <ac:spMkLst>
-            <pc:docMk/>
-            <pc:sldMk cId="2864476931" sldId="3219"/>
-            <ac:spMk id="93" creationId="{8D3034D7-3B98-4D74-856B-D3A00D30F489}"/>
-          </ac:spMkLst>
-        </pc:spChg>
-        <pc:spChg chg="del mod">
-          <ac:chgData name="Heitor Roriz Filho" userId="af4ef8844a2fcbc3" providerId="LiveId" clId="{173FCC4A-857D-48E8-A663-6F33560BDDC5}" dt="2025-09-22T02:02:39.620" v="1492" actId="478"/>
-          <ac:spMkLst>
-            <pc:docMk/>
-            <pc:sldMk cId="2864476931" sldId="3219"/>
-            <ac:spMk id="94" creationId="{EC142650-BC4C-4A47-B49C-C6FC0BEA3E77}"/>
-          </ac:spMkLst>
-        </pc:spChg>
-        <pc:spChg chg="del mod">
-          <ac:chgData name="Heitor Roriz Filho" userId="af4ef8844a2fcbc3" providerId="LiveId" clId="{173FCC4A-857D-48E8-A663-6F33560BDDC5}" dt="2025-09-22T02:02:36.792" v="1491" actId="478"/>
-          <ac:spMkLst>
-            <pc:docMk/>
-            <pc:sldMk cId="2864476931" sldId="3219"/>
-            <ac:spMk id="95" creationId="{0243699B-58ED-4740-860F-3B84025CF18D}"/>
-          </ac:spMkLst>
-        </pc:spChg>
-        <pc:spChg chg="del mod topLvl">
-          <ac:chgData name="Heitor Roriz Filho" userId="af4ef8844a2fcbc3" providerId="LiveId" clId="{173FCC4A-857D-48E8-A663-6F33560BDDC5}" dt="2025-09-22T02:02:48.121" v="1496" actId="478"/>
-          <ac:spMkLst>
-            <pc:docMk/>
-            <pc:sldMk cId="2864476931" sldId="3219"/>
-            <ac:spMk id="96" creationId="{AB40AD4A-E5BE-4469-8927-0F912DF45819}"/>
-          </ac:spMkLst>
-        </pc:spChg>
-        <pc:spChg chg="del mod">
-          <ac:chgData name="Heitor Roriz Filho" userId="af4ef8844a2fcbc3" providerId="LiveId" clId="{173FCC4A-857D-48E8-A663-6F33560BDDC5}" dt="2025-09-22T02:02:46.259" v="1495" actId="478"/>
-          <ac:spMkLst>
-            <pc:docMk/>
-            <pc:sldMk cId="2864476931" sldId="3219"/>
-            <ac:spMk id="97" creationId="{70F83C9C-156F-40B6-893D-A03135C09CD0}"/>
-          </ac:spMkLst>
-        </pc:spChg>
         <pc:grpChg chg="mod">
           <ac:chgData name="Heitor Roriz Filho" userId="af4ef8844a2fcbc3" providerId="LiveId" clId="{173FCC4A-857D-48E8-A663-6F33560BDDC5}" dt="2025-09-22T01:59:45.822" v="1435"/>
           <ac:grpSpMkLst>
@@ -739,14 +686,6 @@
             <pc:docMk/>
             <pc:sldMk cId="2864476931" sldId="3219"/>
             <ac:grpSpMk id="92" creationId="{3D7285A7-ECF9-4D99-BC93-21F35167EB18}"/>
-          </ac:grpSpMkLst>
-        </pc:grpChg>
-        <pc:grpChg chg="del mod">
-          <ac:chgData name="Heitor Roriz Filho" userId="af4ef8844a2fcbc3" providerId="LiveId" clId="{173FCC4A-857D-48E8-A663-6F33560BDDC5}" dt="2025-09-22T02:02:48.121" v="1496" actId="478"/>
-          <ac:grpSpMkLst>
-            <pc:docMk/>
-            <pc:sldMk cId="2864476931" sldId="3219"/>
-            <ac:grpSpMk id="98" creationId="{8735A0BC-6C8A-4199-82AB-A093349A4017}"/>
           </ac:grpSpMkLst>
         </pc:grpChg>
         <pc:picChg chg="mod topLvl">
@@ -780,22 +719,6 @@
           <pc:docMk/>
           <pc:sldMk cId="2312912657" sldId="3220"/>
         </pc:sldMkLst>
-        <pc:spChg chg="del">
-          <ac:chgData name="Heitor Roriz Filho" userId="af4ef8844a2fcbc3" providerId="LiveId" clId="{173FCC4A-857D-48E8-A663-6F33560BDDC5}" dt="2025-09-22T01:58:25.128" v="1420" actId="478"/>
-          <ac:spMkLst>
-            <pc:docMk/>
-            <pc:sldMk cId="2312912657" sldId="3220"/>
-            <ac:spMk id="2" creationId="{6D509C4E-CFED-4EE6-BF8C-E4E58E724A37}"/>
-          </ac:spMkLst>
-        </pc:spChg>
-        <pc:spChg chg="add del mod">
-          <ac:chgData name="Heitor Roriz Filho" userId="af4ef8844a2fcbc3" providerId="LiveId" clId="{173FCC4A-857D-48E8-A663-6F33560BDDC5}" dt="2025-09-22T01:58:27.511" v="1422" actId="478"/>
-          <ac:spMkLst>
-            <pc:docMk/>
-            <pc:sldMk cId="2312912657" sldId="3220"/>
-            <ac:spMk id="5" creationId="{3DB8E68A-0F8C-E3F0-74BB-AA159C1B87C1}"/>
-          </ac:spMkLst>
-        </pc:spChg>
         <pc:spChg chg="add mod">
           <ac:chgData name="Heitor Roriz Filho" userId="af4ef8844a2fcbc3" providerId="LiveId" clId="{173FCC4A-857D-48E8-A663-6F33560BDDC5}" dt="2025-09-22T01:58:25.542" v="1421"/>
           <ac:spMkLst>
@@ -876,52 +799,12 @@
             <ac:spMk id="27" creationId="{ED90F6A8-5640-2497-E6A2-F3EFF238CD0C}"/>
           </ac:spMkLst>
         </pc:spChg>
-        <pc:grpChg chg="del">
-          <ac:chgData name="Heitor Roriz Filho" userId="af4ef8844a2fcbc3" providerId="LiveId" clId="{173FCC4A-857D-48E8-A663-6F33560BDDC5}" dt="2025-09-22T02:03:36.948" v="1502" actId="478"/>
-          <ac:grpSpMkLst>
-            <pc:docMk/>
-            <pc:sldMk cId="2312912657" sldId="3220"/>
-            <ac:grpSpMk id="12" creationId="{F24E5F1C-406A-4849-8FEA-D19546AED774}"/>
-          </ac:grpSpMkLst>
-        </pc:grpChg>
-        <pc:grpChg chg="del">
-          <ac:chgData name="Heitor Roriz Filho" userId="af4ef8844a2fcbc3" providerId="LiveId" clId="{173FCC4A-857D-48E8-A663-6F33560BDDC5}" dt="2025-09-22T02:03:36.948" v="1502" actId="478"/>
-          <ac:grpSpMkLst>
-            <pc:docMk/>
-            <pc:sldMk cId="2312912657" sldId="3220"/>
-            <ac:grpSpMk id="13" creationId="{90D749F1-52AB-429B-BF9E-A2D17DA4057A}"/>
-          </ac:grpSpMkLst>
-        </pc:grpChg>
         <pc:grpChg chg="mod">
           <ac:chgData name="Heitor Roriz Filho" userId="af4ef8844a2fcbc3" providerId="LiveId" clId="{173FCC4A-857D-48E8-A663-6F33560BDDC5}" dt="2025-09-22T02:03:53.213" v="1505" actId="14100"/>
           <ac:grpSpMkLst>
             <pc:docMk/>
             <pc:sldMk cId="2312912657" sldId="3220"/>
             <ac:grpSpMk id="26" creationId="{05F85B28-B65D-8349-E387-C3455D4B0FF3}"/>
-          </ac:grpSpMkLst>
-        </pc:grpChg>
-        <pc:grpChg chg="del">
-          <ac:chgData name="Heitor Roriz Filho" userId="af4ef8844a2fcbc3" providerId="LiveId" clId="{173FCC4A-857D-48E8-A663-6F33560BDDC5}" dt="2025-09-22T02:03:36.948" v="1502" actId="478"/>
-          <ac:grpSpMkLst>
-            <pc:docMk/>
-            <pc:sldMk cId="2312912657" sldId="3220"/>
-            <ac:grpSpMk id="71" creationId="{2BED1CBA-2F0B-4782-940E-8403078F2C11}"/>
-          </ac:grpSpMkLst>
-        </pc:grpChg>
-        <pc:grpChg chg="del">
-          <ac:chgData name="Heitor Roriz Filho" userId="af4ef8844a2fcbc3" providerId="LiveId" clId="{173FCC4A-857D-48E8-A663-6F33560BDDC5}" dt="2025-09-22T02:03:36.948" v="1502" actId="478"/>
-          <ac:grpSpMkLst>
-            <pc:docMk/>
-            <pc:sldMk cId="2312912657" sldId="3220"/>
-            <ac:grpSpMk id="92" creationId="{3D7285A7-ECF9-4D99-BC93-21F35167EB18}"/>
-          </ac:grpSpMkLst>
-        </pc:grpChg>
-        <pc:grpChg chg="del">
-          <ac:chgData name="Heitor Roriz Filho" userId="af4ef8844a2fcbc3" providerId="LiveId" clId="{173FCC4A-857D-48E8-A663-6F33560BDDC5}" dt="2025-09-22T02:03:36.948" v="1502" actId="478"/>
-          <ac:grpSpMkLst>
-            <pc:docMk/>
-            <pc:sldMk cId="2312912657" sldId="3220"/>
-            <ac:grpSpMk id="98" creationId="{8735A0BC-6C8A-4199-82AB-A093349A4017}"/>
           </ac:grpSpMkLst>
         </pc:grpChg>
         <pc:picChg chg="add mod">
@@ -932,14 +815,6 @@
             <ac:picMk id="10" creationId="{500727DE-D1FD-5187-9341-A1DA9F2E6605}"/>
           </ac:picMkLst>
         </pc:picChg>
-        <pc:cxnChg chg="mod">
-          <ac:chgData name="Heitor Roriz Filho" userId="af4ef8844a2fcbc3" providerId="LiveId" clId="{173FCC4A-857D-48E8-A663-6F33560BDDC5}" dt="2025-09-22T02:03:36.948" v="1502" actId="478"/>
-          <ac:cxnSpMkLst>
-            <pc:docMk/>
-            <pc:sldMk cId="2312912657" sldId="3220"/>
-            <ac:cxnSpMk id="91" creationId="{E00693B6-4A8E-4827-A1A4-63E8DE8D3BC9}"/>
-          </ac:cxnSpMkLst>
-        </pc:cxnChg>
       </pc:sldChg>
       <pc:sldChg chg="addSp delSp modSp del mod">
         <pc:chgData name="Heitor Roriz Filho" userId="af4ef8844a2fcbc3" providerId="LiveId" clId="{173FCC4A-857D-48E8-A663-6F33560BDDC5}" dt="2025-09-22T02:04:09.802" v="1506" actId="47"/>
@@ -947,30 +822,6 @@
           <pc:docMk/>
           <pc:sldMk cId="3543881077" sldId="3274"/>
         </pc:sldMkLst>
-        <pc:spChg chg="del">
-          <ac:chgData name="Heitor Roriz Filho" userId="af4ef8844a2fcbc3" providerId="LiveId" clId="{173FCC4A-857D-48E8-A663-6F33560BDDC5}" dt="2025-09-22T01:58:32.213" v="1423" actId="478"/>
-          <ac:spMkLst>
-            <pc:docMk/>
-            <pc:sldMk cId="3543881077" sldId="3274"/>
-            <ac:spMk id="2" creationId="{6D509C4E-CFED-4EE6-BF8C-E4E58E724A37}"/>
-          </ac:spMkLst>
-        </pc:spChg>
-        <pc:spChg chg="add del mod">
-          <ac:chgData name="Heitor Roriz Filho" userId="af4ef8844a2fcbc3" providerId="LiveId" clId="{173FCC4A-857D-48E8-A663-6F33560BDDC5}" dt="2025-09-22T01:58:33.823" v="1424" actId="478"/>
-          <ac:spMkLst>
-            <pc:docMk/>
-            <pc:sldMk cId="3543881077" sldId="3274"/>
-            <ac:spMk id="5" creationId="{97A3FC97-0233-45EC-8639-4F67DC9956C1}"/>
-          </ac:spMkLst>
-        </pc:spChg>
-        <pc:spChg chg="add mod">
-          <ac:chgData name="Heitor Roriz Filho" userId="af4ef8844a2fcbc3" providerId="LiveId" clId="{173FCC4A-857D-48E8-A663-6F33560BDDC5}" dt="2025-09-22T01:58:34.134" v="1425"/>
-          <ac:spMkLst>
-            <pc:docMk/>
-            <pc:sldMk cId="3543881077" sldId="3274"/>
-            <ac:spMk id="8" creationId="{3B19F383-8D20-DDAF-3F5E-ECB507542599}"/>
-          </ac:spMkLst>
-        </pc:spChg>
       </pc:sldChg>
       <pc:sldChg chg="addSp delSp modSp del mod delAnim">
         <pc:chgData name="Heitor Roriz Filho" userId="af4ef8844a2fcbc3" providerId="LiveId" clId="{173FCC4A-857D-48E8-A663-6F33560BDDC5}" dt="2025-09-22T02:04:39.539" v="1514" actId="47"/>
@@ -978,38 +829,6 @@
           <pc:docMk/>
           <pc:sldMk cId="4159472230" sldId="3275"/>
         </pc:sldMkLst>
-        <pc:spChg chg="del">
-          <ac:chgData name="Heitor Roriz Filho" userId="af4ef8844a2fcbc3" providerId="LiveId" clId="{173FCC4A-857D-48E8-A663-6F33560BDDC5}" dt="2025-09-22T01:58:38.596" v="1426" actId="478"/>
-          <ac:spMkLst>
-            <pc:docMk/>
-            <pc:sldMk cId="4159472230" sldId="3275"/>
-            <ac:spMk id="2" creationId="{6D509C4E-CFED-4EE6-BF8C-E4E58E724A37}"/>
-          </ac:spMkLst>
-        </pc:spChg>
-        <pc:spChg chg="add del mod">
-          <ac:chgData name="Heitor Roriz Filho" userId="af4ef8844a2fcbc3" providerId="LiveId" clId="{173FCC4A-857D-48E8-A663-6F33560BDDC5}" dt="2025-09-22T01:58:40.135" v="1427" actId="478"/>
-          <ac:spMkLst>
-            <pc:docMk/>
-            <pc:sldMk cId="4159472230" sldId="3275"/>
-            <ac:spMk id="8" creationId="{5DDB7433-74DC-E012-36E7-027B019DD68E}"/>
-          </ac:spMkLst>
-        </pc:spChg>
-        <pc:spChg chg="add mod">
-          <ac:chgData name="Heitor Roriz Filho" userId="af4ef8844a2fcbc3" providerId="LiveId" clId="{173FCC4A-857D-48E8-A663-6F33560BDDC5}" dt="2025-09-22T01:58:40.791" v="1428"/>
-          <ac:spMkLst>
-            <pc:docMk/>
-            <pc:sldMk cId="4159472230" sldId="3275"/>
-            <ac:spMk id="10" creationId="{949E3A16-A4BC-611E-D0D1-2FCC93226F26}"/>
-          </ac:spMkLst>
-        </pc:spChg>
-        <pc:picChg chg="del">
-          <ac:chgData name="Heitor Roriz Filho" userId="af4ef8844a2fcbc3" providerId="LiveId" clId="{173FCC4A-857D-48E8-A663-6F33560BDDC5}" dt="2025-09-22T02:04:37.745" v="1513" actId="21"/>
-          <ac:picMkLst>
-            <pc:docMk/>
-            <pc:sldMk cId="4159472230" sldId="3275"/>
-            <ac:picMk id="5" creationId="{5BC808B7-2D17-4B73-84E0-B52F029797CB}"/>
-          </ac:picMkLst>
-        </pc:picChg>
       </pc:sldChg>
       <pc:sldChg chg="addSp delSp modSp mod modClrScheme chgLayout">
         <pc:chgData name="Heitor Roriz Filho" userId="af4ef8844a2fcbc3" providerId="LiveId" clId="{173FCC4A-857D-48E8-A663-6F33560BDDC5}" dt="2025-09-22T01:48:34.620" v="1193" actId="1076"/>
@@ -1023,14 +842,6 @@
             <pc:docMk/>
             <pc:sldMk cId="1267373062" sldId="3276"/>
             <ac:spMk id="2" creationId="{32CFDCA6-BA98-695C-F695-7F9A1BFC0799}"/>
-          </ac:spMkLst>
-        </pc:spChg>
-        <pc:spChg chg="add del mod ord">
-          <ac:chgData name="Heitor Roriz Filho" userId="af4ef8844a2fcbc3" providerId="LiveId" clId="{173FCC4A-857D-48E8-A663-6F33560BDDC5}" dt="2025-09-22T00:53:15.085" v="1" actId="478"/>
-          <ac:spMkLst>
-            <pc:docMk/>
-            <pc:sldMk cId="1267373062" sldId="3276"/>
-            <ac:spMk id="3" creationId="{6824EE26-B17E-2DE8-42EC-AA95D445D68C}"/>
           </ac:spMkLst>
         </pc:spChg>
         <pc:spChg chg="add mod">
@@ -1099,7 +910,7 @@
         </pc:picChg>
       </pc:sldChg>
       <pc:sldChg chg="modSp new mod">
-        <pc:chgData name="Heitor Roriz Filho" userId="af4ef8844a2fcbc3" providerId="LiveId" clId="{173FCC4A-857D-48E8-A663-6F33560BDDC5}" dt="2025-09-22T01:07:19.590" v="559" actId="20577"/>
+        <pc:chgData name="Heitor Roriz Filho" userId="af4ef8844a2fcbc3" providerId="LiveId" clId="{173FCC4A-857D-48E8-A663-6F33560BDDC5}" dt="2025-09-25T23:43:32.206" v="1657" actId="20577"/>
         <pc:sldMkLst>
           <pc:docMk/>
           <pc:sldMk cId="1959265044" sldId="3277"/>
@@ -1113,7 +924,7 @@
           </ac:spMkLst>
         </pc:spChg>
         <pc:spChg chg="mod">
-          <ac:chgData name="Heitor Roriz Filho" userId="af4ef8844a2fcbc3" providerId="LiveId" clId="{173FCC4A-857D-48E8-A663-6F33560BDDC5}" dt="2025-09-22T01:07:19.590" v="559" actId="20577"/>
+          <ac:chgData name="Heitor Roriz Filho" userId="af4ef8844a2fcbc3" providerId="LiveId" clId="{173FCC4A-857D-48E8-A663-6F33560BDDC5}" dt="2025-09-25T23:43:32.206" v="1657" actId="20577"/>
           <ac:spMkLst>
             <pc:docMk/>
             <pc:sldMk cId="1959265044" sldId="3277"/>
@@ -1235,14 +1046,6 @@
             <ac:spMk id="3" creationId="{27258DC2-EB51-11E3-4A7F-6353E17B6500}"/>
           </ac:spMkLst>
         </pc:spChg>
-        <pc:spChg chg="add del mod">
-          <ac:chgData name="Heitor Roriz Filho" userId="af4ef8844a2fcbc3" providerId="LiveId" clId="{173FCC4A-857D-48E8-A663-6F33560BDDC5}" dt="2025-09-22T01:18:25.104" v="775" actId="478"/>
-          <ac:spMkLst>
-            <pc:docMk/>
-            <pc:sldMk cId="4028038202" sldId="3282"/>
-            <ac:spMk id="5" creationId="{CF53C4BC-4ABD-0389-124D-AC4B5A3961F0}"/>
-          </ac:spMkLst>
-        </pc:spChg>
         <pc:picChg chg="add mod">
           <ac:chgData name="Heitor Roriz Filho" userId="af4ef8844a2fcbc3" providerId="LiveId" clId="{173FCC4A-857D-48E8-A663-6F33560BDDC5}" dt="2025-09-22T01:18:57.898" v="781" actId="1076"/>
           <ac:picMkLst>
@@ -1282,54 +1085,6 @@
             <ac:spMk id="3" creationId="{36832EDB-064F-5BD9-E5B8-411944667BEC}"/>
           </ac:spMkLst>
         </pc:spChg>
-        <pc:spChg chg="add">
-          <ac:chgData name="Heitor Roriz Filho" userId="af4ef8844a2fcbc3" providerId="LiveId" clId="{173FCC4A-857D-48E8-A663-6F33560BDDC5}" dt="2025-09-22T01:21:39.666" v="803"/>
-          <ac:spMkLst>
-            <pc:docMk/>
-            <pc:sldMk cId="1163769238" sldId="3283"/>
-            <ac:spMk id="4" creationId="{4EFD02A3-B23F-6BFD-984F-A9D1B1AE6267}"/>
-          </ac:spMkLst>
-        </pc:spChg>
-        <pc:spChg chg="add mod">
-          <ac:chgData name="Heitor Roriz Filho" userId="af4ef8844a2fcbc3" providerId="LiveId" clId="{173FCC4A-857D-48E8-A663-6F33560BDDC5}" dt="2025-09-22T01:21:44.218" v="806"/>
-          <ac:spMkLst>
-            <pc:docMk/>
-            <pc:sldMk cId="1163769238" sldId="3283"/>
-            <ac:spMk id="5" creationId="{51B8EF07-C72A-CA98-F28E-DBD98B0C519F}"/>
-          </ac:spMkLst>
-        </pc:spChg>
-        <pc:spChg chg="add">
-          <ac:chgData name="Heitor Roriz Filho" userId="af4ef8844a2fcbc3" providerId="LiveId" clId="{173FCC4A-857D-48E8-A663-6F33560BDDC5}" dt="2025-09-22T01:21:51.978" v="808"/>
-          <ac:spMkLst>
-            <pc:docMk/>
-            <pc:sldMk cId="1163769238" sldId="3283"/>
-            <ac:spMk id="6" creationId="{72F69B79-5DE9-01B2-10CF-4E012222AF43}"/>
-          </ac:spMkLst>
-        </pc:spChg>
-        <pc:spChg chg="add">
-          <ac:chgData name="Heitor Roriz Filho" userId="af4ef8844a2fcbc3" providerId="LiveId" clId="{173FCC4A-857D-48E8-A663-6F33560BDDC5}" dt="2025-09-22T01:21:57.873" v="811"/>
-          <ac:spMkLst>
-            <pc:docMk/>
-            <pc:sldMk cId="1163769238" sldId="3283"/>
-            <ac:spMk id="8" creationId="{C4714A4E-B212-9554-98F0-796FB0853EC4}"/>
-          </ac:spMkLst>
-        </pc:spChg>
-        <pc:picChg chg="del">
-          <ac:chgData name="Heitor Roriz Filho" userId="af4ef8844a2fcbc3" providerId="LiveId" clId="{173FCC4A-857D-48E8-A663-6F33560BDDC5}" dt="2025-09-22T01:21:29.699" v="800" actId="478"/>
-          <ac:picMkLst>
-            <pc:docMk/>
-            <pc:sldMk cId="1163769238" sldId="3283"/>
-            <ac:picMk id="7" creationId="{A5983BBB-7D0A-91C0-6458-8C381A001033}"/>
-          </ac:picMkLst>
-        </pc:picChg>
-        <pc:picChg chg="del">
-          <ac:chgData name="Heitor Roriz Filho" userId="af4ef8844a2fcbc3" providerId="LiveId" clId="{173FCC4A-857D-48E8-A663-6F33560BDDC5}" dt="2025-09-22T01:20:34.386" v="786" actId="478"/>
-          <ac:picMkLst>
-            <pc:docMk/>
-            <pc:sldMk cId="1163769238" sldId="3283"/>
-            <ac:picMk id="9" creationId="{BC9A6F82-09B9-AF35-14B2-96DA35963BF1}"/>
-          </ac:picMkLst>
-        </pc:picChg>
       </pc:sldChg>
       <pc:sldChg chg="addSp delSp modSp add mod modAnim">
         <pc:chgData name="Heitor Roriz Filho" userId="af4ef8844a2fcbc3" providerId="LiveId" clId="{173FCC4A-857D-48E8-A663-6F33560BDDC5}" dt="2025-09-22T01:27:58.026" v="851"/>
@@ -1343,14 +1098,6 @@
             <pc:docMk/>
             <pc:sldMk cId="3277936825" sldId="3284"/>
             <ac:spMk id="2" creationId="{A43DEEA0-C99E-ECA6-9517-7D58F5DAA952}"/>
-          </ac:spMkLst>
-        </pc:spChg>
-        <pc:spChg chg="del mod">
-          <ac:chgData name="Heitor Roriz Filho" userId="af4ef8844a2fcbc3" providerId="LiveId" clId="{173FCC4A-857D-48E8-A663-6F33560BDDC5}" dt="2025-09-22T01:23:22.698" v="828" actId="22"/>
-          <ac:spMkLst>
-            <pc:docMk/>
-            <pc:sldMk cId="3277936825" sldId="3284"/>
-            <ac:spMk id="3" creationId="{BEFD7DFA-BCBE-B54C-6E75-B5E5B2E5B131}"/>
           </ac:spMkLst>
         </pc:spChg>
         <pc:spChg chg="add mod">
@@ -1408,46 +1155,6 @@
             <ac:spMk id="2" creationId="{7594128A-089D-1D6E-D044-41BEBBC864FA}"/>
           </ac:spMkLst>
         </pc:spChg>
-        <pc:spChg chg="add del mod">
-          <ac:chgData name="Heitor Roriz Filho" userId="af4ef8844a2fcbc3" providerId="LiveId" clId="{173FCC4A-857D-48E8-A663-6F33560BDDC5}" dt="2025-09-22T01:29:52.268" v="866" actId="478"/>
-          <ac:spMkLst>
-            <pc:docMk/>
-            <pc:sldMk cId="3412596697" sldId="3285"/>
-            <ac:spMk id="4" creationId="{BC919582-C5CF-7F80-222F-E94CF2DE1E0B}"/>
-          </ac:spMkLst>
-        </pc:spChg>
-        <pc:spChg chg="del">
-          <ac:chgData name="Heitor Roriz Filho" userId="af4ef8844a2fcbc3" providerId="LiveId" clId="{173FCC4A-857D-48E8-A663-6F33560BDDC5}" dt="2025-09-22T01:33:03.430" v="893" actId="478"/>
-          <ac:spMkLst>
-            <pc:docMk/>
-            <pc:sldMk cId="3412596697" sldId="3285"/>
-            <ac:spMk id="6" creationId="{9F9BB67C-40C8-006F-7687-37BE98C1E374}"/>
-          </ac:spMkLst>
-        </pc:spChg>
-        <pc:spChg chg="del">
-          <ac:chgData name="Heitor Roriz Filho" userId="af4ef8844a2fcbc3" providerId="LiveId" clId="{173FCC4A-857D-48E8-A663-6F33560BDDC5}" dt="2025-09-22T01:33:06.917" v="894" actId="478"/>
-          <ac:spMkLst>
-            <pc:docMk/>
-            <pc:sldMk cId="3412596697" sldId="3285"/>
-            <ac:spMk id="11" creationId="{A16A1FE1-FF8B-8E89-ECD7-9C4BE8D02768}"/>
-          </ac:spMkLst>
-        </pc:spChg>
-        <pc:spChg chg="add">
-          <ac:chgData name="Heitor Roriz Filho" userId="af4ef8844a2fcbc3" providerId="LiveId" clId="{173FCC4A-857D-48E8-A663-6F33560BDDC5}" dt="2025-09-22T01:32:52.994" v="891"/>
-          <ac:spMkLst>
-            <pc:docMk/>
-            <pc:sldMk cId="3412596697" sldId="3285"/>
-            <ac:spMk id="14" creationId="{62427F48-8CC8-989A-EFAF-F9BF187120B5}"/>
-          </ac:spMkLst>
-        </pc:spChg>
-        <pc:spChg chg="add del mod ord">
-          <ac:chgData name="Heitor Roriz Filho" userId="af4ef8844a2fcbc3" providerId="LiveId" clId="{173FCC4A-857D-48E8-A663-6F33560BDDC5}" dt="2025-09-22T01:33:12.697" v="896"/>
-          <ac:spMkLst>
-            <pc:docMk/>
-            <pc:sldMk cId="3412596697" sldId="3285"/>
-            <ac:spMk id="15" creationId="{A099A7EB-576A-D595-6497-A53969F25C86}"/>
-          </ac:spMkLst>
-        </pc:spChg>
         <pc:spChg chg="add mod">
           <ac:chgData name="Heitor Roriz Filho" userId="af4ef8844a2fcbc3" providerId="LiveId" clId="{173FCC4A-857D-48E8-A663-6F33560BDDC5}" dt="2025-09-22T01:34:12.338" v="915" actId="20577"/>
           <ac:spMkLst>
@@ -1464,36 +1171,12 @@
             <ac:spMk id="17" creationId="{7CF234DC-36E9-387F-ADA8-48717DBBE0E1}"/>
           </ac:spMkLst>
         </pc:spChg>
-        <pc:picChg chg="del">
-          <ac:chgData name="Heitor Roriz Filho" userId="af4ef8844a2fcbc3" providerId="LiveId" clId="{173FCC4A-857D-48E8-A663-6F33560BDDC5}" dt="2025-09-22T01:29:48.101" v="864" actId="478"/>
-          <ac:picMkLst>
-            <pc:docMk/>
-            <pc:sldMk cId="3412596697" sldId="3285"/>
-            <ac:picMk id="5" creationId="{1E7DD3FA-9890-405F-ACA9-DCFBFD078DA6}"/>
-          </ac:picMkLst>
-        </pc:picChg>
-        <pc:picChg chg="del">
-          <ac:chgData name="Heitor Roriz Filho" userId="af4ef8844a2fcbc3" providerId="LiveId" clId="{173FCC4A-857D-48E8-A663-6F33560BDDC5}" dt="2025-09-22T01:29:49.535" v="865" actId="478"/>
-          <ac:picMkLst>
-            <pc:docMk/>
-            <pc:sldMk cId="3412596697" sldId="3285"/>
-            <ac:picMk id="8" creationId="{7ADB4517-1D8E-EE9D-028E-0A4BF7EAD6E5}"/>
-          </ac:picMkLst>
-        </pc:picChg>
         <pc:picChg chg="add mod">
           <ac:chgData name="Heitor Roriz Filho" userId="af4ef8844a2fcbc3" providerId="LiveId" clId="{173FCC4A-857D-48E8-A663-6F33560BDDC5}" dt="2025-09-22T01:31:00.093" v="874" actId="1076"/>
           <ac:picMkLst>
             <pc:docMk/>
             <pc:sldMk cId="3412596697" sldId="3285"/>
             <ac:picMk id="9" creationId="{6E299C8B-B659-07A0-6907-C5FFC2AF58D8}"/>
-          </ac:picMkLst>
-        </pc:picChg>
-        <pc:picChg chg="del">
-          <ac:chgData name="Heitor Roriz Filho" userId="af4ef8844a2fcbc3" providerId="LiveId" clId="{173FCC4A-857D-48E8-A663-6F33560BDDC5}" dt="2025-09-22T01:33:09.389" v="895" actId="478"/>
-          <ac:picMkLst>
-            <pc:docMk/>
-            <pc:sldMk cId="3412596697" sldId="3285"/>
-            <ac:picMk id="10" creationId="{6B6AE14D-9EA9-FE02-63C5-42AEAB80CF6E}"/>
           </ac:picMkLst>
         </pc:picChg>
         <pc:picChg chg="add mod">
@@ -1525,14 +1208,6 @@
             <pc:docMk/>
             <pc:sldMk cId="2553545104" sldId="3286"/>
             <ac:spMk id="3" creationId="{01F6E33A-3C1E-39AE-CE11-9189B31FDBF6}"/>
-          </ac:spMkLst>
-        </pc:spChg>
-        <pc:spChg chg="add mod">
-          <ac:chgData name="Heitor Roriz Filho" userId="af4ef8844a2fcbc3" providerId="LiveId" clId="{173FCC4A-857D-48E8-A663-6F33560BDDC5}" dt="2025-09-22T01:38:49.291" v="976"/>
-          <ac:spMkLst>
-            <pc:docMk/>
-            <pc:sldMk cId="2553545104" sldId="3286"/>
-            <ac:spMk id="4" creationId="{DAC14D4F-6476-0949-0751-E7E20BD0857A}"/>
           </ac:spMkLst>
         </pc:spChg>
         <pc:picChg chg="add mod">
@@ -1574,14 +1249,6 @@
             <ac:spMk id="2" creationId="{C79B0C40-76DD-10AB-4BE2-150C6D50BD4A}"/>
           </ac:spMkLst>
         </pc:spChg>
-        <pc:spChg chg="del mod">
-          <ac:chgData name="Heitor Roriz Filho" userId="af4ef8844a2fcbc3" providerId="LiveId" clId="{173FCC4A-857D-48E8-A663-6F33560BDDC5}" dt="2025-09-22T01:43:55.668" v="1017" actId="22"/>
-          <ac:spMkLst>
-            <pc:docMk/>
-            <pc:sldMk cId="1982900966" sldId="3287"/>
-            <ac:spMk id="3" creationId="{A4AEE87B-12DC-4559-6A7A-E1AA5FE2382C}"/>
-          </ac:spMkLst>
-        </pc:spChg>
         <pc:spChg chg="add mod">
           <ac:chgData name="Heitor Roriz Filho" userId="af4ef8844a2fcbc3" providerId="LiveId" clId="{173FCC4A-857D-48E8-A663-6F33560BDDC5}" dt="2025-09-22T01:44:55.198" v="1036" actId="14100"/>
           <ac:spMkLst>
@@ -1596,30 +1263,6 @@
             <pc:docMk/>
             <pc:sldMk cId="1982900966" sldId="3287"/>
             <ac:picMk id="5" creationId="{45647233-8761-3BDE-1D6C-BF4B0D79C456}"/>
-          </ac:picMkLst>
-        </pc:picChg>
-        <pc:picChg chg="del">
-          <ac:chgData name="Heitor Roriz Filho" userId="af4ef8844a2fcbc3" providerId="LiveId" clId="{173FCC4A-857D-48E8-A663-6F33560BDDC5}" dt="2025-09-22T01:43:09.839" v="1013" actId="478"/>
-          <ac:picMkLst>
-            <pc:docMk/>
-            <pc:sldMk cId="1982900966" sldId="3287"/>
-            <ac:picMk id="6" creationId="{9EB467C6-F208-FA7D-CE1B-C0B965EB2621}"/>
-          </ac:picMkLst>
-        </pc:picChg>
-        <pc:picChg chg="del">
-          <ac:chgData name="Heitor Roriz Filho" userId="af4ef8844a2fcbc3" providerId="LiveId" clId="{173FCC4A-857D-48E8-A663-6F33560BDDC5}" dt="2025-09-22T01:43:10.355" v="1014" actId="478"/>
-          <ac:picMkLst>
-            <pc:docMk/>
-            <pc:sldMk cId="1982900966" sldId="3287"/>
-            <ac:picMk id="8" creationId="{A1FAB549-4B4B-1799-3230-0714834F64D2}"/>
-          </ac:picMkLst>
-        </pc:picChg>
-        <pc:picChg chg="del">
-          <ac:chgData name="Heitor Roriz Filho" userId="af4ef8844a2fcbc3" providerId="LiveId" clId="{173FCC4A-857D-48E8-A663-6F33560BDDC5}" dt="2025-09-22T01:43:11.282" v="1015" actId="478"/>
-          <ac:picMkLst>
-            <pc:docMk/>
-            <pc:sldMk cId="1982900966" sldId="3287"/>
-            <ac:picMk id="10" creationId="{57F1F8B2-D80D-EF2B-17AE-099DE5C0BD60}"/>
           </ac:picMkLst>
         </pc:picChg>
       </pc:sldChg>
@@ -1637,36 +1280,12 @@
             <ac:spMk id="2" creationId="{6B47C10C-4945-65A1-2EC2-2F2E88B3B0BA}"/>
           </ac:spMkLst>
         </pc:spChg>
-        <pc:spChg chg="add del mod">
-          <ac:chgData name="Heitor Roriz Filho" userId="af4ef8844a2fcbc3" providerId="LiveId" clId="{173FCC4A-857D-48E8-A663-6F33560BDDC5}" dt="2025-09-22T01:45:20.418" v="1039" actId="478"/>
-          <ac:spMkLst>
-            <pc:docMk/>
-            <pc:sldMk cId="1002089121" sldId="3288"/>
-            <ac:spMk id="4" creationId="{04C4A4D2-856F-68AE-E43C-41A45CF9C327}"/>
-          </ac:spMkLst>
-        </pc:spChg>
         <pc:spChg chg="add del mod ord">
           <ac:chgData name="Heitor Roriz Filho" userId="af4ef8844a2fcbc3" providerId="LiveId" clId="{173FCC4A-857D-48E8-A663-6F33560BDDC5}" dt="2025-09-22T01:51:26.120" v="1199" actId="20577"/>
           <ac:spMkLst>
             <pc:docMk/>
             <pc:sldMk cId="1002089121" sldId="3288"/>
             <ac:spMk id="6" creationId="{9072A01A-B5E5-279A-A2CC-65029766869F}"/>
-          </ac:spMkLst>
-        </pc:spChg>
-        <pc:spChg chg="add mod">
-          <ac:chgData name="Heitor Roriz Filho" userId="af4ef8844a2fcbc3" providerId="LiveId" clId="{173FCC4A-857D-48E8-A663-6F33560BDDC5}" dt="2025-09-22T01:51:18.776" v="1195"/>
-          <ac:spMkLst>
-            <pc:docMk/>
-            <pc:sldMk cId="1002089121" sldId="3288"/>
-            <ac:spMk id="7" creationId="{A81C35E7-E692-4B35-906F-29B67CDBF6A3}"/>
-          </ac:spMkLst>
-        </pc:spChg>
-        <pc:spChg chg="del">
-          <ac:chgData name="Heitor Roriz Filho" userId="af4ef8844a2fcbc3" providerId="LiveId" clId="{173FCC4A-857D-48E8-A663-6F33560BDDC5}" dt="2025-09-22T01:45:22.244" v="1040" actId="478"/>
-          <ac:spMkLst>
-            <pc:docMk/>
-            <pc:sldMk cId="1002089121" sldId="3288"/>
-            <ac:spMk id="9" creationId="{B1BEA368-A17C-EB40-E880-8EFCA50D064B}"/>
           </ac:spMkLst>
         </pc:spChg>
         <pc:spChg chg="add mod">
@@ -1685,22 +1304,6 @@
             <ac:spMk id="16" creationId="{6432E199-F0E2-3027-F6B7-043A19C16C8A}"/>
           </ac:spMkLst>
         </pc:spChg>
-        <pc:spChg chg="add">
-          <ac:chgData name="Heitor Roriz Filho" userId="af4ef8844a2fcbc3" providerId="LiveId" clId="{173FCC4A-857D-48E8-A663-6F33560BDDC5}" dt="2025-09-22T01:54:55.542" v="1279"/>
-          <ac:spMkLst>
-            <pc:docMk/>
-            <pc:sldMk cId="1002089121" sldId="3288"/>
-            <ac:spMk id="17" creationId="{D8D116F9-857E-7C6D-7E50-1ACD3E5B4506}"/>
-          </ac:spMkLst>
-        </pc:spChg>
-        <pc:picChg chg="del">
-          <ac:chgData name="Heitor Roriz Filho" userId="af4ef8844a2fcbc3" providerId="LiveId" clId="{173FCC4A-857D-48E8-A663-6F33560BDDC5}" dt="2025-09-22T01:45:14.745" v="1038" actId="478"/>
-          <ac:picMkLst>
-            <pc:docMk/>
-            <pc:sldMk cId="1002089121" sldId="3288"/>
-            <ac:picMk id="5" creationId="{6BCE9064-DC85-4FAD-093B-B19B5867061D}"/>
-          </ac:picMkLst>
-        </pc:picChg>
         <pc:picChg chg="add mod">
           <ac:chgData name="Heitor Roriz Filho" userId="af4ef8844a2fcbc3" providerId="LiveId" clId="{173FCC4A-857D-48E8-A663-6F33560BDDC5}" dt="2025-09-22T01:53:05.698" v="1202" actId="1076"/>
           <ac:picMkLst>
@@ -1723,14 +1326,6 @@
             <pc:docMk/>
             <pc:sldMk cId="1002089121" sldId="3288"/>
             <ac:picMk id="14" creationId="{DE6C0CD5-479A-6F3B-4406-9F9754D88545}"/>
-          </ac:picMkLst>
-        </pc:picChg>
-        <pc:picChg chg="add del">
-          <ac:chgData name="Heitor Roriz Filho" userId="af4ef8844a2fcbc3" providerId="LiveId" clId="{173FCC4A-857D-48E8-A663-6F33560BDDC5}" dt="2025-09-22T01:56:55.136" v="1381" actId="478"/>
-          <ac:picMkLst>
-            <pc:docMk/>
-            <pc:sldMk cId="1002089121" sldId="3288"/>
-            <ac:picMk id="5124" creationId="{B1DA4A45-FE30-F0BE-D008-D3800CDC785E}"/>
           </ac:picMkLst>
         </pc:picChg>
       </pc:sldChg>
@@ -1763,14 +1358,6 @@
           <pc:docMk/>
           <pc:sldMk cId="3817154299" sldId="3290"/>
         </pc:sldMkLst>
-        <pc:grpChg chg="del">
-          <ac:chgData name="Heitor Roriz Filho" userId="af4ef8844a2fcbc3" providerId="LiveId" clId="{173FCC4A-857D-48E8-A663-6F33560BDDC5}" dt="2025-09-22T02:04:47.074" v="1517" actId="478"/>
-          <ac:grpSpMkLst>
-            <pc:docMk/>
-            <pc:sldMk cId="3817154299" sldId="3290"/>
-            <ac:grpSpMk id="26" creationId="{851FDD43-4F8C-6C58-8EB5-0D1B473F52C6}"/>
-          </ac:grpSpMkLst>
-        </pc:grpChg>
         <pc:picChg chg="add mod">
           <ac:chgData name="Heitor Roriz Filho" userId="af4ef8844a2fcbc3" providerId="LiveId" clId="{173FCC4A-857D-48E8-A663-6F33560BDDC5}" dt="2025-09-22T02:04:45.166" v="1516"/>
           <ac:picMkLst>
@@ -1779,14 +1366,6 @@
             <ac:picMk id="5" creationId="{5BC808B7-2D17-4B73-84E0-B52F029797CB}"/>
           </ac:picMkLst>
         </pc:picChg>
-        <pc:cxnChg chg="mod">
-          <ac:chgData name="Heitor Roriz Filho" userId="af4ef8844a2fcbc3" providerId="LiveId" clId="{173FCC4A-857D-48E8-A663-6F33560BDDC5}" dt="2025-09-22T02:04:47.074" v="1517" actId="478"/>
-          <ac:cxnSpMkLst>
-            <pc:docMk/>
-            <pc:sldMk cId="3817154299" sldId="3290"/>
-            <ac:cxnSpMk id="28" creationId="{8AA9CA89-B99C-3AB3-2FDE-21DCBDA049D4}"/>
-          </ac:cxnSpMkLst>
-        </pc:cxnChg>
       </pc:sldChg>
       <pc:sldChg chg="delSp modSp new mod">
         <pc:chgData name="Heitor Roriz Filho" userId="af4ef8844a2fcbc3" providerId="LiveId" clId="{173FCC4A-857D-48E8-A663-6F33560BDDC5}" dt="2025-09-22T02:10:57.947" v="1544" actId="13926"/>
@@ -1802,14 +1381,6 @@
             <ac:spMk id="2" creationId="{89E0A6EC-A908-FF39-AF09-ADF21D715DFD}"/>
           </ac:spMkLst>
         </pc:spChg>
-        <pc:spChg chg="del">
-          <ac:chgData name="Heitor Roriz Filho" userId="af4ef8844a2fcbc3" providerId="LiveId" clId="{173FCC4A-857D-48E8-A663-6F33560BDDC5}" dt="2025-09-22T02:10:27.916" v="1521" actId="478"/>
-          <ac:spMkLst>
-            <pc:docMk/>
-            <pc:sldMk cId="694222502" sldId="3291"/>
-            <ac:spMk id="3" creationId="{B4272731-B06D-7BC9-E315-3D729AB0D59C}"/>
-          </ac:spMkLst>
-        </pc:spChg>
       </pc:sldChg>
       <pc:sldChg chg="addSp delSp modSp new mod">
         <pc:chgData name="Heitor Roriz Filho" userId="af4ef8844a2fcbc3" providerId="LiveId" clId="{173FCC4A-857D-48E8-A663-6F33560BDDC5}" dt="2025-09-22T11:51:37.907" v="1560" actId="20577"/>
@@ -1817,22 +1388,6 @@
           <pc:docMk/>
           <pc:sldMk cId="1674465491" sldId="3292"/>
         </pc:sldMkLst>
-        <pc:spChg chg="del">
-          <ac:chgData name="Heitor Roriz Filho" userId="af4ef8844a2fcbc3" providerId="LiveId" clId="{173FCC4A-857D-48E8-A663-6F33560BDDC5}" dt="2025-09-22T11:50:51.166" v="1546" actId="478"/>
-          <ac:spMkLst>
-            <pc:docMk/>
-            <pc:sldMk cId="1674465491" sldId="3292"/>
-            <ac:spMk id="2" creationId="{CF312228-075C-B5A0-E335-189B1C51DBB4}"/>
-          </ac:spMkLst>
-        </pc:spChg>
-        <pc:spChg chg="del">
-          <ac:chgData name="Heitor Roriz Filho" userId="af4ef8844a2fcbc3" providerId="LiveId" clId="{173FCC4A-857D-48E8-A663-6F33560BDDC5}" dt="2025-09-22T11:50:51.166" v="1546" actId="478"/>
-          <ac:spMkLst>
-            <pc:docMk/>
-            <pc:sldMk cId="1674465491" sldId="3292"/>
-            <ac:spMk id="3" creationId="{378E4A8C-FBE2-C60E-0273-AA07374FCDF5}"/>
-          </ac:spMkLst>
-        </pc:spChg>
         <pc:spChg chg="add mod">
           <ac:chgData name="Heitor Roriz Filho" userId="af4ef8844a2fcbc3" providerId="LiveId" clId="{173FCC4A-857D-48E8-A663-6F33560BDDC5}" dt="2025-09-22T11:51:37.907" v="1560" actId="20577"/>
           <ac:spMkLst>
@@ -1842,8 +1397,8 @@
           </ac:spMkLst>
         </pc:spChg>
       </pc:sldChg>
-      <pc:sldChg chg="modSp add mod">
-        <pc:chgData name="Heitor Roriz Filho" userId="af4ef8844a2fcbc3" providerId="LiveId" clId="{173FCC4A-857D-48E8-A663-6F33560BDDC5}" dt="2025-09-22T12:01:47.693" v="1643" actId="1036"/>
+      <pc:sldChg chg="modSp add mod modShow">
+        <pc:chgData name="Heitor Roriz Filho" userId="af4ef8844a2fcbc3" providerId="LiveId" clId="{173FCC4A-857D-48E8-A663-6F33560BDDC5}" dt="2025-09-25T23:43:05.552" v="1644" actId="729"/>
         <pc:sldMkLst>
           <pc:docMk/>
           <pc:sldMk cId="2921731933" sldId="3293"/>
@@ -1871,38 +1426,411 @@
           <pc:docMk/>
           <pc:sldMk cId="3798714194" sldId="3293"/>
         </pc:sldMkLst>
-        <pc:spChg chg="del">
-          <ac:chgData name="Heitor Roriz Filho" userId="af4ef8844a2fcbc3" providerId="LiveId" clId="{173FCC4A-857D-48E8-A663-6F33560BDDC5}" dt="2025-09-22T11:59:05.345" v="1562" actId="478"/>
+      </pc:sldChg>
+      <pc:sldChg chg="addSp modSp new mod">
+        <pc:chgData name="Heitor Roriz Filho" userId="af4ef8844a2fcbc3" providerId="LiveId" clId="{173FCC4A-857D-48E8-A663-6F33560BDDC5}" dt="2025-09-25T23:51:10.767" v="1687" actId="113"/>
+        <pc:sldMkLst>
+          <pc:docMk/>
+          <pc:sldMk cId="1839832085" sldId="3294"/>
+        </pc:sldMkLst>
+        <pc:spChg chg="mod">
+          <ac:chgData name="Heitor Roriz Filho" userId="af4ef8844a2fcbc3" providerId="LiveId" clId="{173FCC4A-857D-48E8-A663-6F33560BDDC5}" dt="2025-09-25T23:51:10.767" v="1687" actId="113"/>
           <ac:spMkLst>
             <pc:docMk/>
-            <pc:sldMk cId="3798714194" sldId="3293"/>
-            <ac:spMk id="2" creationId="{CB0E827B-BFD2-62C8-EB6B-4184517D9E9B}"/>
+            <pc:sldMk cId="1839832085" sldId="3294"/>
+            <ac:spMk id="2" creationId="{E77D9253-3E5B-5675-BC16-9CCFBCA76293}"/>
+          </ac:spMkLst>
+        </pc:spChg>
+        <pc:spChg chg="mod">
+          <ac:chgData name="Heitor Roriz Filho" userId="af4ef8844a2fcbc3" providerId="LiveId" clId="{173FCC4A-857D-48E8-A663-6F33560BDDC5}" dt="2025-09-25T23:50:28.117" v="1683"/>
+          <ac:spMkLst>
+            <pc:docMk/>
+            <pc:sldMk cId="1839832085" sldId="3294"/>
+            <ac:spMk id="3" creationId="{D2AC1D86-C8DF-453D-8F9A-C3C281CE0F16}"/>
+          </ac:spMkLst>
+        </pc:spChg>
+        <pc:spChg chg="add">
+          <ac:chgData name="Heitor Roriz Filho" userId="af4ef8844a2fcbc3" providerId="LiveId" clId="{173FCC4A-857D-48E8-A663-6F33560BDDC5}" dt="2025-09-25T23:49:27.217" v="1665"/>
+          <ac:spMkLst>
+            <pc:docMk/>
+            <pc:sldMk cId="1839832085" sldId="3294"/>
+            <ac:spMk id="4" creationId="{FF4BCCED-974D-F4FB-2B43-ACFBC76C9700}"/>
+          </ac:spMkLst>
+        </pc:spChg>
+      </pc:sldChg>
+      <pc:sldChg chg="addSp modSp add mod">
+        <pc:chgData name="Heitor Roriz Filho" userId="af4ef8844a2fcbc3" providerId="LiveId" clId="{173FCC4A-857D-48E8-A663-6F33560BDDC5}" dt="2025-09-25T23:52:41.970" v="1701" actId="12"/>
+        <pc:sldMkLst>
+          <pc:docMk/>
+          <pc:sldMk cId="2339018213" sldId="3295"/>
+        </pc:sldMkLst>
+        <pc:spChg chg="mod">
+          <ac:chgData name="Heitor Roriz Filho" userId="af4ef8844a2fcbc3" providerId="LiveId" clId="{173FCC4A-857D-48E8-A663-6F33560BDDC5}" dt="2025-09-25T23:51:05.803" v="1686" actId="20577"/>
+          <ac:spMkLst>
+            <pc:docMk/>
+            <pc:sldMk cId="2339018213" sldId="3295"/>
+            <ac:spMk id="2" creationId="{B8184059-1D6C-5008-ED0B-F154BDAAA6AD}"/>
+          </ac:spMkLst>
+        </pc:spChg>
+        <pc:spChg chg="mod">
+          <ac:chgData name="Heitor Roriz Filho" userId="af4ef8844a2fcbc3" providerId="LiveId" clId="{173FCC4A-857D-48E8-A663-6F33560BDDC5}" dt="2025-09-25T23:52:41.970" v="1701" actId="12"/>
+          <ac:spMkLst>
+            <pc:docMk/>
+            <pc:sldMk cId="2339018213" sldId="3295"/>
+            <ac:spMk id="3" creationId="{65430D1D-3847-601E-C8FF-16C7BD8F748C}"/>
+          </ac:spMkLst>
+        </pc:spChg>
+        <pc:spChg chg="add">
+          <ac:chgData name="Heitor Roriz Filho" userId="af4ef8844a2fcbc3" providerId="LiveId" clId="{173FCC4A-857D-48E8-A663-6F33560BDDC5}" dt="2025-09-25T23:52:14.995" v="1695"/>
+          <ac:spMkLst>
+            <pc:docMk/>
+            <pc:sldMk cId="2339018213" sldId="3295"/>
+            <ac:spMk id="4" creationId="{7790B8B1-4967-5BD5-84A3-6EB9806139A5}"/>
+          </ac:spMkLst>
+        </pc:spChg>
+        <pc:spChg chg="add">
+          <ac:chgData name="Heitor Roriz Filho" userId="af4ef8844a2fcbc3" providerId="LiveId" clId="{173FCC4A-857D-48E8-A663-6F33560BDDC5}" dt="2025-09-25T23:52:17.947" v="1697"/>
+          <ac:spMkLst>
+            <pc:docMk/>
+            <pc:sldMk cId="2339018213" sldId="3295"/>
+            <ac:spMk id="5" creationId="{35EBCD8D-F45C-C641-6D66-DA266534B306}"/>
+          </ac:spMkLst>
+        </pc:spChg>
+      </pc:sldChg>
+      <pc:sldChg chg="modSp add mod">
+        <pc:chgData name="Heitor Roriz Filho" userId="af4ef8844a2fcbc3" providerId="LiveId" clId="{173FCC4A-857D-48E8-A663-6F33560BDDC5}" dt="2025-09-25T23:54:00.538" v="1776" actId="20577"/>
+        <pc:sldMkLst>
+          <pc:docMk/>
+          <pc:sldMk cId="3447249953" sldId="3296"/>
+        </pc:sldMkLst>
+        <pc:spChg chg="mod">
+          <ac:chgData name="Heitor Roriz Filho" userId="af4ef8844a2fcbc3" providerId="LiveId" clId="{173FCC4A-857D-48E8-A663-6F33560BDDC5}" dt="2025-09-25T23:53:15.991" v="1732" actId="20577"/>
+          <ac:spMkLst>
+            <pc:docMk/>
+            <pc:sldMk cId="3447249953" sldId="3296"/>
+            <ac:spMk id="2" creationId="{35188A21-6F65-11C6-C0CD-3FBF3821569B}"/>
+          </ac:spMkLst>
+        </pc:spChg>
+        <pc:spChg chg="mod">
+          <ac:chgData name="Heitor Roriz Filho" userId="af4ef8844a2fcbc3" providerId="LiveId" clId="{173FCC4A-857D-48E8-A663-6F33560BDDC5}" dt="2025-09-25T23:54:00.538" v="1776" actId="20577"/>
+          <ac:spMkLst>
+            <pc:docMk/>
+            <pc:sldMk cId="3447249953" sldId="3296"/>
+            <ac:spMk id="3" creationId="{3CECC80D-C8A0-5DB5-19AA-B1BDE025EB61}"/>
+          </ac:spMkLst>
+        </pc:spChg>
+      </pc:sldChg>
+      <pc:sldChg chg="modSp add mod">
+        <pc:chgData name="Heitor Roriz Filho" userId="af4ef8844a2fcbc3" providerId="LiveId" clId="{173FCC4A-857D-48E8-A663-6F33560BDDC5}" dt="2025-09-25T23:56:13.238" v="1816" actId="20577"/>
+        <pc:sldMkLst>
+          <pc:docMk/>
+          <pc:sldMk cId="1871342102" sldId="3297"/>
+        </pc:sldMkLst>
+        <pc:spChg chg="mod">
+          <ac:chgData name="Heitor Roriz Filho" userId="af4ef8844a2fcbc3" providerId="LiveId" clId="{173FCC4A-857D-48E8-A663-6F33560BDDC5}" dt="2025-09-25T23:54:37.034" v="1778"/>
+          <ac:spMkLst>
+            <pc:docMk/>
+            <pc:sldMk cId="1871342102" sldId="3297"/>
+            <ac:spMk id="2" creationId="{FE2F3CA4-F5E7-583C-388E-322078D262B9}"/>
+          </ac:spMkLst>
+        </pc:spChg>
+        <pc:spChg chg="mod">
+          <ac:chgData name="Heitor Roriz Filho" userId="af4ef8844a2fcbc3" providerId="LiveId" clId="{173FCC4A-857D-48E8-A663-6F33560BDDC5}" dt="2025-09-25T23:56:13.238" v="1816" actId="20577"/>
+          <ac:spMkLst>
+            <pc:docMk/>
+            <pc:sldMk cId="1871342102" sldId="3297"/>
+            <ac:spMk id="3" creationId="{F78D7A87-3CA5-4F2D-5648-2F4C1C5D5713}"/>
+          </ac:spMkLst>
+        </pc:spChg>
+      </pc:sldChg>
+      <pc:sldChg chg="modSp add mod">
+        <pc:chgData name="Heitor Roriz Filho" userId="af4ef8844a2fcbc3" providerId="LiveId" clId="{173FCC4A-857D-48E8-A663-6F33560BDDC5}" dt="2025-09-25T23:57:18.239" v="1835"/>
+        <pc:sldMkLst>
+          <pc:docMk/>
+          <pc:sldMk cId="329610285" sldId="3298"/>
+        </pc:sldMkLst>
+        <pc:spChg chg="mod">
+          <ac:chgData name="Heitor Roriz Filho" userId="af4ef8844a2fcbc3" providerId="LiveId" clId="{173FCC4A-857D-48E8-A663-6F33560BDDC5}" dt="2025-09-25T23:56:42.499" v="1823" actId="20577"/>
+          <ac:spMkLst>
+            <pc:docMk/>
+            <pc:sldMk cId="329610285" sldId="3298"/>
+            <ac:spMk id="2" creationId="{AC6CFF85-2FF8-246B-05E8-25F11A0E9600}"/>
+          </ac:spMkLst>
+        </pc:spChg>
+        <pc:spChg chg="mod">
+          <ac:chgData name="Heitor Roriz Filho" userId="af4ef8844a2fcbc3" providerId="LiveId" clId="{173FCC4A-857D-48E8-A663-6F33560BDDC5}" dt="2025-09-25T23:57:18.239" v="1835"/>
+          <ac:spMkLst>
+            <pc:docMk/>
+            <pc:sldMk cId="329610285" sldId="3298"/>
+            <ac:spMk id="3" creationId="{F59C89F9-5C77-068B-292D-7C7AB255EE01}"/>
+          </ac:spMkLst>
+        </pc:spChg>
+      </pc:sldChg>
+      <pc:sldChg chg="modSp add mod">
+        <pc:chgData name="Heitor Roriz Filho" userId="af4ef8844a2fcbc3" providerId="LiveId" clId="{173FCC4A-857D-48E8-A663-6F33560BDDC5}" dt="2025-09-26T00:11:25.503" v="2249" actId="113"/>
+        <pc:sldMkLst>
+          <pc:docMk/>
+          <pc:sldMk cId="2187050948" sldId="3299"/>
+        </pc:sldMkLst>
+        <pc:spChg chg="mod">
+          <ac:chgData name="Heitor Roriz Filho" userId="af4ef8844a2fcbc3" providerId="LiveId" clId="{173FCC4A-857D-48E8-A663-6F33560BDDC5}" dt="2025-09-25T23:59:49.590" v="1969" actId="20577"/>
+          <ac:spMkLst>
+            <pc:docMk/>
+            <pc:sldMk cId="2187050948" sldId="3299"/>
+            <ac:spMk id="2" creationId="{EFEBBBB6-EDFA-49A6-E97A-FE12DEB5DAB0}"/>
+          </ac:spMkLst>
+        </pc:spChg>
+        <pc:spChg chg="mod">
+          <ac:chgData name="Heitor Roriz Filho" userId="af4ef8844a2fcbc3" providerId="LiveId" clId="{173FCC4A-857D-48E8-A663-6F33560BDDC5}" dt="2025-09-26T00:11:25.503" v="2249" actId="113"/>
+          <ac:spMkLst>
+            <pc:docMk/>
+            <pc:sldMk cId="2187050948" sldId="3299"/>
+            <ac:spMk id="3" creationId="{7529B2AC-494D-4278-061C-6C10236367DD}"/>
+          </ac:spMkLst>
+        </pc:spChg>
+      </pc:sldChg>
+      <pc:sldChg chg="addSp modSp add mod">
+        <pc:chgData name="Heitor Roriz Filho" userId="af4ef8844a2fcbc3" providerId="LiveId" clId="{173FCC4A-857D-48E8-A663-6F33560BDDC5}" dt="2025-09-26T00:11:34.800" v="2251" actId="27636"/>
+        <pc:sldMkLst>
+          <pc:docMk/>
+          <pc:sldMk cId="4232631247" sldId="3300"/>
+        </pc:sldMkLst>
+        <pc:spChg chg="mod">
+          <ac:chgData name="Heitor Roriz Filho" userId="af4ef8844a2fcbc3" providerId="LiveId" clId="{173FCC4A-857D-48E8-A663-6F33560BDDC5}" dt="2025-09-25T23:59:55.037" v="1972" actId="20577"/>
+          <ac:spMkLst>
+            <pc:docMk/>
+            <pc:sldMk cId="4232631247" sldId="3300"/>
+            <ac:spMk id="2" creationId="{46FA4370-5B2E-2081-85A9-6C92459AE1AE}"/>
+          </ac:spMkLst>
+        </pc:spChg>
+        <pc:spChg chg="mod">
+          <ac:chgData name="Heitor Roriz Filho" userId="af4ef8844a2fcbc3" providerId="LiveId" clId="{173FCC4A-857D-48E8-A663-6F33560BDDC5}" dt="2025-09-26T00:11:34.800" v="2251" actId="27636"/>
+          <ac:spMkLst>
+            <pc:docMk/>
+            <pc:sldMk cId="4232631247" sldId="3300"/>
+            <ac:spMk id="3" creationId="{3DBCAD8D-6069-C134-002C-138025D50800}"/>
+          </ac:spMkLst>
+        </pc:spChg>
+        <pc:spChg chg="add">
+          <ac:chgData name="Heitor Roriz Filho" userId="af4ef8844a2fcbc3" providerId="LiveId" clId="{173FCC4A-857D-48E8-A663-6F33560BDDC5}" dt="2025-09-26T00:03:23.129" v="1988"/>
+          <ac:spMkLst>
+            <pc:docMk/>
+            <pc:sldMk cId="4232631247" sldId="3300"/>
+            <ac:spMk id="4" creationId="{45729516-1CD8-96E0-6CBE-CC397AB33F3D}"/>
+          </ac:spMkLst>
+        </pc:spChg>
+        <pc:spChg chg="add">
+          <ac:chgData name="Heitor Roriz Filho" userId="af4ef8844a2fcbc3" providerId="LiveId" clId="{173FCC4A-857D-48E8-A663-6F33560BDDC5}" dt="2025-09-26T00:03:36.579" v="1991"/>
+          <ac:spMkLst>
+            <pc:docMk/>
+            <pc:sldMk cId="4232631247" sldId="3300"/>
+            <ac:spMk id="5" creationId="{EF0D0116-E937-45AB-5FEF-DDD430B09217}"/>
+          </ac:spMkLst>
+        </pc:spChg>
+      </pc:sldChg>
+      <pc:sldChg chg="modSp new mod">
+        <pc:chgData name="Heitor Roriz Filho" userId="af4ef8844a2fcbc3" providerId="LiveId" clId="{173FCC4A-857D-48E8-A663-6F33560BDDC5}" dt="2025-09-26T00:12:18.018" v="2384" actId="20577"/>
+        <pc:sldMkLst>
+          <pc:docMk/>
+          <pc:sldMk cId="113413185" sldId="3301"/>
+        </pc:sldMkLst>
+        <pc:spChg chg="mod">
+          <ac:chgData name="Heitor Roriz Filho" userId="af4ef8844a2fcbc3" providerId="LiveId" clId="{173FCC4A-857D-48E8-A663-6F33560BDDC5}" dt="2025-09-26T00:11:58.560" v="2306" actId="20577"/>
+          <ac:spMkLst>
+            <pc:docMk/>
+            <pc:sldMk cId="113413185" sldId="3301"/>
+            <ac:spMk id="2" creationId="{24C93D00-BA0A-C99B-A93C-ABDB2D354EDC}"/>
+          </ac:spMkLst>
+        </pc:spChg>
+        <pc:spChg chg="mod">
+          <ac:chgData name="Heitor Roriz Filho" userId="af4ef8844a2fcbc3" providerId="LiveId" clId="{173FCC4A-857D-48E8-A663-6F33560BDDC5}" dt="2025-09-26T00:12:18.018" v="2384" actId="20577"/>
+          <ac:spMkLst>
+            <pc:docMk/>
+            <pc:sldMk cId="113413185" sldId="3301"/>
+            <ac:spMk id="3" creationId="{ECDCDB64-13B1-3F59-300C-E30DCDD070DB}"/>
+          </ac:spMkLst>
+        </pc:spChg>
+      </pc:sldChg>
+      <pc:sldChg chg="addSp modSp add mod">
+        <pc:chgData name="Heitor Roriz Filho" userId="af4ef8844a2fcbc3" providerId="LiveId" clId="{173FCC4A-857D-48E8-A663-6F33560BDDC5}" dt="2025-09-26T00:20:32.537" v="2480" actId="20577"/>
+        <pc:sldMkLst>
+          <pc:docMk/>
+          <pc:sldMk cId="2100050150" sldId="3302"/>
+        </pc:sldMkLst>
+        <pc:spChg chg="mod">
+          <ac:chgData name="Heitor Roriz Filho" userId="af4ef8844a2fcbc3" providerId="LiveId" clId="{173FCC4A-857D-48E8-A663-6F33560BDDC5}" dt="2025-09-26T00:20:32.537" v="2480" actId="20577"/>
+          <ac:spMkLst>
+            <pc:docMk/>
+            <pc:sldMk cId="2100050150" sldId="3302"/>
+            <ac:spMk id="2" creationId="{7522C8D6-E1AB-6C0E-4D5C-3C5F75CB4A6A}"/>
+          </ac:spMkLst>
+        </pc:spChg>
+        <pc:spChg chg="mod">
+          <ac:chgData name="Heitor Roriz Filho" userId="af4ef8844a2fcbc3" providerId="LiveId" clId="{173FCC4A-857D-48E8-A663-6F33560BDDC5}" dt="2025-09-26T00:20:12.116" v="2436" actId="27636"/>
+          <ac:spMkLst>
+            <pc:docMk/>
+            <pc:sldMk cId="2100050150" sldId="3302"/>
+            <ac:spMk id="3" creationId="{20422BE0-4C42-0CE3-FA13-5D4FCE835F08}"/>
+          </ac:spMkLst>
+        </pc:spChg>
+        <pc:spChg chg="add">
+          <ac:chgData name="Heitor Roriz Filho" userId="af4ef8844a2fcbc3" providerId="LiveId" clId="{173FCC4A-857D-48E8-A663-6F33560BDDC5}" dt="2025-09-26T00:19:48.163" v="2428"/>
+          <ac:spMkLst>
+            <pc:docMk/>
+            <pc:sldMk cId="2100050150" sldId="3302"/>
+            <ac:spMk id="4" creationId="{24C5B49E-8961-0F11-6917-51829D5E9E56}"/>
+          </ac:spMkLst>
+        </pc:spChg>
+      </pc:sldChg>
+      <pc:sldChg chg="addSp delSp modSp add mod">
+        <pc:chgData name="Heitor Roriz Filho" userId="af4ef8844a2fcbc3" providerId="LiveId" clId="{173FCC4A-857D-48E8-A663-6F33560BDDC5}" dt="2025-09-26T00:25:56.507" v="2720" actId="20577"/>
+        <pc:sldMkLst>
+          <pc:docMk/>
+          <pc:sldMk cId="2433885059" sldId="3303"/>
+        </pc:sldMkLst>
+        <pc:spChg chg="mod">
+          <ac:chgData name="Heitor Roriz Filho" userId="af4ef8844a2fcbc3" providerId="LiveId" clId="{173FCC4A-857D-48E8-A663-6F33560BDDC5}" dt="2025-09-26T00:25:56.507" v="2720" actId="20577"/>
+          <ac:spMkLst>
+            <pc:docMk/>
+            <pc:sldMk cId="2433885059" sldId="3303"/>
+            <ac:spMk id="2" creationId="{ABCF0ACE-DF32-DC46-AFDA-6BD6301ABE87}"/>
           </ac:spMkLst>
         </pc:spChg>
         <pc:spChg chg="del">
-          <ac:chgData name="Heitor Roriz Filho" userId="af4ef8844a2fcbc3" providerId="LiveId" clId="{173FCC4A-857D-48E8-A663-6F33560BDDC5}" dt="2025-09-22T11:59:05.345" v="1562" actId="478"/>
+          <ac:chgData name="Heitor Roriz Filho" userId="af4ef8844a2fcbc3" providerId="LiveId" clId="{173FCC4A-857D-48E8-A663-6F33560BDDC5}" dt="2025-09-26T00:21:04.897" v="2505" actId="478"/>
           <ac:spMkLst>
             <pc:docMk/>
-            <pc:sldMk cId="3798714194" sldId="3293"/>
-            <ac:spMk id="3" creationId="{09C1C6F6-E3E2-0B4E-10A7-12F4FA9B9BFA}"/>
+            <pc:sldMk cId="2433885059" sldId="3303"/>
+            <ac:spMk id="3" creationId="{38BE6D9E-3F13-DE74-916E-7F3462ED94D0}"/>
+          </ac:spMkLst>
+        </pc:spChg>
+        <pc:spChg chg="add del mod">
+          <ac:chgData name="Heitor Roriz Filho" userId="af4ef8844a2fcbc3" providerId="LiveId" clId="{173FCC4A-857D-48E8-A663-6F33560BDDC5}" dt="2025-09-26T00:21:07.234" v="2506" actId="478"/>
+          <ac:spMkLst>
+            <pc:docMk/>
+            <pc:sldMk cId="2433885059" sldId="3303"/>
+            <ac:spMk id="5" creationId="{C888CAB6-CEFF-74A4-BBF4-5C00EC80A29E}"/>
           </ac:spMkLst>
         </pc:spChg>
         <pc:spChg chg="add mod">
-          <ac:chgData name="Heitor Roriz Filho" userId="af4ef8844a2fcbc3" providerId="LiveId" clId="{173FCC4A-857D-48E8-A663-6F33560BDDC5}" dt="2025-09-22T12:00:47.645" v="1631" actId="1076"/>
+          <ac:chgData name="Heitor Roriz Filho" userId="af4ef8844a2fcbc3" providerId="LiveId" clId="{173FCC4A-857D-48E8-A663-6F33560BDDC5}" dt="2025-09-26T00:22:58.006" v="2594" actId="20577"/>
           <ac:spMkLst>
             <pc:docMk/>
-            <pc:sldMk cId="3798714194" sldId="3293"/>
-            <ac:spMk id="5" creationId="{16559F82-2911-AB8A-BB01-D4AD4C10435E}"/>
+            <pc:sldMk cId="2433885059" sldId="3303"/>
+            <ac:spMk id="6" creationId="{6D3F2DD7-BE40-B6CB-6A91-0DEFC7BE9CFE}"/>
           </ac:spMkLst>
         </pc:spChg>
-        <pc:graphicFrameChg chg="add mod modGraphic">
-          <ac:chgData name="Heitor Roriz Filho" userId="af4ef8844a2fcbc3" providerId="LiveId" clId="{173FCC4A-857D-48E8-A663-6F33560BDDC5}" dt="2025-09-22T12:01:03.790" v="1636" actId="403"/>
-          <ac:graphicFrameMkLst>
+        <pc:spChg chg="add mod">
+          <ac:chgData name="Heitor Roriz Filho" userId="af4ef8844a2fcbc3" providerId="LiveId" clId="{173FCC4A-857D-48E8-A663-6F33560BDDC5}" dt="2025-09-26T00:23:55.667" v="2653" actId="207"/>
+          <ac:spMkLst>
             <pc:docMk/>
-            <pc:sldMk cId="3798714194" sldId="3293"/>
-            <ac:graphicFrameMk id="4" creationId="{F6574F91-04F9-B649-7049-A3ED11D9FD02}"/>
-          </ac:graphicFrameMkLst>
-        </pc:graphicFrameChg>
+            <pc:sldMk cId="2433885059" sldId="3303"/>
+            <ac:spMk id="7" creationId="{CC66915F-CD41-A4B5-BD4C-DFF4ED4826DB}"/>
+          </ac:spMkLst>
+        </pc:spChg>
+        <pc:spChg chg="add mod">
+          <ac:chgData name="Heitor Roriz Filho" userId="af4ef8844a2fcbc3" providerId="LiveId" clId="{173FCC4A-857D-48E8-A663-6F33560BDDC5}" dt="2025-09-26T00:25:43.444" v="2692" actId="207"/>
+          <ac:spMkLst>
+            <pc:docMk/>
+            <pc:sldMk cId="2433885059" sldId="3303"/>
+            <ac:spMk id="8" creationId="{9EECCC89-C87E-6AB8-B4B1-164303DBB067}"/>
+          </ac:spMkLst>
+        </pc:spChg>
+      </pc:sldChg>
+      <pc:sldChg chg="addSp delSp modSp add mod setBg addAnim delAnim setClrOvrMap">
+        <pc:chgData name="Heitor Roriz Filho" userId="af4ef8844a2fcbc3" providerId="LiveId" clId="{173FCC4A-857D-48E8-A663-6F33560BDDC5}" dt="2025-09-26T00:27:18.025" v="2767" actId="1036"/>
+        <pc:sldMkLst>
+          <pc:docMk/>
+          <pc:sldMk cId="3310105120" sldId="3304"/>
+        </pc:sldMkLst>
+        <pc:spChg chg="mod ord">
+          <ac:chgData name="Heitor Roriz Filho" userId="af4ef8844a2fcbc3" providerId="LiveId" clId="{173FCC4A-857D-48E8-A663-6F33560BDDC5}" dt="2025-09-26T00:27:18.025" v="2767" actId="1036"/>
+          <ac:spMkLst>
+            <pc:docMk/>
+            <pc:sldMk cId="3310105120" sldId="3304"/>
+            <ac:spMk id="2" creationId="{5625E10D-82C6-DF7C-ED08-50ECE2FBB7D7}"/>
+          </ac:spMkLst>
+        </pc:spChg>
+        <pc:spChg chg="del">
+          <ac:chgData name="Heitor Roriz Filho" userId="af4ef8844a2fcbc3" providerId="LiveId" clId="{173FCC4A-857D-48E8-A663-6F33560BDDC5}" dt="2025-09-26T00:26:14.179" v="2735" actId="478"/>
+          <ac:spMkLst>
+            <pc:docMk/>
+            <pc:sldMk cId="3310105120" sldId="3304"/>
+            <ac:spMk id="6" creationId="{FE51678C-F9AF-A061-28FF-4730DBB36630}"/>
+          </ac:spMkLst>
+        </pc:spChg>
+        <pc:spChg chg="del">
+          <ac:chgData name="Heitor Roriz Filho" userId="af4ef8844a2fcbc3" providerId="LiveId" clId="{173FCC4A-857D-48E8-A663-6F33560BDDC5}" dt="2025-09-26T00:26:14.179" v="2735" actId="478"/>
+          <ac:spMkLst>
+            <pc:docMk/>
+            <pc:sldMk cId="3310105120" sldId="3304"/>
+            <ac:spMk id="7" creationId="{415CCCCF-4FBB-EB71-685F-ADDDE7811E82}"/>
+          </ac:spMkLst>
+        </pc:spChg>
+        <pc:spChg chg="del">
+          <ac:chgData name="Heitor Roriz Filho" userId="af4ef8844a2fcbc3" providerId="LiveId" clId="{173FCC4A-857D-48E8-A663-6F33560BDDC5}" dt="2025-09-26T00:26:14.179" v="2735" actId="478"/>
+          <ac:spMkLst>
+            <pc:docMk/>
+            <pc:sldMk cId="3310105120" sldId="3304"/>
+            <ac:spMk id="8" creationId="{20D4883A-1E0C-E199-7D56-A1057855EC04}"/>
+          </ac:spMkLst>
+        </pc:spChg>
+        <pc:spChg chg="add del">
+          <ac:chgData name="Heitor Roriz Filho" userId="af4ef8844a2fcbc3" providerId="LiveId" clId="{173FCC4A-857D-48E8-A663-6F33560BDDC5}" dt="2025-09-26T00:27:05.726" v="2740" actId="26606"/>
+          <ac:spMkLst>
+            <pc:docMk/>
+            <pc:sldMk cId="3310105120" sldId="3304"/>
+            <ac:spMk id="5127" creationId="{37C89E4B-3C9F-44B9-8B86-D9E3D112D8EC}"/>
+          </ac:spMkLst>
+        </pc:spChg>
+        <pc:spChg chg="add del">
+          <ac:chgData name="Heitor Roriz Filho" userId="af4ef8844a2fcbc3" providerId="LiveId" clId="{173FCC4A-857D-48E8-A663-6F33560BDDC5}" dt="2025-09-26T00:27:08.870" v="2742" actId="26606"/>
+          <ac:spMkLst>
+            <pc:docMk/>
+            <pc:sldMk cId="3310105120" sldId="3304"/>
+            <ac:spMk id="5133" creationId="{9B7AD9F6-8CE7-4299-8FC6-328F4DCD3FF9}"/>
+          </ac:spMkLst>
+        </pc:spChg>
+        <pc:spChg chg="add del">
+          <ac:chgData name="Heitor Roriz Filho" userId="af4ef8844a2fcbc3" providerId="LiveId" clId="{173FCC4A-857D-48E8-A663-6F33560BDDC5}" dt="2025-09-26T00:27:08.870" v="2742" actId="26606"/>
+          <ac:spMkLst>
+            <pc:docMk/>
+            <pc:sldMk cId="3310105120" sldId="3304"/>
+            <ac:spMk id="5134" creationId="{F49775AF-8896-43EE-92C6-83497D6DC56F}"/>
+          </ac:spMkLst>
+        </pc:spChg>
+        <pc:spChg chg="add">
+          <ac:chgData name="Heitor Roriz Filho" userId="af4ef8844a2fcbc3" providerId="LiveId" clId="{173FCC4A-857D-48E8-A663-6F33560BDDC5}" dt="2025-09-26T00:27:08.870" v="2743" actId="26606"/>
+          <ac:spMkLst>
+            <pc:docMk/>
+            <pc:sldMk cId="3310105120" sldId="3304"/>
+            <ac:spMk id="5136" creationId="{71B2258F-86CA-4D4D-8270-BC05FCDEBFB3}"/>
+          </ac:spMkLst>
+        </pc:spChg>
+        <pc:picChg chg="add mod">
+          <ac:chgData name="Heitor Roriz Filho" userId="af4ef8844a2fcbc3" providerId="LiveId" clId="{173FCC4A-857D-48E8-A663-6F33560BDDC5}" dt="2025-09-26T00:27:08.870" v="2743" actId="26606"/>
+          <ac:picMkLst>
+            <pc:docMk/>
+            <pc:sldMk cId="3310105120" sldId="3304"/>
+            <ac:picMk id="5122" creationId="{CE342E14-7E93-90B7-9480-312DE54979F2}"/>
+          </ac:picMkLst>
+        </pc:picChg>
+        <pc:cxnChg chg="add del">
+          <ac:chgData name="Heitor Roriz Filho" userId="af4ef8844a2fcbc3" providerId="LiveId" clId="{173FCC4A-857D-48E8-A663-6F33560BDDC5}" dt="2025-09-26T00:27:05.726" v="2740" actId="26606"/>
+          <ac:cxnSpMkLst>
+            <pc:docMk/>
+            <pc:sldMk cId="3310105120" sldId="3304"/>
+            <ac:cxnSpMk id="5129" creationId="{AA2EAA10-076F-46BD-8F0F-B9A2FB77A85C}"/>
+          </ac:cxnSpMkLst>
+        </pc:cxnChg>
+        <pc:cxnChg chg="add del">
+          <ac:chgData name="Heitor Roriz Filho" userId="af4ef8844a2fcbc3" providerId="LiveId" clId="{173FCC4A-857D-48E8-A663-6F33560BDDC5}" dt="2025-09-26T00:27:05.726" v="2740" actId="26606"/>
+          <ac:cxnSpMkLst>
+            <pc:docMk/>
+            <pc:sldMk cId="3310105120" sldId="3304"/>
+            <ac:cxnSpMk id="5131" creationId="{D891E407-403B-4764-86C9-33A56D3BCAA3}"/>
+          </ac:cxnSpMkLst>
+        </pc:cxnChg>
       </pc:sldChg>
     </pc:docChg>
   </pc:docChgLst>
@@ -1991,7 +1919,7 @@
           <a:p>
             <a:fld id="{46B922E6-F63C-408A-A7A3-C8E767458CC8}" type="datetimeFigureOut">
               <a:rPr lang="pt-BR" smtClean="0"/>
-              <a:t>22/09/2025</a:t>
+              <a:t>25/09/2025</a:t>
             </a:fld>
             <a:endParaRPr lang="pt-BR"/>
           </a:p>
@@ -3110,7 +3038,7 @@
           <a:p>
             <a:fld id="{249725DE-7C86-48DA-AE7F-5CC07460A36C}" type="datetimeFigureOut">
               <a:rPr lang="pt-BR" smtClean="0"/>
-              <a:t>22/09/2025</a:t>
+              <a:t>25/09/2025</a:t>
             </a:fld>
             <a:endParaRPr lang="pt-BR"/>
           </a:p>
@@ -3310,7 +3238,7 @@
           <a:p>
             <a:fld id="{249725DE-7C86-48DA-AE7F-5CC07460A36C}" type="datetimeFigureOut">
               <a:rPr lang="pt-BR" smtClean="0"/>
-              <a:t>22/09/2025</a:t>
+              <a:t>25/09/2025</a:t>
             </a:fld>
             <a:endParaRPr lang="pt-BR"/>
           </a:p>
@@ -3520,7 +3448,7 @@
           <a:p>
             <a:fld id="{249725DE-7C86-48DA-AE7F-5CC07460A36C}" type="datetimeFigureOut">
               <a:rPr lang="pt-BR" smtClean="0"/>
-              <a:t>22/09/2025</a:t>
+              <a:t>25/09/2025</a:t>
             </a:fld>
             <a:endParaRPr lang="pt-BR"/>
           </a:p>
@@ -3720,7 +3648,7 @@
           <a:p>
             <a:fld id="{249725DE-7C86-48DA-AE7F-5CC07460A36C}" type="datetimeFigureOut">
               <a:rPr lang="pt-BR" smtClean="0"/>
-              <a:t>22/09/2025</a:t>
+              <a:t>25/09/2025</a:t>
             </a:fld>
             <a:endParaRPr lang="pt-BR"/>
           </a:p>
@@ -3996,7 +3924,7 @@
           <a:p>
             <a:fld id="{249725DE-7C86-48DA-AE7F-5CC07460A36C}" type="datetimeFigureOut">
               <a:rPr lang="pt-BR" smtClean="0"/>
-              <a:t>22/09/2025</a:t>
+              <a:t>25/09/2025</a:t>
             </a:fld>
             <a:endParaRPr lang="pt-BR"/>
           </a:p>
@@ -4264,7 +4192,7 @@
           <a:p>
             <a:fld id="{249725DE-7C86-48DA-AE7F-5CC07460A36C}" type="datetimeFigureOut">
               <a:rPr lang="pt-BR" smtClean="0"/>
-              <a:t>22/09/2025</a:t>
+              <a:t>25/09/2025</a:t>
             </a:fld>
             <a:endParaRPr lang="pt-BR"/>
           </a:p>
@@ -4679,7 +4607,7 @@
           <a:p>
             <a:fld id="{249725DE-7C86-48DA-AE7F-5CC07460A36C}" type="datetimeFigureOut">
               <a:rPr lang="pt-BR" smtClean="0"/>
-              <a:t>22/09/2025</a:t>
+              <a:t>25/09/2025</a:t>
             </a:fld>
             <a:endParaRPr lang="pt-BR"/>
           </a:p>
@@ -4821,7 +4749,7 @@
           <a:p>
             <a:fld id="{249725DE-7C86-48DA-AE7F-5CC07460A36C}" type="datetimeFigureOut">
               <a:rPr lang="pt-BR" smtClean="0"/>
-              <a:t>22/09/2025</a:t>
+              <a:t>25/09/2025</a:t>
             </a:fld>
             <a:endParaRPr lang="pt-BR"/>
           </a:p>
@@ -4934,7 +4862,7 @@
           <a:p>
             <a:fld id="{249725DE-7C86-48DA-AE7F-5CC07460A36C}" type="datetimeFigureOut">
               <a:rPr lang="pt-BR" smtClean="0"/>
-              <a:t>22/09/2025</a:t>
+              <a:t>25/09/2025</a:t>
             </a:fld>
             <a:endParaRPr lang="pt-BR"/>
           </a:p>
@@ -5247,7 +5175,7 @@
           <a:p>
             <a:fld id="{249725DE-7C86-48DA-AE7F-5CC07460A36C}" type="datetimeFigureOut">
               <a:rPr lang="pt-BR" smtClean="0"/>
-              <a:t>22/09/2025</a:t>
+              <a:t>25/09/2025</a:t>
             </a:fld>
             <a:endParaRPr lang="pt-BR"/>
           </a:p>
@@ -5536,7 +5464,7 @@
           <a:p>
             <a:fld id="{249725DE-7C86-48DA-AE7F-5CC07460A36C}" type="datetimeFigureOut">
               <a:rPr lang="pt-BR" smtClean="0"/>
-              <a:t>22/09/2025</a:t>
+              <a:t>25/09/2025</a:t>
             </a:fld>
             <a:endParaRPr lang="pt-BR"/>
           </a:p>
@@ -5779,7 +5707,7 @@
           <a:p>
             <a:fld id="{249725DE-7C86-48DA-AE7F-5CC07460A36C}" type="datetimeFigureOut">
               <a:rPr lang="pt-BR" smtClean="0"/>
-              <a:t>22/09/2025</a:t>
+              <a:t>25/09/2025</a:t>
             </a:fld>
             <a:endParaRPr lang="pt-BR"/>
           </a:p>
@@ -12724,7 +12652,7 @@
           </a:ln>
           <a:extLst>
             <a:ext uri="{C572A759-6A51-4108-AA02-DFA0A04FC94B}">
-              <ma14:wrappingTextBoxFlag xmlns="" xmlns:ma14="http://schemas.microsoft.com/office/mac/drawingml/2011/main" val="1"/>
+              <ma14:wrappingTextBoxFlag xmlns:ma14="http://schemas.microsoft.com/office/mac/drawingml/2011/main" xmlns="" val="1"/>
             </a:ext>
           </a:extLst>
         </p:spPr>
@@ -12776,7 +12704,7 @@
           </a:ln>
           <a:extLst>
             <a:ext uri="{C572A759-6A51-4108-AA02-DFA0A04FC94B}">
-              <ma14:wrappingTextBoxFlag xmlns="" xmlns:ma14="http://schemas.microsoft.com/office/mac/drawingml/2011/main" val="1"/>
+              <ma14:wrappingTextBoxFlag xmlns:ma14="http://schemas.microsoft.com/office/mac/drawingml/2011/main" xmlns="" val="1"/>
             </a:ext>
           </a:extLst>
         </p:spPr>
@@ -12877,7 +12805,7 @@
           </a:ln>
           <a:extLst>
             <a:ext uri="{C572A759-6A51-4108-AA02-DFA0A04FC94B}">
-              <ma14:wrappingTextBoxFlag xmlns="" xmlns:ma14="http://schemas.microsoft.com/office/mac/drawingml/2011/main" val="1"/>
+              <ma14:wrappingTextBoxFlag xmlns:ma14="http://schemas.microsoft.com/office/mac/drawingml/2011/main" xmlns="" val="1"/>
             </a:ext>
           </a:extLst>
         </p:spPr>
@@ -12928,7 +12856,7 @@
           </a:ln>
           <a:extLst>
             <a:ext uri="{C572A759-6A51-4108-AA02-DFA0A04FC94B}">
-              <ma14:wrappingTextBoxFlag xmlns="" xmlns:ma14="http://schemas.microsoft.com/office/mac/drawingml/2011/main" val="1"/>
+              <ma14:wrappingTextBoxFlag xmlns:ma14="http://schemas.microsoft.com/office/mac/drawingml/2011/main" xmlns="" val="1"/>
             </a:ext>
           </a:extLst>
         </p:spPr>
@@ -12993,7 +12921,7 @@
           </a:ln>
           <a:extLst>
             <a:ext uri="{C572A759-6A51-4108-AA02-DFA0A04FC94B}">
-              <ma14:wrappingTextBoxFlag xmlns="" xmlns:ma14="http://schemas.microsoft.com/office/mac/drawingml/2011/main" val="1"/>
+              <ma14:wrappingTextBoxFlag xmlns:ma14="http://schemas.microsoft.com/office/mac/drawingml/2011/main" xmlns="" val="1"/>
             </a:ext>
           </a:extLst>
         </p:spPr>
@@ -13045,7 +12973,7 @@
           </a:ln>
           <a:extLst>
             <a:ext uri="{C572A759-6A51-4108-AA02-DFA0A04FC94B}">
-              <ma14:wrappingTextBoxFlag xmlns="" xmlns:ma14="http://schemas.microsoft.com/office/mac/drawingml/2011/main" val="1"/>
+              <ma14:wrappingTextBoxFlag xmlns:ma14="http://schemas.microsoft.com/office/mac/drawingml/2011/main" xmlns="" val="1"/>
             </a:ext>
           </a:extLst>
         </p:spPr>
@@ -13095,7 +13023,7 @@
           </a:ln>
           <a:extLst>
             <a:ext uri="{C572A759-6A51-4108-AA02-DFA0A04FC94B}">
-              <ma14:wrappingTextBoxFlag xmlns="" xmlns:ma14="http://schemas.microsoft.com/office/mac/drawingml/2011/main" val="1"/>
+              <ma14:wrappingTextBoxFlag xmlns:ma14="http://schemas.microsoft.com/office/mac/drawingml/2011/main" xmlns="" val="1"/>
             </a:ext>
           </a:extLst>
         </p:spPr>
@@ -13145,7 +13073,7 @@
           </a:ln>
           <a:extLst>
             <a:ext uri="{C572A759-6A51-4108-AA02-DFA0A04FC94B}">
-              <ma14:wrappingTextBoxFlag xmlns="" xmlns:ma14="http://schemas.microsoft.com/office/mac/drawingml/2011/main" val="1"/>
+              <ma14:wrappingTextBoxFlag xmlns:ma14="http://schemas.microsoft.com/office/mac/drawingml/2011/main" xmlns="" val="1"/>
             </a:ext>
           </a:extLst>
         </p:spPr>
@@ -13195,7 +13123,7 @@
           </a:ln>
           <a:extLst>
             <a:ext uri="{C572A759-6A51-4108-AA02-DFA0A04FC94B}">
-              <ma14:wrappingTextBoxFlag xmlns="" xmlns:ma14="http://schemas.microsoft.com/office/mac/drawingml/2011/main" val="1"/>
+              <ma14:wrappingTextBoxFlag xmlns:ma14="http://schemas.microsoft.com/office/mac/drawingml/2011/main" xmlns="" val="1"/>
             </a:ext>
           </a:extLst>
         </p:spPr>
@@ -13280,7 +13208,7 @@
           </a:ln>
           <a:extLst>
             <a:ext uri="{C572A759-6A51-4108-AA02-DFA0A04FC94B}">
-              <ma14:wrappingTextBoxFlag xmlns="" xmlns:ma14="http://schemas.microsoft.com/office/mac/drawingml/2011/main" val="1"/>
+              <ma14:wrappingTextBoxFlag xmlns:ma14="http://schemas.microsoft.com/office/mac/drawingml/2011/main" xmlns="" val="1"/>
             </a:ext>
           </a:extLst>
         </p:spPr>
@@ -22745,6 +22673,763 @@
 </p:sld>
 </file>
 
+<file path=ppt/slides/slide25.xml><?xml version="1.0" encoding="utf-8"?>
+<p:sld xmlns:a="http://schemas.openxmlformats.org/drawingml/2006/main" xmlns:r="http://schemas.openxmlformats.org/officeDocument/2006/relationships" xmlns:p="http://schemas.openxmlformats.org/presentationml/2006/main">
+  <p:cSld>
+    <p:spTree>
+      <p:nvGrpSpPr>
+        <p:cNvPr id="1" name=""/>
+        <p:cNvGrpSpPr/>
+        <p:nvPr/>
+      </p:nvGrpSpPr>
+      <p:grpSpPr>
+        <a:xfrm>
+          <a:off x="0" y="0"/>
+          <a:ext cx="0" cy="0"/>
+          <a:chOff x="0" y="0"/>
+          <a:chExt cx="0" cy="0"/>
+        </a:xfrm>
+      </p:grpSpPr>
+      <p:sp>
+        <p:nvSpPr>
+          <p:cNvPr id="2" name="Titel 1">
+            <a:extLst>
+              <a:ext uri="{FF2B5EF4-FFF2-40B4-BE49-F238E27FC236}">
+                <a16:creationId xmlns:a16="http://schemas.microsoft.com/office/drawing/2014/main" id="{E77D9253-3E5B-5675-BC16-9CCFBCA76293}"/>
+              </a:ext>
+            </a:extLst>
+          </p:cNvPr>
+          <p:cNvSpPr>
+            <a:spLocks noGrp="1"/>
+          </p:cNvSpPr>
+          <p:nvPr>
+            <p:ph type="title"/>
+          </p:nvPr>
+        </p:nvSpPr>
+        <p:spPr/>
+        <p:txBody>
+          <a:bodyPr>
+            <a:normAutofit/>
+          </a:bodyPr>
+          <a:lstStyle/>
+          <a:p>
+            <a:r>
+              <a:rPr lang="en-US" dirty="0"/>
+              <a:t>TDD viability: when it pays off (and when it doesn’t)</a:t>
+            </a:r>
+            <a:endParaRPr lang="pt-BR" dirty="0"/>
+          </a:p>
+        </p:txBody>
+      </p:sp>
+      <p:sp>
+        <p:nvSpPr>
+          <p:cNvPr id="3" name="Inhaltsplatzhalter 2">
+            <a:extLst>
+              <a:ext uri="{FF2B5EF4-FFF2-40B4-BE49-F238E27FC236}">
+                <a16:creationId xmlns:a16="http://schemas.microsoft.com/office/drawing/2014/main" id="{D2AC1D86-C8DF-453D-8F9A-C3C281CE0F16}"/>
+              </a:ext>
+            </a:extLst>
+          </p:cNvPr>
+          <p:cNvSpPr>
+            <a:spLocks noGrp="1"/>
+          </p:cNvSpPr>
+          <p:nvPr>
+            <p:ph idx="1"/>
+          </p:nvPr>
+        </p:nvSpPr>
+        <p:spPr/>
+        <p:txBody>
+          <a:bodyPr/>
+          <a:lstStyle/>
+          <a:p>
+            <a:r>
+              <a:rPr lang="en-US" b="1" dirty="0"/>
+              <a:t>Use TDD for “foundational code”:</a:t>
+            </a:r>
+            <a:endParaRPr lang="en-US" dirty="0"/>
+          </a:p>
+          <a:p>
+            <a:pPr lvl="1"/>
+            <a:r>
+              <a:rPr lang="en-US" dirty="0"/>
+              <a:t>Core domain logic, invariants, business rules</a:t>
+            </a:r>
+          </a:p>
+          <a:p>
+            <a:pPr lvl="1"/>
+            <a:r>
+              <a:rPr lang="en-US" dirty="0"/>
+              <a:t>Algorithms you’ll extend or optimize</a:t>
+            </a:r>
+          </a:p>
+          <a:p>
+            <a:pPr lvl="1"/>
+            <a:r>
+              <a:rPr lang="en-US" dirty="0"/>
+              <a:t>Modules with tricky edge cases or concurrency/async behavior</a:t>
+            </a:r>
+          </a:p>
+          <a:p>
+            <a:pPr lvl="1"/>
+            <a:r>
+              <a:rPr lang="en-US" dirty="0"/>
+              <a:t>Public APIs / Known Stable Interfaces</a:t>
+            </a:r>
+          </a:p>
+          <a:p>
+            <a:r>
+              <a:rPr lang="en-US" b="1" dirty="0"/>
+              <a:t>Usually skip TDD (write tests after or use BDD only):</a:t>
+            </a:r>
+            <a:endParaRPr lang="en-US" dirty="0"/>
+          </a:p>
+          <a:p>
+            <a:pPr lvl="1"/>
+            <a:r>
+              <a:rPr lang="pt-BR" dirty="0"/>
+              <a:t>Spikes/prototypes, throwaway explorations</a:t>
+            </a:r>
+          </a:p>
+          <a:p>
+            <a:pPr lvl="1"/>
+            <a:r>
+              <a:rPr lang="en-US" dirty="0"/>
+              <a:t>Thin UI layers where behavior is mostly visual</a:t>
+            </a:r>
+          </a:p>
+          <a:p>
+            <a:pPr lvl="1"/>
+            <a:r>
+              <a:rPr lang="en-US" dirty="0"/>
+              <a:t>Heavy I/O glue where end-to-end tests give better ROI</a:t>
+            </a:r>
+            <a:endParaRPr lang="pt-BR" dirty="0"/>
+          </a:p>
+        </p:txBody>
+      </p:sp>
+    </p:spTree>
+    <p:extLst>
+      <p:ext uri="{BB962C8B-B14F-4D97-AF65-F5344CB8AC3E}">
+        <p14:creationId xmlns:p14="http://schemas.microsoft.com/office/powerpoint/2010/main" val="1839832085"/>
+      </p:ext>
+    </p:extLst>
+  </p:cSld>
+  <p:clrMapOvr>
+    <a:masterClrMapping/>
+  </p:clrMapOvr>
+</p:sld>
+</file>
+
+<file path=ppt/slides/slide26.xml><?xml version="1.0" encoding="utf-8"?>
+<p:sld xmlns:a="http://schemas.openxmlformats.org/drawingml/2006/main" xmlns:r="http://schemas.openxmlformats.org/officeDocument/2006/relationships" xmlns:p="http://schemas.openxmlformats.org/presentationml/2006/main">
+  <p:cSld>
+    <p:spTree>
+      <p:nvGrpSpPr>
+        <p:cNvPr id="1" name="">
+          <a:extLst>
+            <a:ext uri="{FF2B5EF4-FFF2-40B4-BE49-F238E27FC236}">
+              <a16:creationId xmlns:a16="http://schemas.microsoft.com/office/drawing/2014/main" id="{FC912594-A0C6-94C9-D5DD-BB27555F3149}"/>
+            </a:ext>
+          </a:extLst>
+        </p:cNvPr>
+        <p:cNvGrpSpPr/>
+        <p:nvPr/>
+      </p:nvGrpSpPr>
+      <p:grpSpPr>
+        <a:xfrm>
+          <a:off x="0" y="0"/>
+          <a:ext cx="0" cy="0"/>
+          <a:chOff x="0" y="0"/>
+          <a:chExt cx="0" cy="0"/>
+        </a:xfrm>
+      </p:grpSpPr>
+      <p:sp>
+        <p:nvSpPr>
+          <p:cNvPr id="2" name="Titel 1">
+            <a:extLst>
+              <a:ext uri="{FF2B5EF4-FFF2-40B4-BE49-F238E27FC236}">
+                <a16:creationId xmlns:a16="http://schemas.microsoft.com/office/drawing/2014/main" id="{B8184059-1D6C-5008-ED0B-F154BDAAA6AD}"/>
+              </a:ext>
+            </a:extLst>
+          </p:cNvPr>
+          <p:cNvSpPr>
+            <a:spLocks noGrp="1"/>
+          </p:cNvSpPr>
+          <p:nvPr>
+            <p:ph type="title"/>
+          </p:nvPr>
+        </p:nvSpPr>
+        <p:spPr/>
+        <p:txBody>
+          <a:bodyPr>
+            <a:normAutofit/>
+          </a:bodyPr>
+          <a:lstStyle/>
+          <a:p>
+            <a:r>
+              <a:rPr lang="pt-BR" dirty="0"/>
+              <a:t>Decision heuristics (quick checklist)</a:t>
+            </a:r>
+          </a:p>
+        </p:txBody>
+      </p:sp>
+      <p:sp>
+        <p:nvSpPr>
+          <p:cNvPr id="3" name="Inhaltsplatzhalter 2">
+            <a:extLst>
+              <a:ext uri="{FF2B5EF4-FFF2-40B4-BE49-F238E27FC236}">
+                <a16:creationId xmlns:a16="http://schemas.microsoft.com/office/drawing/2014/main" id="{65430D1D-3847-601E-C8FF-16C7BD8F748C}"/>
+              </a:ext>
+            </a:extLst>
+          </p:cNvPr>
+          <p:cNvSpPr>
+            <a:spLocks noGrp="1"/>
+          </p:cNvSpPr>
+          <p:nvPr>
+            <p:ph idx="1"/>
+          </p:nvPr>
+        </p:nvSpPr>
+        <p:spPr/>
+        <p:txBody>
+          <a:bodyPr/>
+          <a:lstStyle/>
+          <a:p>
+            <a:pPr>
+              <a:buSzPct val="100000"/>
+              <a:buFont typeface="Wingdings" panose="05000000000000000000" pitchFamily="2" charset="2"/>
+              <a:buChar char="q"/>
+            </a:pPr>
+            <a:r>
+              <a:rPr lang="en-US" dirty="0"/>
+              <a:t>Will this module live &gt; 3 months and be reused? → TDD</a:t>
+            </a:r>
+          </a:p>
+          <a:p>
+            <a:pPr>
+              <a:buSzPct val="100000"/>
+              <a:buFont typeface="Wingdings" panose="05000000000000000000" pitchFamily="2" charset="2"/>
+              <a:buChar char="q"/>
+            </a:pPr>
+            <a:r>
+              <a:rPr lang="en-US" dirty="0"/>
+              <a:t>Will bugs here be expensive or reputation-damaging? → TDD</a:t>
+            </a:r>
+          </a:p>
+          <a:p>
+            <a:pPr>
+              <a:buSzPct val="100000"/>
+              <a:buFont typeface="Wingdings" panose="05000000000000000000" pitchFamily="2" charset="2"/>
+              <a:buChar char="q"/>
+            </a:pPr>
+            <a:r>
+              <a:rPr lang="en-US" dirty="0"/>
+              <a:t> Are edge cases hard to reason about? → TDD</a:t>
+            </a:r>
+          </a:p>
+          <a:p>
+            <a:pPr>
+              <a:buSzPct val="100000"/>
+              <a:buFont typeface="Wingdings" panose="05000000000000000000" pitchFamily="2" charset="2"/>
+              <a:buChar char="q"/>
+            </a:pPr>
+            <a:r>
+              <a:rPr lang="en-US" dirty="0"/>
+              <a:t>Is it mostly formatting/wiring? → Probably not TDD</a:t>
+            </a:r>
+          </a:p>
+          <a:p>
+            <a:pPr>
+              <a:buSzPct val="100000"/>
+              <a:buFont typeface="Wingdings" panose="05000000000000000000" pitchFamily="2" charset="2"/>
+              <a:buChar char="q"/>
+            </a:pPr>
+            <a:endParaRPr lang="pt-BR" dirty="0"/>
+          </a:p>
+        </p:txBody>
+      </p:sp>
+    </p:spTree>
+    <p:extLst>
+      <p:ext uri="{BB962C8B-B14F-4D97-AF65-F5344CB8AC3E}">
+        <p14:creationId xmlns:p14="http://schemas.microsoft.com/office/powerpoint/2010/main" val="2339018213"/>
+      </p:ext>
+    </p:extLst>
+  </p:cSld>
+  <p:clrMapOvr>
+    <a:masterClrMapping/>
+  </p:clrMapOvr>
+</p:sld>
+</file>
+
+<file path=ppt/slides/slide27.xml><?xml version="1.0" encoding="utf-8"?>
+<p:sld xmlns:a="http://schemas.openxmlformats.org/drawingml/2006/main" xmlns:r="http://schemas.openxmlformats.org/officeDocument/2006/relationships" xmlns:p="http://schemas.openxmlformats.org/presentationml/2006/main">
+  <p:cSld>
+    <p:spTree>
+      <p:nvGrpSpPr>
+        <p:cNvPr id="1" name="">
+          <a:extLst>
+            <a:ext uri="{FF2B5EF4-FFF2-40B4-BE49-F238E27FC236}">
+              <a16:creationId xmlns:a16="http://schemas.microsoft.com/office/drawing/2014/main" id="{677B1505-B75E-1192-DE5A-FBA2DE48BE1B}"/>
+            </a:ext>
+          </a:extLst>
+        </p:cNvPr>
+        <p:cNvGrpSpPr/>
+        <p:nvPr/>
+      </p:nvGrpSpPr>
+      <p:grpSpPr>
+        <a:xfrm>
+          <a:off x="0" y="0"/>
+          <a:ext cx="0" cy="0"/>
+          <a:chOff x="0" y="0"/>
+          <a:chExt cx="0" cy="0"/>
+        </a:xfrm>
+      </p:grpSpPr>
+      <p:sp>
+        <p:nvSpPr>
+          <p:cNvPr id="2" name="Titel 1">
+            <a:extLst>
+              <a:ext uri="{FF2B5EF4-FFF2-40B4-BE49-F238E27FC236}">
+                <a16:creationId xmlns:a16="http://schemas.microsoft.com/office/drawing/2014/main" id="{35188A21-6F65-11C6-C0CD-3FBF3821569B}"/>
+              </a:ext>
+            </a:extLst>
+          </p:cNvPr>
+          <p:cNvSpPr>
+            <a:spLocks noGrp="1"/>
+          </p:cNvSpPr>
+          <p:nvPr>
+            <p:ph type="title"/>
+          </p:nvPr>
+        </p:nvSpPr>
+        <p:spPr/>
+        <p:txBody>
+          <a:bodyPr>
+            <a:normAutofit/>
+          </a:bodyPr>
+          <a:lstStyle/>
+          <a:p>
+            <a:r>
+              <a:rPr lang="en-US" dirty="0"/>
+              <a:t>Business case (how to explain to management in general):</a:t>
+            </a:r>
+            <a:endParaRPr lang="pt-BR" dirty="0"/>
+          </a:p>
+        </p:txBody>
+      </p:sp>
+      <p:sp>
+        <p:nvSpPr>
+          <p:cNvPr id="3" name="Inhaltsplatzhalter 2">
+            <a:extLst>
+              <a:ext uri="{FF2B5EF4-FFF2-40B4-BE49-F238E27FC236}">
+                <a16:creationId xmlns:a16="http://schemas.microsoft.com/office/drawing/2014/main" id="{3CECC80D-C8A0-5DB5-19AA-B1BDE025EB61}"/>
+              </a:ext>
+            </a:extLst>
+          </p:cNvPr>
+          <p:cNvSpPr>
+            <a:spLocks noGrp="1"/>
+          </p:cNvSpPr>
+          <p:nvPr>
+            <p:ph idx="1"/>
+          </p:nvPr>
+        </p:nvSpPr>
+        <p:spPr/>
+        <p:txBody>
+          <a:bodyPr/>
+          <a:lstStyle/>
+          <a:p>
+            <a:pPr>
+              <a:buSzPct val="100000"/>
+            </a:pPr>
+            <a:r>
+              <a:rPr lang="en-US" dirty="0"/>
+              <a:t>TDD shifts defect discovery to minutes, not sprints</a:t>
+            </a:r>
+          </a:p>
+          <a:p>
+            <a:pPr>
+              <a:buSzPct val="100000"/>
+            </a:pPr>
+            <a:r>
+              <a:rPr lang="en-US" dirty="0"/>
+              <a:t>Enables fearless refactoring – faster feature lead time over quarters</a:t>
+            </a:r>
+          </a:p>
+          <a:p>
+            <a:pPr>
+              <a:buSzPct val="100000"/>
+            </a:pPr>
+            <a:r>
+              <a:rPr lang="en-US" dirty="0"/>
+              <a:t>Reduces onboarding cost: tests explain intent of the code</a:t>
+            </a:r>
+            <a:endParaRPr lang="pt-BR" dirty="0"/>
+          </a:p>
+        </p:txBody>
+      </p:sp>
+    </p:spTree>
+    <p:extLst>
+      <p:ext uri="{BB962C8B-B14F-4D97-AF65-F5344CB8AC3E}">
+        <p14:creationId xmlns:p14="http://schemas.microsoft.com/office/powerpoint/2010/main" val="3447249953"/>
+      </p:ext>
+    </p:extLst>
+  </p:cSld>
+  <p:clrMapOvr>
+    <a:masterClrMapping/>
+  </p:clrMapOvr>
+</p:sld>
+</file>
+
+<file path=ppt/slides/slide28.xml><?xml version="1.0" encoding="utf-8"?>
+<p:sld xmlns:a="http://schemas.openxmlformats.org/drawingml/2006/main" xmlns:r="http://schemas.openxmlformats.org/officeDocument/2006/relationships" xmlns:p="http://schemas.openxmlformats.org/presentationml/2006/main">
+  <p:cSld>
+    <p:spTree>
+      <p:nvGrpSpPr>
+        <p:cNvPr id="1" name="">
+          <a:extLst>
+            <a:ext uri="{FF2B5EF4-FFF2-40B4-BE49-F238E27FC236}">
+              <a16:creationId xmlns:a16="http://schemas.microsoft.com/office/drawing/2014/main" id="{0639A270-FE3B-AFC4-CAF5-F8347528918E}"/>
+            </a:ext>
+          </a:extLst>
+        </p:cNvPr>
+        <p:cNvGrpSpPr/>
+        <p:nvPr/>
+      </p:nvGrpSpPr>
+      <p:grpSpPr>
+        <a:xfrm>
+          <a:off x="0" y="0"/>
+          <a:ext cx="0" cy="0"/>
+          <a:chOff x="0" y="0"/>
+          <a:chExt cx="0" cy="0"/>
+        </a:xfrm>
+      </p:grpSpPr>
+      <p:sp>
+        <p:nvSpPr>
+          <p:cNvPr id="2" name="Titel 1">
+            <a:extLst>
+              <a:ext uri="{FF2B5EF4-FFF2-40B4-BE49-F238E27FC236}">
+                <a16:creationId xmlns:a16="http://schemas.microsoft.com/office/drawing/2014/main" id="{FE2F3CA4-F5E7-583C-388E-322078D262B9}"/>
+              </a:ext>
+            </a:extLst>
+          </p:cNvPr>
+          <p:cNvSpPr>
+            <a:spLocks noGrp="1"/>
+          </p:cNvSpPr>
+          <p:nvPr>
+            <p:ph type="title"/>
+          </p:nvPr>
+        </p:nvSpPr>
+        <p:spPr/>
+        <p:txBody>
+          <a:bodyPr>
+            <a:normAutofit/>
+          </a:bodyPr>
+          <a:lstStyle/>
+          <a:p>
+            <a:r>
+              <a:rPr lang="en-US" dirty="0"/>
+              <a:t>BDD for user stories (do it for every story)</a:t>
+            </a:r>
+            <a:endParaRPr lang="pt-BR" dirty="0"/>
+          </a:p>
+        </p:txBody>
+      </p:sp>
+      <p:sp>
+        <p:nvSpPr>
+          <p:cNvPr id="3" name="Inhaltsplatzhalter 2">
+            <a:extLst>
+              <a:ext uri="{FF2B5EF4-FFF2-40B4-BE49-F238E27FC236}">
+                <a16:creationId xmlns:a16="http://schemas.microsoft.com/office/drawing/2014/main" id="{F78D7A87-3CA5-4F2D-5648-2F4C1C5D5713}"/>
+              </a:ext>
+            </a:extLst>
+          </p:cNvPr>
+          <p:cNvSpPr>
+            <a:spLocks noGrp="1"/>
+          </p:cNvSpPr>
+          <p:nvPr>
+            <p:ph idx="1"/>
+          </p:nvPr>
+        </p:nvSpPr>
+        <p:spPr/>
+        <p:txBody>
+          <a:bodyPr>
+            <a:normAutofit fontScale="92500" lnSpcReduction="10000"/>
+          </a:bodyPr>
+          <a:lstStyle/>
+          <a:p>
+            <a:pPr>
+              <a:buSzPct val="100000"/>
+            </a:pPr>
+            <a:r>
+              <a:rPr lang="en-US" dirty="0"/>
+              <a:t>Why BDD, always for stories:</a:t>
+            </a:r>
+          </a:p>
+          <a:p>
+            <a:pPr lvl="1">
+              <a:buSzPct val="100000"/>
+            </a:pPr>
+            <a:r>
+              <a:rPr lang="en-US" dirty="0"/>
+              <a:t>Turns acceptance criteria into living specs</a:t>
+            </a:r>
+          </a:p>
+          <a:p>
+            <a:pPr lvl="1">
+              <a:buSzPct val="100000"/>
+            </a:pPr>
+            <a:r>
+              <a:rPr lang="en-US" dirty="0"/>
+              <a:t>Aligns devs, QA, and stakeholders on behavior (ubiquitous language)</a:t>
+            </a:r>
+          </a:p>
+          <a:p>
+            <a:pPr lvl="1">
+              <a:buSzPct val="100000"/>
+            </a:pPr>
+            <a:r>
+              <a:rPr lang="en-US" dirty="0"/>
+              <a:t>Lets you evolve UI/implementation without losing intent</a:t>
+            </a:r>
+          </a:p>
+          <a:p>
+            <a:pPr>
+              <a:buSzPct val="100000"/>
+            </a:pPr>
+            <a:r>
+              <a:rPr lang="pt-BR" dirty="0"/>
+              <a:t>Given-When-Then pattern (fast rules):</a:t>
+            </a:r>
+          </a:p>
+          <a:p>
+            <a:pPr lvl="1">
+              <a:buSzPct val="100000"/>
+            </a:pPr>
+            <a:r>
+              <a:rPr lang="pt-BR" b="1" dirty="0"/>
+              <a:t>Given</a:t>
+            </a:r>
+            <a:r>
+              <a:rPr lang="pt-BR" dirty="0"/>
+              <a:t>: preconditions/business state</a:t>
+            </a:r>
+          </a:p>
+          <a:p>
+            <a:pPr lvl="1">
+              <a:buSzPct val="100000"/>
+            </a:pPr>
+            <a:r>
+              <a:rPr lang="en-US" b="1" dirty="0"/>
+              <a:t>When</a:t>
+            </a:r>
+            <a:r>
+              <a:rPr lang="en-US" dirty="0"/>
+              <a:t>: user action or event</a:t>
+            </a:r>
+          </a:p>
+          <a:p>
+            <a:pPr lvl="1">
+              <a:buSzPct val="100000"/>
+            </a:pPr>
+            <a:r>
+              <a:rPr lang="pt-BR" b="1" dirty="0"/>
+              <a:t>Then</a:t>
+            </a:r>
+            <a:r>
+              <a:rPr lang="pt-BR" dirty="0"/>
+              <a:t>: observable outcome (business-verifiable)</a:t>
+            </a:r>
+          </a:p>
+          <a:p>
+            <a:pPr>
+              <a:buSzPct val="100000"/>
+            </a:pPr>
+            <a:r>
+              <a:rPr lang="pt-BR" dirty="0"/>
+              <a:t>Mapping in NodeJS stack:</a:t>
+            </a:r>
+          </a:p>
+          <a:p>
+            <a:pPr lvl="1">
+              <a:buSzPct val="100000"/>
+            </a:pPr>
+            <a:r>
+              <a:rPr lang="en-US" dirty="0"/>
+              <a:t>Gherkin (.feature) → step definitions (Cucumber.js)</a:t>
+            </a:r>
+          </a:p>
+          <a:p>
+            <a:pPr lvl="1">
+              <a:buSzPct val="100000"/>
+            </a:pPr>
+            <a:r>
+              <a:rPr lang="en-US" dirty="0"/>
+              <a:t>Wire steps to app services or API (</a:t>
+            </a:r>
+            <a:r>
+              <a:rPr lang="en-US" dirty="0" err="1"/>
+              <a:t>supertest</a:t>
+            </a:r>
+            <a:r>
+              <a:rPr lang="en-US" dirty="0"/>
+              <a:t>) and, where needed, browser-level (Playwright) for end-to-end</a:t>
+            </a:r>
+          </a:p>
+        </p:txBody>
+      </p:sp>
+    </p:spTree>
+    <p:extLst>
+      <p:ext uri="{BB962C8B-B14F-4D97-AF65-F5344CB8AC3E}">
+        <p14:creationId xmlns:p14="http://schemas.microsoft.com/office/powerpoint/2010/main" val="1871342102"/>
+      </p:ext>
+    </p:extLst>
+  </p:cSld>
+  <p:clrMapOvr>
+    <a:masterClrMapping/>
+  </p:clrMapOvr>
+</p:sld>
+</file>
+
+<file path=ppt/slides/slide29.xml><?xml version="1.0" encoding="utf-8"?>
+<p:sld xmlns:a="http://schemas.openxmlformats.org/drawingml/2006/main" xmlns:r="http://schemas.openxmlformats.org/officeDocument/2006/relationships" xmlns:p="http://schemas.openxmlformats.org/presentationml/2006/main">
+  <p:cSld>
+    <p:spTree>
+      <p:nvGrpSpPr>
+        <p:cNvPr id="1" name="">
+          <a:extLst>
+            <a:ext uri="{FF2B5EF4-FFF2-40B4-BE49-F238E27FC236}">
+              <a16:creationId xmlns:a16="http://schemas.microsoft.com/office/drawing/2014/main" id="{A48796B0-E794-A19D-A076-96BE5486FCCA}"/>
+            </a:ext>
+          </a:extLst>
+        </p:cNvPr>
+        <p:cNvGrpSpPr/>
+        <p:nvPr/>
+      </p:nvGrpSpPr>
+      <p:grpSpPr>
+        <a:xfrm>
+          <a:off x="0" y="0"/>
+          <a:ext cx="0" cy="0"/>
+          <a:chOff x="0" y="0"/>
+          <a:chExt cx="0" cy="0"/>
+        </a:xfrm>
+      </p:grpSpPr>
+      <p:sp>
+        <p:nvSpPr>
+          <p:cNvPr id="2" name="Titel 1">
+            <a:extLst>
+              <a:ext uri="{FF2B5EF4-FFF2-40B4-BE49-F238E27FC236}">
+                <a16:creationId xmlns:a16="http://schemas.microsoft.com/office/drawing/2014/main" id="{AC6CFF85-2FF8-246B-05E8-25F11A0E9600}"/>
+              </a:ext>
+            </a:extLst>
+          </p:cNvPr>
+          <p:cNvSpPr>
+            <a:spLocks noGrp="1"/>
+          </p:cNvSpPr>
+          <p:nvPr>
+            <p:ph type="title"/>
+          </p:nvPr>
+        </p:nvSpPr>
+        <p:spPr/>
+        <p:txBody>
+          <a:bodyPr>
+            <a:normAutofit/>
+          </a:bodyPr>
+          <a:lstStyle/>
+          <a:p>
+            <a:r>
+              <a:rPr lang="pt-BR" dirty="0"/>
+              <a:t>BDD Mapping in NodeJS stack</a:t>
+            </a:r>
+          </a:p>
+        </p:txBody>
+      </p:sp>
+      <p:sp>
+        <p:nvSpPr>
+          <p:cNvPr id="3" name="Inhaltsplatzhalter 2">
+            <a:extLst>
+              <a:ext uri="{FF2B5EF4-FFF2-40B4-BE49-F238E27FC236}">
+                <a16:creationId xmlns:a16="http://schemas.microsoft.com/office/drawing/2014/main" id="{F59C89F9-5C77-068B-292D-7C7AB255EE01}"/>
+              </a:ext>
+            </a:extLst>
+          </p:cNvPr>
+          <p:cNvSpPr>
+            <a:spLocks noGrp="1"/>
+          </p:cNvSpPr>
+          <p:nvPr>
+            <p:ph idx="1"/>
+          </p:nvPr>
+        </p:nvSpPr>
+        <p:spPr/>
+        <p:txBody>
+          <a:bodyPr>
+            <a:normAutofit/>
+          </a:bodyPr>
+          <a:lstStyle/>
+          <a:p>
+            <a:pPr>
+              <a:buSzPct val="100000"/>
+            </a:pPr>
+            <a:r>
+              <a:rPr lang="en-US" dirty="0"/>
+              <a:t>Gherkin (.feature) → step definitions (Cucumber.js)</a:t>
+            </a:r>
+          </a:p>
+          <a:p>
+            <a:pPr>
+              <a:buSzPct val="100000"/>
+            </a:pPr>
+            <a:r>
+              <a:rPr lang="en-US" dirty="0"/>
+              <a:t>Wire steps to app services or API (</a:t>
+            </a:r>
+            <a:r>
+              <a:rPr lang="en-US" dirty="0" err="1"/>
+              <a:t>supertest</a:t>
+            </a:r>
+            <a:r>
+              <a:rPr lang="en-US" dirty="0"/>
+              <a:t>) and, where needed, browser-level (Playwright) for end-to-end</a:t>
+            </a:r>
+          </a:p>
+          <a:p>
+            <a:pPr>
+              <a:buSzPct val="100000"/>
+            </a:pPr>
+            <a:r>
+              <a:rPr lang="en-US" dirty="0"/>
+              <a:t>Good BDD smells to avoid:</a:t>
+            </a:r>
+          </a:p>
+          <a:p>
+            <a:pPr lvl="1">
+              <a:buSzPct val="100000"/>
+            </a:pPr>
+            <a:r>
+              <a:rPr lang="en-US" dirty="0"/>
+              <a:t>UI pixel assertions in BDD (keep those in visual tests)</a:t>
+            </a:r>
+          </a:p>
+          <a:p>
+            <a:pPr lvl="1">
+              <a:buSzPct val="100000"/>
+            </a:pPr>
+            <a:r>
+              <a:rPr lang="en-US" dirty="0"/>
+              <a:t>Over-mocking in acceptance tests (prefer running against real app/API or a realistic in-memory adapter)</a:t>
+            </a:r>
+          </a:p>
+        </p:txBody>
+      </p:sp>
+    </p:spTree>
+    <p:extLst>
+      <p:ext uri="{BB962C8B-B14F-4D97-AF65-F5344CB8AC3E}">
+        <p14:creationId xmlns:p14="http://schemas.microsoft.com/office/powerpoint/2010/main" val="329610285"/>
+      </p:ext>
+    </p:extLst>
+  </p:cSld>
+  <p:clrMapOvr>
+    <a:masterClrMapping/>
+  </p:clrMapOvr>
+</p:sld>
+</file>
+
 <file path=ppt/slides/slide3.xml><?xml version="1.0" encoding="utf-8"?>
 <p:sld xmlns:a="http://schemas.openxmlformats.org/drawingml/2006/main" xmlns:r="http://schemas.openxmlformats.org/officeDocument/2006/relationships" xmlns:p="http://schemas.openxmlformats.org/presentationml/2006/main">
   <p:cSld>
@@ -22827,13 +23512,13 @@
           <a:p>
             <a:r>
               <a:rPr lang="en-US" dirty="0"/>
-              <a:t>Agile principles – flexibility and adaptability</a:t>
+              <a:t>Agile principles – bring flexibility and adaptability</a:t>
             </a:r>
           </a:p>
           <a:p>
             <a:r>
               <a:rPr lang="en-US" dirty="0"/>
-              <a:t>Software Engineering – robustness, structure</a:t>
+              <a:t>Software Engineering – brings robustness, structure</a:t>
             </a:r>
           </a:p>
           <a:p>
@@ -22883,6 +23568,1194 @@
   </p:cSld>
   <p:clrMapOvr>
     <a:masterClrMapping/>
+  </p:clrMapOvr>
+</p:sld>
+</file>
+
+<file path=ppt/slides/slide30.xml><?xml version="1.0" encoding="utf-8"?>
+<p:sld xmlns:a="http://schemas.openxmlformats.org/drawingml/2006/main" xmlns:r="http://schemas.openxmlformats.org/officeDocument/2006/relationships" xmlns:p="http://schemas.openxmlformats.org/presentationml/2006/main">
+  <p:cSld>
+    <p:spTree>
+      <p:nvGrpSpPr>
+        <p:cNvPr id="1" name="">
+          <a:extLst>
+            <a:ext uri="{FF2B5EF4-FFF2-40B4-BE49-F238E27FC236}">
+              <a16:creationId xmlns:a16="http://schemas.microsoft.com/office/drawing/2014/main" id="{45341E8E-585B-9CC4-C380-8FB08AF0D375}"/>
+            </a:ext>
+          </a:extLst>
+        </p:cNvPr>
+        <p:cNvGrpSpPr/>
+        <p:nvPr/>
+      </p:nvGrpSpPr>
+      <p:grpSpPr>
+        <a:xfrm>
+          <a:off x="0" y="0"/>
+          <a:ext cx="0" cy="0"/>
+          <a:chOff x="0" y="0"/>
+          <a:chExt cx="0" cy="0"/>
+        </a:xfrm>
+      </p:grpSpPr>
+      <p:sp>
+        <p:nvSpPr>
+          <p:cNvPr id="2" name="Titel 1">
+            <a:extLst>
+              <a:ext uri="{FF2B5EF4-FFF2-40B4-BE49-F238E27FC236}">
+                <a16:creationId xmlns:a16="http://schemas.microsoft.com/office/drawing/2014/main" id="{EFEBBBB6-EDFA-49A6-E97A-FE12DEB5DAB0}"/>
+              </a:ext>
+            </a:extLst>
+          </p:cNvPr>
+          <p:cNvSpPr>
+            <a:spLocks noGrp="1"/>
+          </p:cNvSpPr>
+          <p:nvPr>
+            <p:ph type="title"/>
+          </p:nvPr>
+        </p:nvSpPr>
+        <p:spPr/>
+        <p:txBody>
+          <a:bodyPr>
+            <a:normAutofit/>
+          </a:bodyPr>
+          <a:lstStyle/>
+          <a:p>
+            <a:r>
+              <a:rPr lang="en-US" dirty="0"/>
+              <a:t>The future codebase: ratios, pyramid, and quality gates (1)</a:t>
+            </a:r>
+            <a:endParaRPr lang="pt-BR" dirty="0"/>
+          </a:p>
+        </p:txBody>
+      </p:sp>
+      <p:sp>
+        <p:nvSpPr>
+          <p:cNvPr id="3" name="Inhaltsplatzhalter 2">
+            <a:extLst>
+              <a:ext uri="{FF2B5EF4-FFF2-40B4-BE49-F238E27FC236}">
+                <a16:creationId xmlns:a16="http://schemas.microsoft.com/office/drawing/2014/main" id="{7529B2AC-494D-4278-061C-6C10236367DD}"/>
+              </a:ext>
+            </a:extLst>
+          </p:cNvPr>
+          <p:cNvSpPr>
+            <a:spLocks noGrp="1"/>
+          </p:cNvSpPr>
+          <p:nvPr>
+            <p:ph idx="1"/>
+          </p:nvPr>
+        </p:nvSpPr>
+        <p:spPr/>
+        <p:txBody>
+          <a:bodyPr>
+            <a:normAutofit/>
+          </a:bodyPr>
+          <a:lstStyle/>
+          <a:p>
+            <a:pPr>
+              <a:buSzPct val="100000"/>
+            </a:pPr>
+            <a:r>
+              <a:rPr lang="en-US" dirty="0"/>
+              <a:t>What will the codebase look like once we use TDD for critical aspects and BDD for every user story?</a:t>
+            </a:r>
+          </a:p>
+          <a:p>
+            <a:pPr>
+              <a:buSzPct val="100000"/>
+            </a:pPr>
+            <a:r>
+              <a:rPr lang="pt-BR" b="1" dirty="0"/>
+              <a:t>Test Pyramid target:</a:t>
+            </a:r>
+          </a:p>
+          <a:p>
+            <a:pPr lvl="1">
+              <a:buSzPct val="100000"/>
+            </a:pPr>
+            <a:r>
+              <a:rPr lang="en-US" dirty="0"/>
+              <a:t>Unit (fast): ~70% of tests</a:t>
+            </a:r>
+          </a:p>
+          <a:p>
+            <a:pPr lvl="1">
+              <a:buSzPct val="100000"/>
+            </a:pPr>
+            <a:r>
+              <a:rPr lang="pt-BR" dirty="0"/>
+              <a:t>Service/integration: ~20–25%</a:t>
+            </a:r>
+          </a:p>
+          <a:p>
+            <a:pPr lvl="1">
+              <a:buSzPct val="100000"/>
+            </a:pPr>
+            <a:r>
+              <a:rPr lang="en-US" dirty="0"/>
+              <a:t>E2E/UI: ~5–10% (high value paths only)</a:t>
+            </a:r>
+          </a:p>
+          <a:p>
+            <a:pPr>
+              <a:buSzPct val="100000"/>
+            </a:pPr>
+            <a:r>
+              <a:rPr lang="en-US" b="1" dirty="0"/>
+              <a:t>LOC ratio (guideline, not a KPI):</a:t>
+            </a:r>
+          </a:p>
+          <a:p>
+            <a:pPr lvl="1">
+              <a:buSzPct val="100000"/>
+            </a:pPr>
+            <a:r>
+              <a:rPr lang="en-US" dirty="0"/>
+              <a:t>Healthy mature systems: </a:t>
+            </a:r>
+            <a:r>
+              <a:rPr lang="en-US" b="1" dirty="0"/>
+              <a:t>1:1 to 2:1</a:t>
+            </a:r>
+            <a:r>
+              <a:rPr lang="en-US" dirty="0"/>
+              <a:t> (test : production LOC)</a:t>
+            </a:r>
+          </a:p>
+          <a:p>
+            <a:pPr lvl="1">
+              <a:buSzPct val="100000"/>
+            </a:pPr>
+            <a:r>
+              <a:rPr lang="en-US" dirty="0"/>
+              <a:t>Closer to </a:t>
+            </a:r>
+            <a:r>
+              <a:rPr lang="en-US" b="1" dirty="0"/>
+              <a:t>1:1</a:t>
+            </a:r>
+            <a:r>
+              <a:rPr lang="en-US" dirty="0"/>
+              <a:t> when domain is simple/CRUD-heavy</a:t>
+            </a:r>
+          </a:p>
+          <a:p>
+            <a:pPr lvl="1">
+              <a:buSzPct val="100000"/>
+            </a:pPr>
+            <a:r>
+              <a:rPr lang="en-US" dirty="0"/>
+              <a:t>Up to </a:t>
+            </a:r>
+            <a:r>
+              <a:rPr lang="en-US" b="1" dirty="0"/>
+              <a:t>2:1</a:t>
+            </a:r>
+            <a:r>
+              <a:rPr lang="en-US" dirty="0"/>
+              <a:t> when domain logic is complex or safety critical</a:t>
+            </a:r>
+          </a:p>
+        </p:txBody>
+      </p:sp>
+    </p:spTree>
+    <p:extLst>
+      <p:ext uri="{BB962C8B-B14F-4D97-AF65-F5344CB8AC3E}">
+        <p14:creationId xmlns:p14="http://schemas.microsoft.com/office/powerpoint/2010/main" val="2187050948"/>
+      </p:ext>
+    </p:extLst>
+  </p:cSld>
+  <p:clrMapOvr>
+    <a:masterClrMapping/>
+  </p:clrMapOvr>
+</p:sld>
+</file>
+
+<file path=ppt/slides/slide31.xml><?xml version="1.0" encoding="utf-8"?>
+<p:sld xmlns:a="http://schemas.openxmlformats.org/drawingml/2006/main" xmlns:r="http://schemas.openxmlformats.org/officeDocument/2006/relationships" xmlns:p="http://schemas.openxmlformats.org/presentationml/2006/main">
+  <p:cSld>
+    <p:spTree>
+      <p:nvGrpSpPr>
+        <p:cNvPr id="1" name="">
+          <a:extLst>
+            <a:ext uri="{FF2B5EF4-FFF2-40B4-BE49-F238E27FC236}">
+              <a16:creationId xmlns:a16="http://schemas.microsoft.com/office/drawing/2014/main" id="{04123B03-E126-E993-5D85-8C2B0C62E83B}"/>
+            </a:ext>
+          </a:extLst>
+        </p:cNvPr>
+        <p:cNvGrpSpPr/>
+        <p:nvPr/>
+      </p:nvGrpSpPr>
+      <p:grpSpPr>
+        <a:xfrm>
+          <a:off x="0" y="0"/>
+          <a:ext cx="0" cy="0"/>
+          <a:chOff x="0" y="0"/>
+          <a:chExt cx="0" cy="0"/>
+        </a:xfrm>
+      </p:grpSpPr>
+      <p:sp>
+        <p:nvSpPr>
+          <p:cNvPr id="2" name="Titel 1">
+            <a:extLst>
+              <a:ext uri="{FF2B5EF4-FFF2-40B4-BE49-F238E27FC236}">
+                <a16:creationId xmlns:a16="http://schemas.microsoft.com/office/drawing/2014/main" id="{46FA4370-5B2E-2081-85A9-6C92459AE1AE}"/>
+              </a:ext>
+            </a:extLst>
+          </p:cNvPr>
+          <p:cNvSpPr>
+            <a:spLocks noGrp="1"/>
+          </p:cNvSpPr>
+          <p:nvPr>
+            <p:ph type="title"/>
+          </p:nvPr>
+        </p:nvSpPr>
+        <p:spPr/>
+        <p:txBody>
+          <a:bodyPr>
+            <a:normAutofit/>
+          </a:bodyPr>
+          <a:lstStyle/>
+          <a:p>
+            <a:r>
+              <a:rPr lang="en-US" dirty="0"/>
+              <a:t>The future codebase: ratios, pyramid, and quality gates (2)</a:t>
+            </a:r>
+            <a:endParaRPr lang="pt-BR" dirty="0"/>
+          </a:p>
+        </p:txBody>
+      </p:sp>
+      <p:sp>
+        <p:nvSpPr>
+          <p:cNvPr id="3" name="Inhaltsplatzhalter 2">
+            <a:extLst>
+              <a:ext uri="{FF2B5EF4-FFF2-40B4-BE49-F238E27FC236}">
+                <a16:creationId xmlns:a16="http://schemas.microsoft.com/office/drawing/2014/main" id="{3DBCAD8D-6069-C134-002C-138025D50800}"/>
+              </a:ext>
+            </a:extLst>
+          </p:cNvPr>
+          <p:cNvSpPr>
+            <a:spLocks noGrp="1"/>
+          </p:cNvSpPr>
+          <p:nvPr>
+            <p:ph idx="1"/>
+          </p:nvPr>
+        </p:nvSpPr>
+        <p:spPr/>
+        <p:txBody>
+          <a:bodyPr>
+            <a:normAutofit lnSpcReduction="10000"/>
+          </a:bodyPr>
+          <a:lstStyle/>
+          <a:p>
+            <a:pPr>
+              <a:buSzPct val="100000"/>
+            </a:pPr>
+            <a:r>
+              <a:rPr lang="en-US" b="1" dirty="0"/>
+              <a:t>Test coverage KPIs:</a:t>
+            </a:r>
+          </a:p>
+          <a:p>
+            <a:pPr lvl="1">
+              <a:buSzPct val="100000"/>
+            </a:pPr>
+            <a:r>
+              <a:rPr lang="en-US" dirty="0"/>
+              <a:t>80% of our lines run in tests – ensures most of the code is executed by tests</a:t>
+            </a:r>
+          </a:p>
+          <a:p>
+            <a:pPr lvl="1">
+              <a:buSzPct val="100000"/>
+            </a:pPr>
+            <a:r>
+              <a:rPr lang="en-US" dirty="0"/>
+              <a:t>70% of our if/else paths are tested – ensures decision logic (ifs/switches) is really exercised</a:t>
+            </a:r>
+          </a:p>
+          <a:p>
+            <a:pPr lvl="1">
+              <a:buSzPct val="100000"/>
+            </a:pPr>
+            <a:r>
+              <a:rPr lang="en-US" dirty="0"/>
+              <a:t>70% of injected bugs are caught – ensures tests aren’t just running code but are strong enough to catch real bugs.</a:t>
+            </a:r>
+          </a:p>
+          <a:p>
+            <a:pPr lvl="1">
+              <a:buSzPct val="100000"/>
+            </a:pPr>
+            <a:r>
+              <a:rPr lang="en-US" b="1" dirty="0"/>
+              <a:t>That’s how we know our tests aren’t just theater</a:t>
+            </a:r>
+          </a:p>
+          <a:p>
+            <a:pPr>
+              <a:buSzPct val="100000"/>
+            </a:pPr>
+            <a:r>
+              <a:rPr lang="en-US" b="1" dirty="0"/>
+              <a:t>Quality gates in CI:</a:t>
+            </a:r>
+          </a:p>
+          <a:p>
+            <a:pPr lvl="1">
+              <a:buSzPct val="100000"/>
+            </a:pPr>
+            <a:r>
+              <a:rPr lang="en-US" dirty="0"/>
+              <a:t>All tests green in &lt; 5 minutes</a:t>
+            </a:r>
+          </a:p>
+          <a:p>
+            <a:pPr lvl="1">
+              <a:buSzPct val="100000"/>
+            </a:pPr>
+            <a:r>
+              <a:rPr lang="en-US" dirty="0"/>
+              <a:t>Lint + type check (if TS) + unit tests on every PR</a:t>
+            </a:r>
+          </a:p>
+          <a:p>
+            <a:pPr lvl="1">
+              <a:buSzPct val="100000"/>
+            </a:pPr>
+            <a:r>
+              <a:rPr lang="en-US" dirty="0"/>
+              <a:t>Nightly: full integration/E2E suite</a:t>
+            </a:r>
+          </a:p>
+        </p:txBody>
+      </p:sp>
+    </p:spTree>
+    <p:extLst>
+      <p:ext uri="{BB962C8B-B14F-4D97-AF65-F5344CB8AC3E}">
+        <p14:creationId xmlns:p14="http://schemas.microsoft.com/office/powerpoint/2010/main" val="4232631247"/>
+      </p:ext>
+    </p:extLst>
+  </p:cSld>
+  <p:clrMapOvr>
+    <a:masterClrMapping/>
+  </p:clrMapOvr>
+</p:sld>
+</file>
+
+<file path=ppt/slides/slide32.xml><?xml version="1.0" encoding="utf-8"?>
+<p:sld xmlns:a="http://schemas.openxmlformats.org/drawingml/2006/main" xmlns:r="http://schemas.openxmlformats.org/officeDocument/2006/relationships" xmlns:p="http://schemas.openxmlformats.org/presentationml/2006/main">
+  <p:cSld>
+    <p:spTree>
+      <p:nvGrpSpPr>
+        <p:cNvPr id="1" name=""/>
+        <p:cNvGrpSpPr/>
+        <p:nvPr/>
+      </p:nvGrpSpPr>
+      <p:grpSpPr>
+        <a:xfrm>
+          <a:off x="0" y="0"/>
+          <a:ext cx="0" cy="0"/>
+          <a:chOff x="0" y="0"/>
+          <a:chExt cx="0" cy="0"/>
+        </a:xfrm>
+      </p:grpSpPr>
+      <p:sp>
+        <p:nvSpPr>
+          <p:cNvPr id="2" name="Titel 1">
+            <a:extLst>
+              <a:ext uri="{FF2B5EF4-FFF2-40B4-BE49-F238E27FC236}">
+                <a16:creationId xmlns:a16="http://schemas.microsoft.com/office/drawing/2014/main" id="{24C93D00-BA0A-C99B-A93C-ABDB2D354EDC}"/>
+              </a:ext>
+            </a:extLst>
+          </p:cNvPr>
+          <p:cNvSpPr>
+            <a:spLocks noGrp="1"/>
+          </p:cNvSpPr>
+          <p:nvPr>
+            <p:ph type="title"/>
+          </p:nvPr>
+        </p:nvSpPr>
+        <p:spPr/>
+        <p:txBody>
+          <a:bodyPr/>
+          <a:lstStyle/>
+          <a:p>
+            <a:r>
+              <a:rPr lang="pt-BR" dirty="0"/>
+              <a:t>Definition of Done (our quality perception/standard)</a:t>
+            </a:r>
+          </a:p>
+        </p:txBody>
+      </p:sp>
+      <p:sp>
+        <p:nvSpPr>
+          <p:cNvPr id="3" name="Inhaltsplatzhalter 2">
+            <a:extLst>
+              <a:ext uri="{FF2B5EF4-FFF2-40B4-BE49-F238E27FC236}">
+                <a16:creationId xmlns:a16="http://schemas.microsoft.com/office/drawing/2014/main" id="{ECDCDB64-13B1-3F59-300C-E30DCDD070DB}"/>
+              </a:ext>
+            </a:extLst>
+          </p:cNvPr>
+          <p:cNvSpPr>
+            <a:spLocks noGrp="1"/>
+          </p:cNvSpPr>
+          <p:nvPr>
+            <p:ph idx="1"/>
+          </p:nvPr>
+        </p:nvSpPr>
+        <p:spPr/>
+        <p:txBody>
+          <a:bodyPr/>
+          <a:lstStyle/>
+          <a:p>
+            <a:pPr>
+              <a:buSzPct val="100000"/>
+            </a:pPr>
+            <a:r>
+              <a:rPr lang="en-US" b="1" dirty="0"/>
+              <a:t>If you don’t have a laid-out DoD, create one now to start using tomorrow.</a:t>
+            </a:r>
+          </a:p>
+          <a:p>
+            <a:pPr>
+              <a:buSzPct val="100000"/>
+            </a:pPr>
+            <a:r>
+              <a:rPr lang="en-US" b="1" dirty="0"/>
+              <a:t>Definition of done (to be appended to your existing one)</a:t>
+            </a:r>
+          </a:p>
+          <a:p>
+            <a:pPr lvl="1">
+              <a:buSzPct val="100000"/>
+            </a:pPr>
+            <a:r>
+              <a:rPr lang="en-US" dirty="0"/>
+              <a:t>Story has BDD scenarios implemented</a:t>
+            </a:r>
+          </a:p>
+          <a:p>
+            <a:pPr lvl="1">
+              <a:buSzPct val="100000"/>
+            </a:pPr>
+            <a:r>
+              <a:rPr lang="en-US" dirty="0"/>
+              <a:t>New/changed domain logic covered by TDD unit tests</a:t>
+            </a:r>
+          </a:p>
+          <a:p>
+            <a:pPr lvl="1">
+              <a:buSzPct val="100000"/>
+            </a:pPr>
+            <a:r>
+              <a:rPr lang="en-US" dirty="0"/>
+              <a:t>Tests read like documentation (names express business rules)</a:t>
+            </a:r>
+          </a:p>
+        </p:txBody>
+      </p:sp>
+    </p:spTree>
+    <p:extLst>
+      <p:ext uri="{BB962C8B-B14F-4D97-AF65-F5344CB8AC3E}">
+        <p14:creationId xmlns:p14="http://schemas.microsoft.com/office/powerpoint/2010/main" val="113413185"/>
+      </p:ext>
+    </p:extLst>
+  </p:cSld>
+  <p:clrMapOvr>
+    <a:masterClrMapping/>
+  </p:clrMapOvr>
+</p:sld>
+</file>
+
+<file path=ppt/slides/slide33.xml><?xml version="1.0" encoding="utf-8"?>
+<p:sld xmlns:a="http://schemas.openxmlformats.org/drawingml/2006/main" xmlns:r="http://schemas.openxmlformats.org/officeDocument/2006/relationships" xmlns:p="http://schemas.openxmlformats.org/presentationml/2006/main">
+  <p:cSld>
+    <p:spTree>
+      <p:nvGrpSpPr>
+        <p:cNvPr id="1" name="">
+          <a:extLst>
+            <a:ext uri="{FF2B5EF4-FFF2-40B4-BE49-F238E27FC236}">
+              <a16:creationId xmlns:a16="http://schemas.microsoft.com/office/drawing/2014/main" id="{DB836A71-3394-D6ED-83BC-95164E6A3C2A}"/>
+            </a:ext>
+          </a:extLst>
+        </p:cNvPr>
+        <p:cNvGrpSpPr/>
+        <p:nvPr/>
+      </p:nvGrpSpPr>
+      <p:grpSpPr>
+        <a:xfrm>
+          <a:off x="0" y="0"/>
+          <a:ext cx="0" cy="0"/>
+          <a:chOff x="0" y="0"/>
+          <a:chExt cx="0" cy="0"/>
+        </a:xfrm>
+      </p:grpSpPr>
+      <p:sp>
+        <p:nvSpPr>
+          <p:cNvPr id="2" name="Titel 1">
+            <a:extLst>
+              <a:ext uri="{FF2B5EF4-FFF2-40B4-BE49-F238E27FC236}">
+                <a16:creationId xmlns:a16="http://schemas.microsoft.com/office/drawing/2014/main" id="{7522C8D6-E1AB-6C0E-4D5C-3C5F75CB4A6A}"/>
+              </a:ext>
+            </a:extLst>
+          </p:cNvPr>
+          <p:cNvSpPr>
+            <a:spLocks noGrp="1"/>
+          </p:cNvSpPr>
+          <p:nvPr>
+            <p:ph type="title"/>
+          </p:nvPr>
+        </p:nvSpPr>
+        <p:spPr/>
+        <p:txBody>
+          <a:bodyPr>
+            <a:normAutofit fontScale="90000"/>
+          </a:bodyPr>
+          <a:lstStyle/>
+          <a:p>
+            <a:r>
+              <a:rPr lang="en-US" dirty="0"/>
+              <a:t>Future Work: </a:t>
+            </a:r>
+            <a:r>
+              <a:rPr lang="en-US" b="1" dirty="0"/>
+              <a:t>Test Coverage KPIs &amp; Advanced Tooling (examples of state-of-the-art tools)</a:t>
+            </a:r>
+            <a:endParaRPr lang="pt-BR" b="1" dirty="0"/>
+          </a:p>
+        </p:txBody>
+      </p:sp>
+      <p:sp>
+        <p:nvSpPr>
+          <p:cNvPr id="3" name="Inhaltsplatzhalter 2">
+            <a:extLst>
+              <a:ext uri="{FF2B5EF4-FFF2-40B4-BE49-F238E27FC236}">
+                <a16:creationId xmlns:a16="http://schemas.microsoft.com/office/drawing/2014/main" id="{20422BE0-4C42-0CE3-FA13-5D4FCE835F08}"/>
+              </a:ext>
+            </a:extLst>
+          </p:cNvPr>
+          <p:cNvSpPr>
+            <a:spLocks noGrp="1"/>
+          </p:cNvSpPr>
+          <p:nvPr>
+            <p:ph idx="1"/>
+          </p:nvPr>
+        </p:nvSpPr>
+        <p:spPr/>
+        <p:txBody>
+          <a:bodyPr>
+            <a:normAutofit lnSpcReduction="10000"/>
+          </a:bodyPr>
+          <a:lstStyle/>
+          <a:p>
+            <a:pPr>
+              <a:buSzPct val="100000"/>
+            </a:pPr>
+            <a:r>
+              <a:rPr lang="pt-BR" dirty="0"/>
+              <a:t>Test Coverage KPIs</a:t>
+            </a:r>
+          </a:p>
+          <a:p>
+            <a:pPr lvl="1">
+              <a:buSzPct val="100000"/>
+            </a:pPr>
+            <a:r>
+              <a:rPr lang="en-US" b="1" dirty="0"/>
+              <a:t>Line ≥ 80%</a:t>
+            </a:r>
+            <a:r>
+              <a:rPr lang="en-US" dirty="0"/>
+              <a:t> → most of the code is exercised</a:t>
+            </a:r>
+          </a:p>
+          <a:p>
+            <a:pPr lvl="1">
+              <a:buSzPct val="100000"/>
+            </a:pPr>
+            <a:r>
+              <a:rPr lang="en-US" b="1" dirty="0"/>
+              <a:t>Branch ≥ 70%</a:t>
+            </a:r>
+            <a:r>
+              <a:rPr lang="en-US" dirty="0"/>
+              <a:t> → different paths (ifs/switches) are tested</a:t>
+            </a:r>
+          </a:p>
+          <a:p>
+            <a:pPr lvl="1">
+              <a:buSzPct val="100000"/>
+            </a:pPr>
+            <a:r>
+              <a:rPr lang="en-US" b="1" dirty="0"/>
+              <a:t>Mutation ≥ 70%</a:t>
+            </a:r>
+            <a:r>
+              <a:rPr lang="en-US" dirty="0"/>
+              <a:t> → tests strong enough to catch real bugs</a:t>
+            </a:r>
+          </a:p>
+          <a:p>
+            <a:pPr>
+              <a:buSzPct val="100000"/>
+            </a:pPr>
+            <a:r>
+              <a:rPr lang="en-US" dirty="0"/>
+              <a:t>Advanced Testing Tools (beyond TDD/BDD basics)</a:t>
+            </a:r>
+          </a:p>
+          <a:p>
+            <a:pPr lvl="1">
+              <a:buSzPct val="100000"/>
+            </a:pPr>
+            <a:r>
+              <a:rPr lang="en-US" b="1" dirty="0"/>
+              <a:t>Unit level</a:t>
+            </a:r>
+            <a:r>
+              <a:rPr lang="en-US" dirty="0"/>
+              <a:t>: Jest/Sinon, Mockito (mocking dependencies)</a:t>
+            </a:r>
+          </a:p>
+          <a:p>
+            <a:pPr lvl="1">
+              <a:buSzPct val="100000"/>
+            </a:pPr>
+            <a:r>
+              <a:rPr lang="en-US" b="1" dirty="0"/>
+              <a:t>Service/API</a:t>
+            </a:r>
+            <a:r>
+              <a:rPr lang="en-US" dirty="0"/>
+              <a:t>: </a:t>
+            </a:r>
+            <a:r>
+              <a:rPr lang="en-US" dirty="0" err="1"/>
+              <a:t>WireMock</a:t>
+            </a:r>
+            <a:r>
+              <a:rPr lang="en-US" dirty="0"/>
+              <a:t>, </a:t>
+            </a:r>
+            <a:r>
+              <a:rPr lang="en-US" dirty="0" err="1"/>
+              <a:t>MockServer</a:t>
+            </a:r>
+            <a:r>
+              <a:rPr lang="en-US" dirty="0"/>
+              <a:t>, MSW, Nock (simulate APIs)</a:t>
+            </a:r>
+          </a:p>
+          <a:p>
+            <a:pPr lvl="1">
+              <a:buSzPct val="100000"/>
+            </a:pPr>
+            <a:r>
+              <a:rPr lang="en-US" b="1" dirty="0"/>
+              <a:t>Contracts</a:t>
+            </a:r>
+            <a:r>
+              <a:rPr lang="en-US" dirty="0"/>
+              <a:t>: Pact / Spring Cloud Contract (keep mocks honest)</a:t>
+            </a:r>
+          </a:p>
+          <a:p>
+            <a:pPr lvl="1">
+              <a:buSzPct val="100000"/>
+            </a:pPr>
+            <a:r>
+              <a:rPr lang="pt-BR" b="1" dirty="0"/>
+              <a:t>Infra realism</a:t>
+            </a:r>
+            <a:r>
+              <a:rPr lang="pt-BR" dirty="0"/>
+              <a:t>: Testcontainers, LocalStack, Azurite (real DBs/queues/clouds in Docker)</a:t>
+            </a:r>
+          </a:p>
+          <a:p>
+            <a:pPr lvl="1">
+              <a:buSzPct val="100000"/>
+            </a:pPr>
+            <a:r>
+              <a:rPr lang="en-US" b="1" dirty="0"/>
+              <a:t>Visual checks</a:t>
+            </a:r>
+            <a:r>
+              <a:rPr lang="en-US" dirty="0"/>
+              <a:t>: Percy / Playwright snapshots (UI regressions)</a:t>
+            </a:r>
+          </a:p>
+        </p:txBody>
+      </p:sp>
+    </p:spTree>
+    <p:extLst>
+      <p:ext uri="{BB962C8B-B14F-4D97-AF65-F5344CB8AC3E}">
+        <p14:creationId xmlns:p14="http://schemas.microsoft.com/office/powerpoint/2010/main" val="2100050150"/>
+      </p:ext>
+    </p:extLst>
+  </p:cSld>
+  <p:clrMapOvr>
+    <a:masterClrMapping/>
+  </p:clrMapOvr>
+</p:sld>
+</file>
+
+<file path=ppt/slides/slide34.xml><?xml version="1.0" encoding="utf-8"?>
+<p:sld xmlns:a="http://schemas.openxmlformats.org/drawingml/2006/main" xmlns:r="http://schemas.openxmlformats.org/officeDocument/2006/relationships" xmlns:p="http://schemas.openxmlformats.org/presentationml/2006/main">
+  <p:cSld>
+    <p:spTree>
+      <p:nvGrpSpPr>
+        <p:cNvPr id="1" name="">
+          <a:extLst>
+            <a:ext uri="{FF2B5EF4-FFF2-40B4-BE49-F238E27FC236}">
+              <a16:creationId xmlns:a16="http://schemas.microsoft.com/office/drawing/2014/main" id="{8CA4ED4D-5B3A-B460-F928-EDC673B74726}"/>
+            </a:ext>
+          </a:extLst>
+        </p:cNvPr>
+        <p:cNvGrpSpPr/>
+        <p:nvPr/>
+      </p:nvGrpSpPr>
+      <p:grpSpPr>
+        <a:xfrm>
+          <a:off x="0" y="0"/>
+          <a:ext cx="0" cy="0"/>
+          <a:chOff x="0" y="0"/>
+          <a:chExt cx="0" cy="0"/>
+        </a:xfrm>
+      </p:grpSpPr>
+      <p:sp>
+        <p:nvSpPr>
+          <p:cNvPr id="2" name="Titel 1">
+            <a:extLst>
+              <a:ext uri="{FF2B5EF4-FFF2-40B4-BE49-F238E27FC236}">
+                <a16:creationId xmlns:a16="http://schemas.microsoft.com/office/drawing/2014/main" id="{ABCF0ACE-DF32-DC46-AFDA-6BD6301ABE87}"/>
+              </a:ext>
+            </a:extLst>
+          </p:cNvPr>
+          <p:cNvSpPr>
+            <a:spLocks noGrp="1"/>
+          </p:cNvSpPr>
+          <p:nvPr>
+            <p:ph type="title"/>
+          </p:nvPr>
+        </p:nvSpPr>
+        <p:spPr/>
+        <p:txBody>
+          <a:bodyPr>
+            <a:normAutofit/>
+          </a:bodyPr>
+          <a:lstStyle/>
+          <a:p>
+            <a:r>
+              <a:rPr lang="en-US" dirty="0"/>
+              <a:t>Why is this necessary? The Test Pyramid</a:t>
+            </a:r>
+            <a:endParaRPr lang="pt-BR" b="1" dirty="0"/>
+          </a:p>
+        </p:txBody>
+      </p:sp>
+      <p:sp>
+        <p:nvSpPr>
+          <p:cNvPr id="6" name="Rechteck 5">
+            <a:extLst>
+              <a:ext uri="{FF2B5EF4-FFF2-40B4-BE49-F238E27FC236}">
+                <a16:creationId xmlns:a16="http://schemas.microsoft.com/office/drawing/2014/main" id="{6D3F2DD7-BE40-B6CB-6A91-0DEFC7BE9CFE}"/>
+              </a:ext>
+            </a:extLst>
+          </p:cNvPr>
+          <p:cNvSpPr/>
+          <p:nvPr/>
+        </p:nvSpPr>
+        <p:spPr>
+          <a:xfrm>
+            <a:off x="3223966" y="2281287"/>
+            <a:ext cx="5363852" cy="1018094"/>
+          </a:xfrm>
+          <a:prstGeom prst="rect">
+            <a:avLst/>
+          </a:prstGeom>
+        </p:spPr>
+        <p:style>
+          <a:lnRef idx="2">
+            <a:schemeClr val="accent1">
+              <a:shade val="15000"/>
+            </a:schemeClr>
+          </a:lnRef>
+          <a:fillRef idx="1">
+            <a:schemeClr val="accent1"/>
+          </a:fillRef>
+          <a:effectRef idx="0">
+            <a:schemeClr val="accent1"/>
+          </a:effectRef>
+          <a:fontRef idx="minor">
+            <a:schemeClr val="lt1"/>
+          </a:fontRef>
+        </p:style>
+        <p:txBody>
+          <a:bodyPr rtlCol="0" anchor="ctr"/>
+          <a:lstStyle/>
+          <a:p>
+            <a:pPr algn="ctr"/>
+            <a:r>
+              <a:rPr lang="pt-BR" dirty="0"/>
+              <a:t>End-to-End UI</a:t>
+            </a:r>
+          </a:p>
+          <a:p>
+            <a:pPr algn="ctr"/>
+            <a:r>
+              <a:rPr lang="pt-BR" dirty="0"/>
+              <a:t>~5-10% tests</a:t>
+            </a:r>
+          </a:p>
+          <a:p>
+            <a:pPr algn="ctr"/>
+            <a:r>
+              <a:rPr lang="pt-BR" dirty="0"/>
+              <a:t>Tools: Cypress, Playwright, Percy</a:t>
+            </a:r>
+          </a:p>
+        </p:txBody>
+      </p:sp>
+      <p:sp>
+        <p:nvSpPr>
+          <p:cNvPr id="7" name="Rechteck 6">
+            <a:extLst>
+              <a:ext uri="{FF2B5EF4-FFF2-40B4-BE49-F238E27FC236}">
+                <a16:creationId xmlns:a16="http://schemas.microsoft.com/office/drawing/2014/main" id="{CC66915F-CD41-A4B5-BD4C-DFF4ED4826DB}"/>
+              </a:ext>
+            </a:extLst>
+          </p:cNvPr>
+          <p:cNvSpPr/>
+          <p:nvPr/>
+        </p:nvSpPr>
+        <p:spPr>
+          <a:xfrm>
+            <a:off x="4176074" y="3558620"/>
+            <a:ext cx="3459636" cy="1018094"/>
+          </a:xfrm>
+          <a:prstGeom prst="rect">
+            <a:avLst/>
+          </a:prstGeom>
+          <a:solidFill>
+            <a:schemeClr val="accent2"/>
+          </a:solidFill>
+        </p:spPr>
+        <p:style>
+          <a:lnRef idx="2">
+            <a:schemeClr val="accent1">
+              <a:shade val="15000"/>
+            </a:schemeClr>
+          </a:lnRef>
+          <a:fillRef idx="1">
+            <a:schemeClr val="accent1"/>
+          </a:fillRef>
+          <a:effectRef idx="0">
+            <a:schemeClr val="accent1"/>
+          </a:effectRef>
+          <a:fontRef idx="minor">
+            <a:schemeClr val="lt1"/>
+          </a:fontRef>
+        </p:style>
+        <p:txBody>
+          <a:bodyPr rtlCol="0" anchor="ctr"/>
+          <a:lstStyle/>
+          <a:p>
+            <a:pPr algn="ctr"/>
+            <a:r>
+              <a:rPr lang="pt-BR" dirty="0"/>
+              <a:t>Service/Integration</a:t>
+            </a:r>
+          </a:p>
+          <a:p>
+            <a:pPr algn="ctr"/>
+            <a:r>
+              <a:rPr lang="pt-BR" dirty="0"/>
+              <a:t>~20-25% tests</a:t>
+            </a:r>
+          </a:p>
+          <a:p>
+            <a:pPr algn="ctr"/>
+            <a:r>
+              <a:rPr lang="pt-BR" sz="1600" dirty="0"/>
+              <a:t>Tools: WireMock, MockServer, Pact</a:t>
+            </a:r>
+          </a:p>
+        </p:txBody>
+      </p:sp>
+      <p:sp>
+        <p:nvSpPr>
+          <p:cNvPr id="8" name="Rechteck 7">
+            <a:extLst>
+              <a:ext uri="{FF2B5EF4-FFF2-40B4-BE49-F238E27FC236}">
+                <a16:creationId xmlns:a16="http://schemas.microsoft.com/office/drawing/2014/main" id="{9EECCC89-C87E-6AB8-B4B1-164303DBB067}"/>
+              </a:ext>
+            </a:extLst>
+          </p:cNvPr>
+          <p:cNvSpPr/>
+          <p:nvPr/>
+        </p:nvSpPr>
+        <p:spPr>
+          <a:xfrm>
+            <a:off x="4958497" y="4835953"/>
+            <a:ext cx="1894790" cy="1018094"/>
+          </a:xfrm>
+          <a:prstGeom prst="rect">
+            <a:avLst/>
+          </a:prstGeom>
+          <a:solidFill>
+            <a:schemeClr val="accent5"/>
+          </a:solidFill>
+        </p:spPr>
+        <p:style>
+          <a:lnRef idx="2">
+            <a:schemeClr val="accent1">
+              <a:shade val="15000"/>
+            </a:schemeClr>
+          </a:lnRef>
+          <a:fillRef idx="1">
+            <a:schemeClr val="accent1"/>
+          </a:fillRef>
+          <a:effectRef idx="0">
+            <a:schemeClr val="accent1"/>
+          </a:effectRef>
+          <a:fontRef idx="minor">
+            <a:schemeClr val="lt1"/>
+          </a:fontRef>
+        </p:style>
+        <p:txBody>
+          <a:bodyPr rtlCol="0" anchor="ctr"/>
+          <a:lstStyle/>
+          <a:p>
+            <a:pPr algn="ctr"/>
+            <a:r>
+              <a:rPr lang="pt-BR" sz="1600" dirty="0"/>
+              <a:t>Unit (TDD)</a:t>
+            </a:r>
+          </a:p>
+          <a:p>
+            <a:pPr algn="ctr"/>
+            <a:r>
+              <a:rPr lang="pt-BR" sz="1600" dirty="0"/>
+              <a:t>~70% tests</a:t>
+            </a:r>
+          </a:p>
+          <a:p>
+            <a:pPr algn="ctr"/>
+            <a:r>
+              <a:rPr lang="pt-BR" sz="1400" dirty="0"/>
+              <a:t>Tools: Jest, Sinon, Mockito</a:t>
+            </a:r>
+          </a:p>
+        </p:txBody>
+      </p:sp>
+    </p:spTree>
+    <p:extLst>
+      <p:ext uri="{BB962C8B-B14F-4D97-AF65-F5344CB8AC3E}">
+        <p14:creationId xmlns:p14="http://schemas.microsoft.com/office/powerpoint/2010/main" val="2433885059"/>
+      </p:ext>
+    </p:extLst>
+  </p:cSld>
+  <p:clrMapOvr>
+    <a:masterClrMapping/>
+  </p:clrMapOvr>
+</p:sld>
+</file>
+
+<file path=ppt/slides/slide35.xml><?xml version="1.0" encoding="utf-8"?>
+<p:sld xmlns:a="http://schemas.openxmlformats.org/drawingml/2006/main" xmlns:r="http://schemas.openxmlformats.org/officeDocument/2006/relationships" xmlns:p="http://schemas.openxmlformats.org/presentationml/2006/main">
+  <p:cSld>
+    <p:bg>
+      <p:bgPr>
+        <a:solidFill>
+          <a:srgbClr val="000000"/>
+        </a:solidFill>
+        <a:effectLst/>
+      </p:bgPr>
+    </p:bg>
+    <p:spTree>
+      <p:nvGrpSpPr>
+        <p:cNvPr id="1" name="">
+          <a:extLst>
+            <a:ext uri="{FF2B5EF4-FFF2-40B4-BE49-F238E27FC236}">
+              <a16:creationId xmlns:a16="http://schemas.microsoft.com/office/drawing/2014/main" id="{479774E4-3ADE-F1BD-74D2-6951BF4D4865}"/>
+            </a:ext>
+          </a:extLst>
+        </p:cNvPr>
+        <p:cNvGrpSpPr/>
+        <p:nvPr/>
+      </p:nvGrpSpPr>
+      <p:grpSpPr>
+        <a:xfrm>
+          <a:off x="0" y="0"/>
+          <a:ext cx="0" cy="0"/>
+          <a:chOff x="0" y="0"/>
+          <a:chExt cx="0" cy="0"/>
+        </a:xfrm>
+      </p:grpSpPr>
+      <p:sp>
+        <p:nvSpPr>
+          <p:cNvPr id="5136" name="Rectangle 5126">
+            <a:extLst>
+              <a:ext uri="{FF2B5EF4-FFF2-40B4-BE49-F238E27FC236}">
+                <a16:creationId xmlns:a16="http://schemas.microsoft.com/office/drawing/2014/main" id="{71B2258F-86CA-4D4D-8270-BC05FCDEBFB3}"/>
+              </a:ext>
+              <a:ext uri="{C183D7F6-B498-43B3-948B-1728B52AA6E4}">
+                <adec:decorative xmlns:adec="http://schemas.microsoft.com/office/drawing/2017/decorative" val="1"/>
+              </a:ext>
+            </a:extLst>
+          </p:cNvPr>
+          <p:cNvSpPr>
+            <a:spLocks noGrp="1" noRot="1" noChangeAspect="1" noMove="1" noResize="1" noEditPoints="1" noAdjustHandles="1" noChangeArrowheads="1" noChangeShapeType="1" noTextEdit="1"/>
+          </p:cNvSpPr>
+          <p:nvPr>
+            <p:extLst>
+              <p:ext uri="{386F3935-93C4-4BCD-93E2-E3B085C9AB24}">
+                <p16:designElem xmlns:p16="http://schemas.microsoft.com/office/powerpoint/2015/main" val="1"/>
+              </p:ext>
+            </p:extLst>
+          </p:nvPr>
+        </p:nvSpPr>
+        <p:spPr>
+          <a:xfrm>
+            <a:off x="0" y="0"/>
+            <a:ext cx="12192000" cy="6857999"/>
+          </a:xfrm>
+          <a:prstGeom prst="rect">
+            <a:avLst/>
+          </a:prstGeom>
+          <a:solidFill>
+            <a:srgbClr val="000000"/>
+          </a:solidFill>
+          <a:ln>
+            <a:noFill/>
+          </a:ln>
+        </p:spPr>
+        <p:style>
+          <a:lnRef idx="2">
+            <a:schemeClr val="accent1">
+              <a:shade val="50000"/>
+            </a:schemeClr>
+          </a:lnRef>
+          <a:fillRef idx="1">
+            <a:schemeClr val="accent1"/>
+          </a:fillRef>
+          <a:effectRef idx="0">
+            <a:schemeClr val="accent1"/>
+          </a:effectRef>
+          <a:fontRef idx="minor">
+            <a:schemeClr val="lt1"/>
+          </a:fontRef>
+        </p:style>
+        <p:txBody>
+          <a:bodyPr rtlCol="0" anchor="ctr"/>
+          <a:lstStyle/>
+          <a:p>
+            <a:pPr algn="ctr"/>
+            <a:endParaRPr lang="en-US"/>
+          </a:p>
+        </p:txBody>
+      </p:sp>
+      <p:pic>
+        <p:nvPicPr>
+          <p:cNvPr id="5122" name="Picture 2" descr="JUICY HOMEMADE BURGERS - D&amp;R Meats">
+            <a:extLst>
+              <a:ext uri="{FF2B5EF4-FFF2-40B4-BE49-F238E27FC236}">
+                <a16:creationId xmlns:a16="http://schemas.microsoft.com/office/drawing/2014/main" id="{CE342E14-7E93-90B7-9480-312DE54979F2}"/>
+              </a:ext>
+            </a:extLst>
+          </p:cNvPr>
+          <p:cNvPicPr>
+            <a:picLocks noChangeAspect="1" noChangeArrowheads="1"/>
+          </p:cNvPicPr>
+          <p:nvPr/>
+        </p:nvPicPr>
+        <p:blipFill>
+          <a:blip r:embed="rId2">
+            <a:alphaModFix amt="50000"/>
+            <a:extLst>
+              <a:ext uri="{28A0092B-C50C-407E-A947-70E740481C1C}">
+                <a14:useLocalDpi xmlns:a14="http://schemas.microsoft.com/office/drawing/2010/main" val="0"/>
+              </a:ext>
+            </a:extLst>
+          </a:blip>
+          <a:srcRect t="5866" b="9864"/>
+          <a:stretch>
+            <a:fillRect/>
+          </a:stretch>
+        </p:blipFill>
+        <p:spPr bwMode="auto">
+          <a:xfrm>
+            <a:off x="20" y="1"/>
+            <a:ext cx="12191980" cy="6857999"/>
+          </a:xfrm>
+          <a:prstGeom prst="rect">
+            <a:avLst/>
+          </a:prstGeom>
+          <a:noFill/>
+          <a:extLst>
+            <a:ext uri="{909E8E84-426E-40DD-AFC4-6F175D3DCCD1}">
+              <a14:hiddenFill xmlns:a14="http://schemas.microsoft.com/office/drawing/2010/main">
+                <a:solidFill>
+                  <a:srgbClr val="FFFFFF"/>
+                </a:solidFill>
+              </a14:hiddenFill>
+            </a:ext>
+          </a:extLst>
+        </p:spPr>
+      </p:pic>
+      <p:sp>
+        <p:nvSpPr>
+          <p:cNvPr id="2" name="Titel 1">
+            <a:extLst>
+              <a:ext uri="{FF2B5EF4-FFF2-40B4-BE49-F238E27FC236}">
+                <a16:creationId xmlns:a16="http://schemas.microsoft.com/office/drawing/2014/main" id="{5625E10D-82C6-DF7C-ED08-50ECE2FBB7D7}"/>
+              </a:ext>
+            </a:extLst>
+          </p:cNvPr>
+          <p:cNvSpPr>
+            <a:spLocks noGrp="1"/>
+          </p:cNvSpPr>
+          <p:nvPr>
+            <p:ph type="title"/>
+          </p:nvPr>
+        </p:nvSpPr>
+        <p:spPr>
+          <a:xfrm>
+            <a:off x="1524000" y="1631410"/>
+            <a:ext cx="9144000" cy="2900518"/>
+          </a:xfrm>
+        </p:spPr>
+        <p:txBody>
+          <a:bodyPr vert="horz" lIns="91440" tIns="45720" rIns="91440" bIns="45720" rtlCol="0" anchor="b">
+            <a:normAutofit/>
+          </a:bodyPr>
+          <a:lstStyle/>
+          <a:p>
+            <a:pPr algn="ctr"/>
+            <a:r>
+              <a:rPr lang="en-US" sz="6000" dirty="0">
+                <a:solidFill>
+                  <a:srgbClr val="FFFFFF"/>
+                </a:solidFill>
+              </a:rPr>
+              <a:t>Why is this necessary? The Burger Method</a:t>
+            </a:r>
+            <a:endParaRPr lang="en-US" sz="6000" b="1" dirty="0">
+              <a:solidFill>
+                <a:srgbClr val="FFFFFF"/>
+              </a:solidFill>
+            </a:endParaRPr>
+          </a:p>
+        </p:txBody>
+      </p:sp>
+    </p:spTree>
+    <p:extLst>
+      <p:ext uri="{BB962C8B-B14F-4D97-AF65-F5344CB8AC3E}">
+        <p14:creationId xmlns:p14="http://schemas.microsoft.com/office/powerpoint/2010/main" val="3310105120"/>
+      </p:ext>
+    </p:extLst>
+  </p:cSld>
+  <p:clrMapOvr>
+    <a:overrideClrMapping bg1="dk1" tx1="lt1" bg2="dk2" tx2="lt2" accent1="accent1" accent2="accent2" accent3="accent3" accent4="accent4" accent5="accent5" accent6="accent6" hlink="hlink" folHlink="folHlink"/>
   </p:clrMapOvr>
 </p:sld>
 </file>
@@ -23451,7 +25324,7 @@
 </file>
 
 <file path=ppt/slides/slide8.xml><?xml version="1.0" encoding="utf-8"?>
-<p:sld xmlns:a="http://schemas.openxmlformats.org/drawingml/2006/main" xmlns:r="http://schemas.openxmlformats.org/officeDocument/2006/relationships" xmlns:p="http://schemas.openxmlformats.org/presentationml/2006/main">
+<p:sld xmlns:a="http://schemas.openxmlformats.org/drawingml/2006/main" xmlns:r="http://schemas.openxmlformats.org/officeDocument/2006/relationships" xmlns:p="http://schemas.openxmlformats.org/presentationml/2006/main" show="0">
   <p:cSld>
     <p:spTree>
       <p:nvGrpSpPr>
